--- a/presentation/Apresentação.pptx
+++ b/presentation/Apresentação.pptx
@@ -2,24 +2,26 @@
 <file path=ppt/presentation.xml><?xml version="1.0" encoding="utf-8"?>
 <p:presentation xmlns:a="http://schemas.openxmlformats.org/drawingml/2006/main" xmlns:r="http://schemas.openxmlformats.org/officeDocument/2006/relationships" xmlns:p="http://schemas.openxmlformats.org/presentationml/2006/main" saveSubsetFonts="1">
   <p:sldMasterIdLst>
-    <p:sldMasterId id="2147483648" r:id="rId1"/>
+    <p:sldMasterId id="2147483672" r:id="rId1"/>
   </p:sldMasterIdLst>
   <p:sldIdLst>
     <p:sldId id="256" r:id="rId2"/>
     <p:sldId id="257" r:id="rId3"/>
     <p:sldId id="262" r:id="rId4"/>
-    <p:sldId id="258" r:id="rId5"/>
-    <p:sldId id="259" r:id="rId6"/>
-    <p:sldId id="260" r:id="rId7"/>
-    <p:sldId id="261" r:id="rId8"/>
+    <p:sldId id="263" r:id="rId5"/>
+    <p:sldId id="264" r:id="rId6"/>
+    <p:sldId id="265" r:id="rId7"/>
+    <p:sldId id="266" r:id="rId8"/>
+    <p:sldId id="267" r:id="rId9"/>
+    <p:sldId id="268" r:id="rId10"/>
   </p:sldIdLst>
   <p:sldSz cx="12192000" cy="6858000"/>
   <p:notesSz cx="6858000" cy="9144000"/>
   <p:defaultTextStyle>
     <a:defPPr>
-      <a:defRPr lang="pt-PT"/>
+      <a:defRPr lang="en-US"/>
     </a:defPPr>
-    <a:lvl1pPr marL="0" algn="l" defTabSz="914400" rtl="0" eaLnBrk="1" latinLnBrk="0" hangingPunct="1">
+    <a:lvl1pPr marL="0" algn="l" defTabSz="457200" rtl="0" eaLnBrk="1" latinLnBrk="0" hangingPunct="1">
       <a:defRPr sz="1800" kern="1200">
         <a:solidFill>
           <a:schemeClr val="tx1"/>
@@ -29,7 +31,7 @@
         <a:cs typeface="+mn-cs"/>
       </a:defRPr>
     </a:lvl1pPr>
-    <a:lvl2pPr marL="457200" algn="l" defTabSz="914400" rtl="0" eaLnBrk="1" latinLnBrk="0" hangingPunct="1">
+    <a:lvl2pPr marL="457200" algn="l" defTabSz="457200" rtl="0" eaLnBrk="1" latinLnBrk="0" hangingPunct="1">
       <a:defRPr sz="1800" kern="1200">
         <a:solidFill>
           <a:schemeClr val="tx1"/>
@@ -39,7 +41,7 @@
         <a:cs typeface="+mn-cs"/>
       </a:defRPr>
     </a:lvl2pPr>
-    <a:lvl3pPr marL="914400" algn="l" defTabSz="914400" rtl="0" eaLnBrk="1" latinLnBrk="0" hangingPunct="1">
+    <a:lvl3pPr marL="914400" algn="l" defTabSz="457200" rtl="0" eaLnBrk="1" latinLnBrk="0" hangingPunct="1">
       <a:defRPr sz="1800" kern="1200">
         <a:solidFill>
           <a:schemeClr val="tx1"/>
@@ -49,7 +51,7 @@
         <a:cs typeface="+mn-cs"/>
       </a:defRPr>
     </a:lvl3pPr>
-    <a:lvl4pPr marL="1371600" algn="l" defTabSz="914400" rtl="0" eaLnBrk="1" latinLnBrk="0" hangingPunct="1">
+    <a:lvl4pPr marL="1371600" algn="l" defTabSz="457200" rtl="0" eaLnBrk="1" latinLnBrk="0" hangingPunct="1">
       <a:defRPr sz="1800" kern="1200">
         <a:solidFill>
           <a:schemeClr val="tx1"/>
@@ -59,7 +61,7 @@
         <a:cs typeface="+mn-cs"/>
       </a:defRPr>
     </a:lvl4pPr>
-    <a:lvl5pPr marL="1828800" algn="l" defTabSz="914400" rtl="0" eaLnBrk="1" latinLnBrk="0" hangingPunct="1">
+    <a:lvl5pPr marL="1828800" algn="l" defTabSz="457200" rtl="0" eaLnBrk="1" latinLnBrk="0" hangingPunct="1">
       <a:defRPr sz="1800" kern="1200">
         <a:solidFill>
           <a:schemeClr val="tx1"/>
@@ -69,7 +71,7 @@
         <a:cs typeface="+mn-cs"/>
       </a:defRPr>
     </a:lvl5pPr>
-    <a:lvl6pPr marL="2286000" algn="l" defTabSz="914400" rtl="0" eaLnBrk="1" latinLnBrk="0" hangingPunct="1">
+    <a:lvl6pPr marL="2286000" algn="l" defTabSz="457200" rtl="0" eaLnBrk="1" latinLnBrk="0" hangingPunct="1">
       <a:defRPr sz="1800" kern="1200">
         <a:solidFill>
           <a:schemeClr val="tx1"/>
@@ -79,7 +81,7 @@
         <a:cs typeface="+mn-cs"/>
       </a:defRPr>
     </a:lvl6pPr>
-    <a:lvl7pPr marL="2743200" algn="l" defTabSz="914400" rtl="0" eaLnBrk="1" latinLnBrk="0" hangingPunct="1">
+    <a:lvl7pPr marL="2743200" algn="l" defTabSz="457200" rtl="0" eaLnBrk="1" latinLnBrk="0" hangingPunct="1">
       <a:defRPr sz="1800" kern="1200">
         <a:solidFill>
           <a:schemeClr val="tx1"/>
@@ -89,7 +91,7 @@
         <a:cs typeface="+mn-cs"/>
       </a:defRPr>
     </a:lvl7pPr>
-    <a:lvl8pPr marL="3200400" algn="l" defTabSz="914400" rtl="0" eaLnBrk="1" latinLnBrk="0" hangingPunct="1">
+    <a:lvl8pPr marL="3200400" algn="l" defTabSz="457200" rtl="0" eaLnBrk="1" latinLnBrk="0" hangingPunct="1">
       <a:defRPr sz="1800" kern="1200">
         <a:solidFill>
           <a:schemeClr val="tx1"/>
@@ -99,7 +101,7 @@
         <a:cs typeface="+mn-cs"/>
       </a:defRPr>
     </a:lvl8pPr>
-    <a:lvl9pPr marL="3657600" algn="l" defTabSz="914400" rtl="0" eaLnBrk="1" latinLnBrk="0" hangingPunct="1">
+    <a:lvl9pPr marL="3657600" algn="l" defTabSz="457200" rtl="0" eaLnBrk="1" latinLnBrk="0" hangingPunct="1">
       <a:defRPr sz="1800" kern="1200">
         <a:solidFill>
           <a:schemeClr val="tx1"/>
@@ -110,12 +112,27 @@
       </a:defRPr>
     </a:lvl9pPr>
   </p:defaultTextStyle>
+  <p:extLst>
+    <p:ext uri="{EFAFB233-063F-42B5-8137-9DF3F51BA10A}">
+      <p15:sldGuideLst xmlns:p15="http://schemas.microsoft.com/office/powerpoint/2012/main"/>
+    </p:ext>
+  </p:extLst>
 </p:presentation>
 </file>
 
 <file path=ppt/slideLayouts/slideLayout1.xml><?xml version="1.0" encoding="utf-8"?>
-<p:sldLayout xmlns:a="http://schemas.openxmlformats.org/drawingml/2006/main" xmlns:r="http://schemas.openxmlformats.org/officeDocument/2006/relationships" xmlns:p="http://schemas.openxmlformats.org/presentationml/2006/main" type="title" preserve="1">
+<p:sldLayout xmlns:a="http://schemas.openxmlformats.org/drawingml/2006/main" xmlns:r="http://schemas.openxmlformats.org/officeDocument/2006/relationships" xmlns:p="http://schemas.openxmlformats.org/presentationml/2006/main" showMasterSp="0" type="title" preserve="1">
   <p:cSld name="Diapositivo de Título">
+    <p:bg>
+      <p:bgPr>
+        <a:solidFill>
+          <a:schemeClr val="bg2">
+            <a:lumMod val="75000"/>
+          </a:schemeClr>
+        </a:solidFill>
+        <a:effectLst/>
+      </p:bgPr>
+    </p:bg>
     <p:spTree>
       <p:nvGrpSpPr>
         <p:cNvPr id="1" name=""/>
@@ -132,13 +149,7 @@
       </p:grpSpPr>
       <p:sp>
         <p:nvSpPr>
-          <p:cNvPr id="2" name="Título 1">
-            <a:extLst>
-              <a:ext uri="{FF2B5EF4-FFF2-40B4-BE49-F238E27FC236}">
-                <a16:creationId xmlns:a16="http://schemas.microsoft.com/office/drawing/2014/main" id="{7D56A16F-55B9-4525-A01B-9EF510440886}"/>
-              </a:ext>
-            </a:extLst>
-          </p:cNvPr>
+          <p:cNvPr id="2" name="Title 1"/>
           <p:cNvSpPr>
             <a:spLocks noGrp="1"/>
           </p:cNvSpPr>
@@ -148,15 +159,24 @@
         </p:nvSpPr>
         <p:spPr>
           <a:xfrm>
-            <a:off x="1524000" y="1122363"/>
-            <a:ext cx="9144000" cy="2387600"/>
+            <a:off x="1261872" y="758952"/>
+            <a:ext cx="9418320" cy="4041648"/>
           </a:xfrm>
         </p:spPr>
         <p:txBody>
-          <a:bodyPr anchor="b"/>
+          <a:bodyPr anchor="b">
+            <a:normAutofit/>
+          </a:bodyPr>
           <a:lstStyle>
-            <a:lvl1pPr algn="ctr">
-              <a:defRPr sz="6000"/>
+            <a:lvl1pPr algn="l">
+              <a:lnSpc>
+                <a:spcPct val="85000"/>
+              </a:lnSpc>
+              <a:defRPr sz="7200" baseline="0">
+                <a:solidFill>
+                  <a:schemeClr val="tx1"/>
+                </a:solidFill>
+              </a:defRPr>
             </a:lvl1pPr>
           </a:lstStyle>
           <a:p>
@@ -164,18 +184,13 @@
               <a:rPr lang="pt-PT"/>
               <a:t>Clique para editar o estilo de título do Modelo Global</a:t>
             </a:r>
-          </a:p>
-        </p:txBody>
-      </p:sp>
-      <p:sp>
-        <p:nvSpPr>
-          <p:cNvPr id="3" name="Subtítulo 2">
-            <a:extLst>
-              <a:ext uri="{FF2B5EF4-FFF2-40B4-BE49-F238E27FC236}">
-                <a16:creationId xmlns:a16="http://schemas.microsoft.com/office/drawing/2014/main" id="{49381E93-C619-4117-AA2A-06B467CD9E5E}"/>
-              </a:ext>
-            </a:extLst>
-          </p:cNvPr>
+            <a:endParaRPr lang="en-US" dirty="0"/>
+          </a:p>
+        </p:txBody>
+      </p:sp>
+      <p:sp>
+        <p:nvSpPr>
+          <p:cNvPr id="3" name="Subtitle 2"/>
           <p:cNvSpPr>
             <a:spLocks noGrp="1"/>
           </p:cNvSpPr>
@@ -185,48 +200,56 @@
         </p:nvSpPr>
         <p:spPr>
           <a:xfrm>
-            <a:off x="1524000" y="3602038"/>
-            <a:ext cx="9144000" cy="1655762"/>
+            <a:off x="1261872" y="4800600"/>
+            <a:ext cx="9418320" cy="1691640"/>
           </a:xfrm>
         </p:spPr>
         <p:txBody>
-          <a:bodyPr/>
+          <a:bodyPr>
+            <a:normAutofit/>
+          </a:bodyPr>
           <a:lstStyle>
-            <a:lvl1pPr marL="0" indent="0" algn="ctr">
-              <a:buNone/>
-              <a:defRPr sz="2400"/>
+            <a:lvl1pPr marL="0" indent="0" algn="l">
+              <a:buNone/>
+              <a:defRPr sz="2200" baseline="0">
+                <a:solidFill>
+                  <a:schemeClr val="tx1">
+                    <a:lumMod val="75000"/>
+                  </a:schemeClr>
+                </a:solidFill>
+              </a:defRPr>
             </a:lvl1pPr>
             <a:lvl2pPr marL="457200" indent="0" algn="ctr">
               <a:buNone/>
-              <a:defRPr sz="2000"/>
+              <a:defRPr sz="2200"/>
             </a:lvl2pPr>
             <a:lvl3pPr marL="914400" indent="0" algn="ctr">
               <a:buNone/>
-              <a:defRPr sz="1800"/>
+              <a:defRPr sz="2200"/>
             </a:lvl3pPr>
             <a:lvl4pPr marL="1371600" indent="0" algn="ctr">
               <a:buNone/>
-              <a:defRPr sz="1600"/>
+              <a:defRPr sz="2000"/>
             </a:lvl4pPr>
             <a:lvl5pPr marL="1828800" indent="0" algn="ctr">
               <a:buNone/>
-              <a:defRPr sz="1600"/>
+              <a:defRPr sz="2000"/>
             </a:lvl5pPr>
             <a:lvl6pPr marL="2286000" indent="0" algn="ctr">
               <a:buNone/>
-              <a:defRPr sz="1600"/>
+              <a:defRPr sz="2000"/>
             </a:lvl6pPr>
             <a:lvl7pPr marL="2743200" indent="0" algn="ctr">
               <a:buNone/>
-              <a:defRPr sz="1600"/>
+              <a:defRPr sz="2000"/>
             </a:lvl7pPr>
             <a:lvl8pPr marL="3200400" indent="0" algn="ctr">
               <a:buNone/>
-              <a:defRPr sz="1600"/>
+              <a:defRPr sz="2000"/>
             </a:lvl8pPr>
             <a:lvl9pPr marL="3657600" indent="0" algn="ctr">
               <a:buNone/>
-              <a:defRPr sz="1600"/>
+              <a:defRPr sz="2000"/>
             </a:lvl9pPr>
           </a:lstStyle>
           <a:p>
@@ -234,18 +257,13 @@
               <a:rPr lang="pt-PT"/>
               <a:t>Clique para editar o estilo de subtítulo do Modelo Global</a:t>
             </a:r>
-          </a:p>
-        </p:txBody>
-      </p:sp>
-      <p:sp>
-        <p:nvSpPr>
-          <p:cNvPr id="4" name="Marcador de Posição da Data 3">
-            <a:extLst>
-              <a:ext uri="{FF2B5EF4-FFF2-40B4-BE49-F238E27FC236}">
-                <a16:creationId xmlns:a16="http://schemas.microsoft.com/office/drawing/2014/main" id="{530221E0-D8A3-4114-9F34-867399D100B9}"/>
-              </a:ext>
-            </a:extLst>
-          </p:cNvPr>
+            <a:endParaRPr lang="en-US" dirty="0"/>
+          </a:p>
+        </p:txBody>
+      </p:sp>
+      <p:sp>
+        <p:nvSpPr>
+          <p:cNvPr id="4" name="Date Placeholder 3"/>
           <p:cNvSpPr>
             <a:spLocks noGrp="1"/>
           </p:cNvSpPr>
@@ -256,11 +274,21 @@
         <p:spPr/>
         <p:txBody>
           <a:bodyPr/>
-          <a:lstStyle/>
+          <a:lstStyle>
+            <a:lvl1pPr>
+              <a:defRPr>
+                <a:solidFill>
+                  <a:schemeClr val="tx1">
+                    <a:lumMod val="50000"/>
+                  </a:schemeClr>
+                </a:solidFill>
+              </a:defRPr>
+            </a:lvl1pPr>
+          </a:lstStyle>
           <a:p>
             <a:fld id="{F7F73CC0-F35E-4DA6-8DCC-40D7AD2B5FC7}" type="datetimeFigureOut">
               <a:rPr lang="pt-PT" smtClean="0"/>
-              <a:t>31/10/2023</a:t>
+              <a:t>02/11/2023</a:t>
             </a:fld>
             <a:endParaRPr lang="pt-PT"/>
           </a:p>
@@ -268,13 +296,7 @@
       </p:sp>
       <p:sp>
         <p:nvSpPr>
-          <p:cNvPr id="5" name="Marcador de Posição do Rodapé 4">
-            <a:extLst>
-              <a:ext uri="{FF2B5EF4-FFF2-40B4-BE49-F238E27FC236}">
-                <a16:creationId xmlns:a16="http://schemas.microsoft.com/office/drawing/2014/main" id="{3301133C-2C5F-4D4E-98EB-52BD31D9EF8E}"/>
-              </a:ext>
-            </a:extLst>
-          </p:cNvPr>
+          <p:cNvPr id="5" name="Footer Placeholder 4"/>
           <p:cNvSpPr>
             <a:spLocks noGrp="1"/>
           </p:cNvSpPr>
@@ -285,7 +307,17 @@
         <p:spPr/>
         <p:txBody>
           <a:bodyPr/>
-          <a:lstStyle/>
+          <a:lstStyle>
+            <a:lvl1pPr>
+              <a:defRPr>
+                <a:solidFill>
+                  <a:schemeClr val="tx1">
+                    <a:lumMod val="65000"/>
+                  </a:schemeClr>
+                </a:solidFill>
+              </a:defRPr>
+            </a:lvl1pPr>
+          </a:lstStyle>
           <a:p>
             <a:endParaRPr lang="pt-PT"/>
           </a:p>
@@ -293,13 +325,7 @@
       </p:sp>
       <p:sp>
         <p:nvSpPr>
-          <p:cNvPr id="6" name="Marcador de Posição do Número do Diapositivo 5">
-            <a:extLst>
-              <a:ext uri="{FF2B5EF4-FFF2-40B4-BE49-F238E27FC236}">
-                <a16:creationId xmlns:a16="http://schemas.microsoft.com/office/drawing/2014/main" id="{E22C6BCD-C1D8-481E-A341-7C8EB9413A66}"/>
-              </a:ext>
-            </a:extLst>
-          </p:cNvPr>
+          <p:cNvPr id="6" name="Slide Number Placeholder 5"/>
           <p:cNvSpPr>
             <a:spLocks noGrp="1"/>
           </p:cNvSpPr>
@@ -310,7 +336,17 @@
         <p:spPr/>
         <p:txBody>
           <a:bodyPr/>
-          <a:lstStyle/>
+          <a:lstStyle>
+            <a:lvl1pPr>
+              <a:defRPr>
+                <a:solidFill>
+                  <a:schemeClr val="tx1">
+                    <a:lumMod val="65000"/>
+                  </a:schemeClr>
+                </a:solidFill>
+              </a:defRPr>
+            </a:lvl1pPr>
+          </a:lstStyle>
           <a:p>
             <a:fld id="{9B84D8DA-9E54-4BA1-BDA8-2C0DB5A021D1}" type="slidenum">
               <a:rPr lang="pt-PT" smtClean="0"/>
@@ -320,15 +356,53 @@
           </a:p>
         </p:txBody>
       </p:sp>
+      <p:sp>
+        <p:nvSpPr>
+          <p:cNvPr id="7" name="Rectangle 6"/>
+          <p:cNvSpPr/>
+          <p:nvPr/>
+        </p:nvSpPr>
+        <p:spPr>
+          <a:xfrm>
+            <a:off x="0" y="0"/>
+            <a:ext cx="457200" cy="6858000"/>
+          </a:xfrm>
+          <a:prstGeom prst="rect">
+            <a:avLst/>
+          </a:prstGeom>
+          <a:solidFill>
+            <a:schemeClr val="accent1"/>
+          </a:solidFill>
+          <a:ln>
+            <a:noFill/>
+          </a:ln>
+        </p:spPr>
+        <p:style>
+          <a:lnRef idx="2">
+            <a:schemeClr val="accent1">
+              <a:shade val="50000"/>
+            </a:schemeClr>
+          </a:lnRef>
+          <a:fillRef idx="1">
+            <a:schemeClr val="accent1"/>
+          </a:fillRef>
+          <a:effectRef idx="0">
+            <a:schemeClr val="accent1"/>
+          </a:effectRef>
+          <a:fontRef idx="minor">
+            <a:schemeClr val="lt1"/>
+          </a:fontRef>
+        </p:style>
+      </p:sp>
     </p:spTree>
     <p:extLst>
       <p:ext uri="{BB962C8B-B14F-4D97-AF65-F5344CB8AC3E}">
-        <p14:creationId xmlns:p14="http://schemas.microsoft.com/office/powerpoint/2010/main" val="2006667523"/>
+        <p14:creationId xmlns:p14="http://schemas.microsoft.com/office/powerpoint/2010/main" val="2707885164"/>
       </p:ext>
     </p:extLst>
   </p:cSld>
   <p:clrMapOvr>
-    <a:masterClrMapping/>
+    <a:overrideClrMapping bg1="dk1" tx1="lt1" bg2="dk2" tx2="lt2" accent1="accent1" accent2="accent2" accent3="accent3" accent4="accent4" accent5="accent5" accent6="accent6" hlink="hlink" folHlink="folHlink"/>
   </p:clrMapOvr>
 </p:sldLayout>
 </file>
@@ -352,13 +426,7 @@
       </p:grpSpPr>
       <p:sp>
         <p:nvSpPr>
-          <p:cNvPr id="2" name="Título 1">
-            <a:extLst>
-              <a:ext uri="{FF2B5EF4-FFF2-40B4-BE49-F238E27FC236}">
-                <a16:creationId xmlns:a16="http://schemas.microsoft.com/office/drawing/2014/main" id="{5E5A309D-0FA5-4FB8-AF00-87E40D11FEEC}"/>
-              </a:ext>
-            </a:extLst>
-          </p:cNvPr>
+          <p:cNvPr id="2" name="Title 1"/>
           <p:cNvSpPr>
             <a:spLocks noGrp="1"/>
           </p:cNvSpPr>
@@ -375,18 +443,13 @@
               <a:rPr lang="pt-PT"/>
               <a:t>Clique para editar o estilo de título do Modelo Global</a:t>
             </a:r>
-          </a:p>
-        </p:txBody>
-      </p:sp>
-      <p:sp>
-        <p:nvSpPr>
-          <p:cNvPr id="3" name="Marcador de Posição de Texto Vertical 2">
-            <a:extLst>
-              <a:ext uri="{FF2B5EF4-FFF2-40B4-BE49-F238E27FC236}">
-                <a16:creationId xmlns:a16="http://schemas.microsoft.com/office/drawing/2014/main" id="{BF2345F1-D533-4C1A-BF93-61876B470F7E}"/>
-              </a:ext>
-            </a:extLst>
-          </p:cNvPr>
+            <a:endParaRPr lang="en-US" dirty="0"/>
+          </a:p>
+        </p:txBody>
+      </p:sp>
+      <p:sp>
+        <p:nvSpPr>
+          <p:cNvPr id="3" name="Vertical Text Placeholder 2"/>
           <p:cNvSpPr>
             <a:spLocks noGrp="1"/>
           </p:cNvSpPr>
@@ -432,18 +495,13 @@
               <a:rPr lang="pt-PT"/>
               <a:t>Quinto nível</a:t>
             </a:r>
-          </a:p>
-        </p:txBody>
-      </p:sp>
-      <p:sp>
-        <p:nvSpPr>
-          <p:cNvPr id="4" name="Marcador de Posição da Data 3">
-            <a:extLst>
-              <a:ext uri="{FF2B5EF4-FFF2-40B4-BE49-F238E27FC236}">
-                <a16:creationId xmlns:a16="http://schemas.microsoft.com/office/drawing/2014/main" id="{132E6B32-BE00-4DE8-85FF-83FA1AF438ED}"/>
-              </a:ext>
-            </a:extLst>
-          </p:cNvPr>
+            <a:endParaRPr lang="en-US" dirty="0"/>
+          </a:p>
+        </p:txBody>
+      </p:sp>
+      <p:sp>
+        <p:nvSpPr>
+          <p:cNvPr id="4" name="Date Placeholder 3"/>
           <p:cNvSpPr>
             <a:spLocks noGrp="1"/>
           </p:cNvSpPr>
@@ -458,7 +516,7 @@
           <a:p>
             <a:fld id="{F7F73CC0-F35E-4DA6-8DCC-40D7AD2B5FC7}" type="datetimeFigureOut">
               <a:rPr lang="pt-PT" smtClean="0"/>
-              <a:t>31/10/2023</a:t>
+              <a:t>02/11/2023</a:t>
             </a:fld>
             <a:endParaRPr lang="pt-PT"/>
           </a:p>
@@ -466,13 +524,7 @@
       </p:sp>
       <p:sp>
         <p:nvSpPr>
-          <p:cNvPr id="5" name="Marcador de Posição do Rodapé 4">
-            <a:extLst>
-              <a:ext uri="{FF2B5EF4-FFF2-40B4-BE49-F238E27FC236}">
-                <a16:creationId xmlns:a16="http://schemas.microsoft.com/office/drawing/2014/main" id="{87E96FCC-94C7-4490-8316-9994985E5D49}"/>
-              </a:ext>
-            </a:extLst>
-          </p:cNvPr>
+          <p:cNvPr id="5" name="Footer Placeholder 4"/>
           <p:cNvSpPr>
             <a:spLocks noGrp="1"/>
           </p:cNvSpPr>
@@ -491,13 +543,7 @@
       </p:sp>
       <p:sp>
         <p:nvSpPr>
-          <p:cNvPr id="6" name="Marcador de Posição do Número do Diapositivo 5">
-            <a:extLst>
-              <a:ext uri="{FF2B5EF4-FFF2-40B4-BE49-F238E27FC236}">
-                <a16:creationId xmlns:a16="http://schemas.microsoft.com/office/drawing/2014/main" id="{A0EBCF6C-A8C4-4611-9AD4-40DFB8EAC4AF}"/>
-              </a:ext>
-            </a:extLst>
-          </p:cNvPr>
+          <p:cNvPr id="6" name="Slide Number Placeholder 5"/>
           <p:cNvSpPr>
             <a:spLocks noGrp="1"/>
           </p:cNvSpPr>
@@ -521,7 +567,7 @@
     </p:spTree>
     <p:extLst>
       <p:ext uri="{BB962C8B-B14F-4D97-AF65-F5344CB8AC3E}">
-        <p14:creationId xmlns:p14="http://schemas.microsoft.com/office/powerpoint/2010/main" val="2123819232"/>
+        <p14:creationId xmlns:p14="http://schemas.microsoft.com/office/powerpoint/2010/main" val="2420681095"/>
       </p:ext>
     </p:extLst>
   </p:cSld>
@@ -550,13 +596,7 @@
       </p:grpSpPr>
       <p:sp>
         <p:nvSpPr>
-          <p:cNvPr id="2" name="Título Vertical 1">
-            <a:extLst>
-              <a:ext uri="{FF2B5EF4-FFF2-40B4-BE49-F238E27FC236}">
-                <a16:creationId xmlns:a16="http://schemas.microsoft.com/office/drawing/2014/main" id="{B89FE41D-5DD1-454F-9949-8381B76D1AAB}"/>
-              </a:ext>
-            </a:extLst>
-          </p:cNvPr>
+          <p:cNvPr id="2" name="Vertical Title 1"/>
           <p:cNvSpPr>
             <a:spLocks noGrp="1"/>
           </p:cNvSpPr>
@@ -566,8 +606,8 @@
         </p:nvSpPr>
         <p:spPr>
           <a:xfrm>
-            <a:off x="8724900" y="365125"/>
-            <a:ext cx="2628900" cy="5811838"/>
+            <a:off x="8648700" y="381000"/>
+            <a:ext cx="2476500" cy="5897562"/>
           </a:xfrm>
         </p:spPr>
         <p:txBody>
@@ -578,18 +618,13 @@
               <a:rPr lang="pt-PT"/>
               <a:t>Clique para editar o estilo de título do Modelo Global</a:t>
             </a:r>
-          </a:p>
-        </p:txBody>
-      </p:sp>
-      <p:sp>
-        <p:nvSpPr>
-          <p:cNvPr id="3" name="Marcador de Posição de Texto Vertical 2">
-            <a:extLst>
-              <a:ext uri="{FF2B5EF4-FFF2-40B4-BE49-F238E27FC236}">
-                <a16:creationId xmlns:a16="http://schemas.microsoft.com/office/drawing/2014/main" id="{DC011304-F2EA-4BD0-BC0F-809F88A3C5E5}"/>
-              </a:ext>
-            </a:extLst>
-          </p:cNvPr>
+            <a:endParaRPr lang="en-US" dirty="0"/>
+          </a:p>
+        </p:txBody>
+      </p:sp>
+      <p:sp>
+        <p:nvSpPr>
+          <p:cNvPr id="3" name="Vertical Text Placeholder 2"/>
           <p:cNvSpPr>
             <a:spLocks noGrp="1"/>
           </p:cNvSpPr>
@@ -599,8 +634,8 @@
         </p:nvSpPr>
         <p:spPr>
           <a:xfrm>
-            <a:off x="838200" y="365125"/>
-            <a:ext cx="7734300" cy="5811838"/>
+            <a:off x="762000" y="381000"/>
+            <a:ext cx="7734300" cy="5897562"/>
           </a:xfrm>
         </p:spPr>
         <p:txBody>
@@ -640,18 +675,13 @@
               <a:rPr lang="pt-PT"/>
               <a:t>Quinto nível</a:t>
             </a:r>
-          </a:p>
-        </p:txBody>
-      </p:sp>
-      <p:sp>
-        <p:nvSpPr>
-          <p:cNvPr id="4" name="Marcador de Posição da Data 3">
-            <a:extLst>
-              <a:ext uri="{FF2B5EF4-FFF2-40B4-BE49-F238E27FC236}">
-                <a16:creationId xmlns:a16="http://schemas.microsoft.com/office/drawing/2014/main" id="{0C262FF4-13F5-496D-9EB1-D8647B6A7BD5}"/>
-              </a:ext>
-            </a:extLst>
-          </p:cNvPr>
+            <a:endParaRPr lang="en-US" dirty="0"/>
+          </a:p>
+        </p:txBody>
+      </p:sp>
+      <p:sp>
+        <p:nvSpPr>
+          <p:cNvPr id="4" name="Date Placeholder 3"/>
           <p:cNvSpPr>
             <a:spLocks noGrp="1"/>
           </p:cNvSpPr>
@@ -666,7 +696,7 @@
           <a:p>
             <a:fld id="{F7F73CC0-F35E-4DA6-8DCC-40D7AD2B5FC7}" type="datetimeFigureOut">
               <a:rPr lang="pt-PT" smtClean="0"/>
-              <a:t>31/10/2023</a:t>
+              <a:t>02/11/2023</a:t>
             </a:fld>
             <a:endParaRPr lang="pt-PT"/>
           </a:p>
@@ -674,13 +704,7 @@
       </p:sp>
       <p:sp>
         <p:nvSpPr>
-          <p:cNvPr id="5" name="Marcador de Posição do Rodapé 4">
-            <a:extLst>
-              <a:ext uri="{FF2B5EF4-FFF2-40B4-BE49-F238E27FC236}">
-                <a16:creationId xmlns:a16="http://schemas.microsoft.com/office/drawing/2014/main" id="{D99D1271-840C-42A2-9F99-4D1D358A38A1}"/>
-              </a:ext>
-            </a:extLst>
-          </p:cNvPr>
+          <p:cNvPr id="5" name="Footer Placeholder 4"/>
           <p:cNvSpPr>
             <a:spLocks noGrp="1"/>
           </p:cNvSpPr>
@@ -699,13 +723,7 @@
       </p:sp>
       <p:sp>
         <p:nvSpPr>
-          <p:cNvPr id="6" name="Marcador de Posição do Número do Diapositivo 5">
-            <a:extLst>
-              <a:ext uri="{FF2B5EF4-FFF2-40B4-BE49-F238E27FC236}">
-                <a16:creationId xmlns:a16="http://schemas.microsoft.com/office/drawing/2014/main" id="{78EAC6D8-3E62-4324-8701-925E2578A8EA}"/>
-              </a:ext>
-            </a:extLst>
-          </p:cNvPr>
+          <p:cNvPr id="6" name="Slide Number Placeholder 5"/>
           <p:cNvSpPr>
             <a:spLocks noGrp="1"/>
           </p:cNvSpPr>
@@ -729,7 +747,7 @@
     </p:spTree>
     <p:extLst>
       <p:ext uri="{BB962C8B-B14F-4D97-AF65-F5344CB8AC3E}">
-        <p14:creationId xmlns:p14="http://schemas.microsoft.com/office/powerpoint/2010/main" val="1110615210"/>
+        <p14:creationId xmlns:p14="http://schemas.microsoft.com/office/powerpoint/2010/main" val="3049720011"/>
       </p:ext>
     </p:extLst>
   </p:cSld>
@@ -758,13 +776,7 @@
       </p:grpSpPr>
       <p:sp>
         <p:nvSpPr>
-          <p:cNvPr id="2" name="Título 1">
-            <a:extLst>
-              <a:ext uri="{FF2B5EF4-FFF2-40B4-BE49-F238E27FC236}">
-                <a16:creationId xmlns:a16="http://schemas.microsoft.com/office/drawing/2014/main" id="{85593A5E-1B4C-42EC-A324-66553AA15BF7}"/>
-              </a:ext>
-            </a:extLst>
-          </p:cNvPr>
+          <p:cNvPr id="2" name="Title 1"/>
           <p:cNvSpPr>
             <a:spLocks noGrp="1"/>
           </p:cNvSpPr>
@@ -781,18 +793,13 @@
               <a:rPr lang="pt-PT"/>
               <a:t>Clique para editar o estilo de título do Modelo Global</a:t>
             </a:r>
-          </a:p>
-        </p:txBody>
-      </p:sp>
-      <p:sp>
-        <p:nvSpPr>
-          <p:cNvPr id="3" name="Marcador de Posição de Conteúdo 2">
-            <a:extLst>
-              <a:ext uri="{FF2B5EF4-FFF2-40B4-BE49-F238E27FC236}">
-                <a16:creationId xmlns:a16="http://schemas.microsoft.com/office/drawing/2014/main" id="{F9DC844F-3BAA-4FB0-88D0-4EFFA6384C23}"/>
-              </a:ext>
-            </a:extLst>
-          </p:cNvPr>
+            <a:endParaRPr lang="en-US" dirty="0"/>
+          </a:p>
+        </p:txBody>
+      </p:sp>
+      <p:sp>
+        <p:nvSpPr>
+          <p:cNvPr id="3" name="Content Placeholder 2"/>
           <p:cNvSpPr>
             <a:spLocks noGrp="1"/>
           </p:cNvSpPr>
@@ -838,18 +845,13 @@
               <a:rPr lang="pt-PT"/>
               <a:t>Quinto nível</a:t>
             </a:r>
-          </a:p>
-        </p:txBody>
-      </p:sp>
-      <p:sp>
-        <p:nvSpPr>
-          <p:cNvPr id="4" name="Marcador de Posição da Data 3">
-            <a:extLst>
-              <a:ext uri="{FF2B5EF4-FFF2-40B4-BE49-F238E27FC236}">
-                <a16:creationId xmlns:a16="http://schemas.microsoft.com/office/drawing/2014/main" id="{61894444-72EC-4F80-BC3B-FD663BD8A2CB}"/>
-              </a:ext>
-            </a:extLst>
-          </p:cNvPr>
+            <a:endParaRPr lang="en-US" dirty="0"/>
+          </a:p>
+        </p:txBody>
+      </p:sp>
+      <p:sp>
+        <p:nvSpPr>
+          <p:cNvPr id="4" name="Date Placeholder 3"/>
           <p:cNvSpPr>
             <a:spLocks noGrp="1"/>
           </p:cNvSpPr>
@@ -864,7 +866,7 @@
           <a:p>
             <a:fld id="{F7F73CC0-F35E-4DA6-8DCC-40D7AD2B5FC7}" type="datetimeFigureOut">
               <a:rPr lang="pt-PT" smtClean="0"/>
-              <a:t>31/10/2023</a:t>
+              <a:t>02/11/2023</a:t>
             </a:fld>
             <a:endParaRPr lang="pt-PT"/>
           </a:p>
@@ -872,13 +874,7 @@
       </p:sp>
       <p:sp>
         <p:nvSpPr>
-          <p:cNvPr id="5" name="Marcador de Posição do Rodapé 4">
-            <a:extLst>
-              <a:ext uri="{FF2B5EF4-FFF2-40B4-BE49-F238E27FC236}">
-                <a16:creationId xmlns:a16="http://schemas.microsoft.com/office/drawing/2014/main" id="{363C4109-2506-4216-A0E1-7D1671F97C45}"/>
-              </a:ext>
-            </a:extLst>
-          </p:cNvPr>
+          <p:cNvPr id="5" name="Footer Placeholder 4"/>
           <p:cNvSpPr>
             <a:spLocks noGrp="1"/>
           </p:cNvSpPr>
@@ -897,13 +893,7 @@
       </p:sp>
       <p:sp>
         <p:nvSpPr>
-          <p:cNvPr id="6" name="Marcador de Posição do Número do Diapositivo 5">
-            <a:extLst>
-              <a:ext uri="{FF2B5EF4-FFF2-40B4-BE49-F238E27FC236}">
-                <a16:creationId xmlns:a16="http://schemas.microsoft.com/office/drawing/2014/main" id="{A4260E25-24A8-49AE-B0F9-B8A5FAC926F6}"/>
-              </a:ext>
-            </a:extLst>
-          </p:cNvPr>
+          <p:cNvPr id="6" name="Slide Number Placeholder 5"/>
           <p:cNvSpPr>
             <a:spLocks noGrp="1"/>
           </p:cNvSpPr>
@@ -927,7 +917,7 @@
     </p:spTree>
     <p:extLst>
       <p:ext uri="{BB962C8B-B14F-4D97-AF65-F5344CB8AC3E}">
-        <p14:creationId xmlns:p14="http://schemas.microsoft.com/office/powerpoint/2010/main" val="1625573304"/>
+        <p14:creationId xmlns:p14="http://schemas.microsoft.com/office/powerpoint/2010/main" val="3571902652"/>
       </p:ext>
     </p:extLst>
   </p:cSld>
@@ -956,13 +946,7 @@
       </p:grpSpPr>
       <p:sp>
         <p:nvSpPr>
-          <p:cNvPr id="2" name="Título 1">
-            <a:extLst>
-              <a:ext uri="{FF2B5EF4-FFF2-40B4-BE49-F238E27FC236}">
-                <a16:creationId xmlns:a16="http://schemas.microsoft.com/office/drawing/2014/main" id="{C1FFC306-0B3E-4BB6-81F6-A29C0C66D480}"/>
-              </a:ext>
-            </a:extLst>
-          </p:cNvPr>
+          <p:cNvPr id="2" name="Title 1"/>
           <p:cNvSpPr>
             <a:spLocks noGrp="1"/>
           </p:cNvSpPr>
@@ -972,15 +956,20 @@
         </p:nvSpPr>
         <p:spPr>
           <a:xfrm>
-            <a:off x="831850" y="1709738"/>
-            <a:ext cx="10515600" cy="2852737"/>
+            <a:off x="1261872" y="758952"/>
+            <a:ext cx="9418320" cy="4041648"/>
           </a:xfrm>
         </p:spPr>
         <p:txBody>
-          <a:bodyPr anchor="b"/>
+          <a:bodyPr anchor="b">
+            <a:normAutofit/>
+          </a:bodyPr>
           <a:lstStyle>
             <a:lvl1pPr>
-              <a:defRPr sz="6000"/>
+              <a:lnSpc>
+                <a:spcPct val="85000"/>
+              </a:lnSpc>
+              <a:defRPr sz="7200" b="0"/>
             </a:lvl1pPr>
           </a:lstStyle>
           <a:p>
@@ -988,18 +977,13 @@
               <a:rPr lang="pt-PT"/>
               <a:t>Clique para editar o estilo de título do Modelo Global</a:t>
             </a:r>
-          </a:p>
-        </p:txBody>
-      </p:sp>
-      <p:sp>
-        <p:nvSpPr>
-          <p:cNvPr id="3" name="Marcador de Posição do Texto 2">
-            <a:extLst>
-              <a:ext uri="{FF2B5EF4-FFF2-40B4-BE49-F238E27FC236}">
-                <a16:creationId xmlns:a16="http://schemas.microsoft.com/office/drawing/2014/main" id="{49F0C453-FB6E-4023-89D4-C2A4B48CD283}"/>
-              </a:ext>
-            </a:extLst>
-          </p:cNvPr>
+            <a:endParaRPr lang="en-US" dirty="0"/>
+          </a:p>
+        </p:txBody>
+      </p:sp>
+      <p:sp>
+        <p:nvSpPr>
+          <p:cNvPr id="3" name="Text Placeholder 2"/>
           <p:cNvSpPr>
             <a:spLocks noGrp="1"/>
           </p:cNvSpPr>
@@ -1009,102 +993,105 @@
         </p:nvSpPr>
         <p:spPr>
           <a:xfrm>
-            <a:off x="831850" y="4589463"/>
-            <a:ext cx="10515600" cy="1500187"/>
+            <a:off x="1261872" y="4800600"/>
+            <a:ext cx="9418320" cy="1691640"/>
           </a:xfrm>
         </p:spPr>
         <p:txBody>
-          <a:bodyPr/>
+          <a:bodyPr anchor="t">
+            <a:normAutofit/>
+          </a:bodyPr>
           <a:lstStyle>
             <a:lvl1pPr marL="0" indent="0">
               <a:buNone/>
-              <a:defRPr sz="2400">
+              <a:defRPr sz="2200">
+                <a:solidFill>
+                  <a:schemeClr val="tx1">
+                    <a:lumMod val="65000"/>
+                    <a:lumOff val="35000"/>
+                  </a:schemeClr>
+                </a:solidFill>
+              </a:defRPr>
+            </a:lvl1pPr>
+            <a:lvl2pPr marL="457200" indent="0">
+              <a:buNone/>
+              <a:defRPr sz="1800">
                 <a:solidFill>
                   <a:schemeClr val="tx1">
                     <a:tint val="75000"/>
                   </a:schemeClr>
                 </a:solidFill>
               </a:defRPr>
-            </a:lvl1pPr>
-            <a:lvl2pPr marL="457200" indent="0">
-              <a:buNone/>
-              <a:defRPr sz="2000">
+            </a:lvl2pPr>
+            <a:lvl3pPr marL="914400" indent="0">
+              <a:buNone/>
+              <a:defRPr sz="1600">
                 <a:solidFill>
                   <a:schemeClr val="tx1">
                     <a:tint val="75000"/>
                   </a:schemeClr>
                 </a:solidFill>
               </a:defRPr>
-            </a:lvl2pPr>
-            <a:lvl3pPr marL="914400" indent="0">
-              <a:buNone/>
-              <a:defRPr sz="1800">
+            </a:lvl3pPr>
+            <a:lvl4pPr marL="1371600" indent="0">
+              <a:buNone/>
+              <a:defRPr sz="1400">
                 <a:solidFill>
                   <a:schemeClr val="tx1">
                     <a:tint val="75000"/>
                   </a:schemeClr>
                 </a:solidFill>
               </a:defRPr>
-            </a:lvl3pPr>
-            <a:lvl4pPr marL="1371600" indent="0">
-              <a:buNone/>
-              <a:defRPr sz="1600">
+            </a:lvl4pPr>
+            <a:lvl5pPr marL="1828800" indent="0">
+              <a:buNone/>
+              <a:defRPr sz="1400">
                 <a:solidFill>
                   <a:schemeClr val="tx1">
                     <a:tint val="75000"/>
                   </a:schemeClr>
                 </a:solidFill>
               </a:defRPr>
-            </a:lvl4pPr>
-            <a:lvl5pPr marL="1828800" indent="0">
-              <a:buNone/>
-              <a:defRPr sz="1600">
+            </a:lvl5pPr>
+            <a:lvl6pPr marL="2286000" indent="0">
+              <a:buNone/>
+              <a:defRPr sz="1400">
                 <a:solidFill>
                   <a:schemeClr val="tx1">
                     <a:tint val="75000"/>
                   </a:schemeClr>
                 </a:solidFill>
               </a:defRPr>
-            </a:lvl5pPr>
-            <a:lvl6pPr marL="2286000" indent="0">
-              <a:buNone/>
-              <a:defRPr sz="1600">
+            </a:lvl6pPr>
+            <a:lvl7pPr marL="2743200" indent="0">
+              <a:buNone/>
+              <a:defRPr sz="1400">
                 <a:solidFill>
                   <a:schemeClr val="tx1">
                     <a:tint val="75000"/>
                   </a:schemeClr>
                 </a:solidFill>
               </a:defRPr>
-            </a:lvl6pPr>
-            <a:lvl7pPr marL="2743200" indent="0">
-              <a:buNone/>
-              <a:defRPr sz="1600">
+            </a:lvl7pPr>
+            <a:lvl8pPr marL="3200400" indent="0">
+              <a:buNone/>
+              <a:defRPr sz="1400">
                 <a:solidFill>
                   <a:schemeClr val="tx1">
                     <a:tint val="75000"/>
                   </a:schemeClr>
                 </a:solidFill>
               </a:defRPr>
-            </a:lvl7pPr>
-            <a:lvl8pPr marL="3200400" indent="0">
-              <a:buNone/>
-              <a:defRPr sz="1600">
+            </a:lvl8pPr>
+            <a:lvl9pPr marL="3657600" indent="0">
+              <a:buNone/>
+              <a:defRPr sz="1400">
                 <a:solidFill>
                   <a:schemeClr val="tx1">
                     <a:tint val="75000"/>
                   </a:schemeClr>
                 </a:solidFill>
               </a:defRPr>
-            </a:lvl8pPr>
-            <a:lvl9pPr marL="3657600" indent="0">
-              <a:buNone/>
-              <a:defRPr sz="1600">
-                <a:solidFill>
-                  <a:schemeClr val="tx1">
-                    <a:tint val="75000"/>
-                  </a:schemeClr>
-                </a:solidFill>
-              </a:defRPr>
             </a:lvl9pPr>
           </a:lstStyle>
           <a:p>
@@ -1118,13 +1105,7 @@
       </p:sp>
       <p:sp>
         <p:nvSpPr>
-          <p:cNvPr id="4" name="Marcador de Posição da Data 3">
-            <a:extLst>
-              <a:ext uri="{FF2B5EF4-FFF2-40B4-BE49-F238E27FC236}">
-                <a16:creationId xmlns:a16="http://schemas.microsoft.com/office/drawing/2014/main" id="{D1138262-F6CD-40A9-B1E5-60B06C8233E7}"/>
-              </a:ext>
-            </a:extLst>
-          </p:cNvPr>
+          <p:cNvPr id="4" name="Date Placeholder 3"/>
           <p:cNvSpPr>
             <a:spLocks noGrp="1"/>
           </p:cNvSpPr>
@@ -1139,7 +1120,7 @@
           <a:p>
             <a:fld id="{F7F73CC0-F35E-4DA6-8DCC-40D7AD2B5FC7}" type="datetimeFigureOut">
               <a:rPr lang="pt-PT" smtClean="0"/>
-              <a:t>31/10/2023</a:t>
+              <a:t>02/11/2023</a:t>
             </a:fld>
             <a:endParaRPr lang="pt-PT"/>
           </a:p>
@@ -1147,13 +1128,7 @@
       </p:sp>
       <p:sp>
         <p:nvSpPr>
-          <p:cNvPr id="5" name="Marcador de Posição do Rodapé 4">
-            <a:extLst>
-              <a:ext uri="{FF2B5EF4-FFF2-40B4-BE49-F238E27FC236}">
-                <a16:creationId xmlns:a16="http://schemas.microsoft.com/office/drawing/2014/main" id="{FDB55ADA-CAA4-456A-BAD4-960C28FE499F}"/>
-              </a:ext>
-            </a:extLst>
-          </p:cNvPr>
+          <p:cNvPr id="5" name="Footer Placeholder 4"/>
           <p:cNvSpPr>
             <a:spLocks noGrp="1"/>
           </p:cNvSpPr>
@@ -1172,13 +1147,7 @@
       </p:sp>
       <p:sp>
         <p:nvSpPr>
-          <p:cNvPr id="6" name="Marcador de Posição do Número do Diapositivo 5">
-            <a:extLst>
-              <a:ext uri="{FF2B5EF4-FFF2-40B4-BE49-F238E27FC236}">
-                <a16:creationId xmlns:a16="http://schemas.microsoft.com/office/drawing/2014/main" id="{A8D3463A-3DAB-4819-96E3-26B19760F354}"/>
-              </a:ext>
-            </a:extLst>
-          </p:cNvPr>
+          <p:cNvPr id="6" name="Slide Number Placeholder 5"/>
           <p:cNvSpPr>
             <a:spLocks noGrp="1"/>
           </p:cNvSpPr>
@@ -1199,10 +1168,48 @@
           </a:p>
         </p:txBody>
       </p:sp>
+      <p:sp>
+        <p:nvSpPr>
+          <p:cNvPr id="7" name="Rectangle 6"/>
+          <p:cNvSpPr/>
+          <p:nvPr/>
+        </p:nvSpPr>
+        <p:spPr>
+          <a:xfrm>
+            <a:off x="0" y="0"/>
+            <a:ext cx="457200" cy="6858000"/>
+          </a:xfrm>
+          <a:prstGeom prst="rect">
+            <a:avLst/>
+          </a:prstGeom>
+          <a:solidFill>
+            <a:schemeClr val="accent1"/>
+          </a:solidFill>
+          <a:ln>
+            <a:noFill/>
+          </a:ln>
+        </p:spPr>
+        <p:style>
+          <a:lnRef idx="2">
+            <a:schemeClr val="accent1">
+              <a:shade val="50000"/>
+            </a:schemeClr>
+          </a:lnRef>
+          <a:fillRef idx="1">
+            <a:schemeClr val="accent1"/>
+          </a:fillRef>
+          <a:effectRef idx="0">
+            <a:schemeClr val="accent1"/>
+          </a:effectRef>
+          <a:fontRef idx="minor">
+            <a:schemeClr val="lt1"/>
+          </a:fontRef>
+        </p:style>
+      </p:sp>
     </p:spTree>
     <p:extLst>
       <p:ext uri="{BB962C8B-B14F-4D97-AF65-F5344CB8AC3E}">
-        <p14:creationId xmlns:p14="http://schemas.microsoft.com/office/powerpoint/2010/main" val="194522618"/>
+        <p14:creationId xmlns:p14="http://schemas.microsoft.com/office/powerpoint/2010/main" val="2853019513"/>
       </p:ext>
     </p:extLst>
   </p:cSld>
@@ -1231,13 +1238,7 @@
       </p:grpSpPr>
       <p:sp>
         <p:nvSpPr>
-          <p:cNvPr id="2" name="Título 1">
-            <a:extLst>
-              <a:ext uri="{FF2B5EF4-FFF2-40B4-BE49-F238E27FC236}">
-                <a16:creationId xmlns:a16="http://schemas.microsoft.com/office/drawing/2014/main" id="{785427D0-9A1C-4EFC-A2E6-DA71E4269945}"/>
-              </a:ext>
-            </a:extLst>
-          </p:cNvPr>
+          <p:cNvPr id="2" name="Title 1"/>
           <p:cNvSpPr>
             <a:spLocks noGrp="1"/>
           </p:cNvSpPr>
@@ -1254,18 +1255,13 @@
               <a:rPr lang="pt-PT"/>
               <a:t>Clique para editar o estilo de título do Modelo Global</a:t>
             </a:r>
-          </a:p>
-        </p:txBody>
-      </p:sp>
-      <p:sp>
-        <p:nvSpPr>
-          <p:cNvPr id="3" name="Marcador de Posição de Conteúdo 2">
-            <a:extLst>
-              <a:ext uri="{FF2B5EF4-FFF2-40B4-BE49-F238E27FC236}">
-                <a16:creationId xmlns:a16="http://schemas.microsoft.com/office/drawing/2014/main" id="{E6EF8288-936F-48FA-B498-B7C0135583D5}"/>
-              </a:ext>
-            </a:extLst>
-          </p:cNvPr>
+            <a:endParaRPr lang="en-US" dirty="0"/>
+          </a:p>
+        </p:txBody>
+      </p:sp>
+      <p:sp>
+        <p:nvSpPr>
+          <p:cNvPr id="3" name="Content Placeholder 2"/>
           <p:cNvSpPr>
             <a:spLocks noGrp="1"/>
           </p:cNvSpPr>
@@ -1275,13 +1271,41 @@
         </p:nvSpPr>
         <p:spPr>
           <a:xfrm>
-            <a:off x="838200" y="1825625"/>
-            <a:ext cx="5181600" cy="4351338"/>
+            <a:off x="1261872" y="1828800"/>
+            <a:ext cx="4480560" cy="4351337"/>
           </a:xfrm>
         </p:spPr>
         <p:txBody>
           <a:bodyPr/>
-          <a:lstStyle/>
+          <a:lstStyle>
+            <a:lvl1pPr>
+              <a:defRPr sz="1800"/>
+            </a:lvl1pPr>
+            <a:lvl2pPr>
+              <a:defRPr sz="1600"/>
+            </a:lvl2pPr>
+            <a:lvl3pPr>
+              <a:defRPr sz="1400"/>
+            </a:lvl3pPr>
+            <a:lvl4pPr>
+              <a:defRPr sz="1400"/>
+            </a:lvl4pPr>
+            <a:lvl5pPr>
+              <a:defRPr sz="1400"/>
+            </a:lvl5pPr>
+            <a:lvl6pPr>
+              <a:defRPr sz="1400"/>
+            </a:lvl6pPr>
+            <a:lvl7pPr>
+              <a:defRPr sz="1400"/>
+            </a:lvl7pPr>
+            <a:lvl8pPr>
+              <a:defRPr sz="1400"/>
+            </a:lvl8pPr>
+            <a:lvl9pPr>
+              <a:defRPr sz="1400"/>
+            </a:lvl9pPr>
+          </a:lstStyle>
           <a:p>
             <a:pPr lvl="0"/>
             <a:r>
@@ -1316,18 +1340,13 @@
               <a:rPr lang="pt-PT"/>
               <a:t>Quinto nível</a:t>
             </a:r>
-          </a:p>
-        </p:txBody>
-      </p:sp>
-      <p:sp>
-        <p:nvSpPr>
-          <p:cNvPr id="4" name="Marcador de Posição de Conteúdo 3">
-            <a:extLst>
-              <a:ext uri="{FF2B5EF4-FFF2-40B4-BE49-F238E27FC236}">
-                <a16:creationId xmlns:a16="http://schemas.microsoft.com/office/drawing/2014/main" id="{0C703885-1067-4A76-BA5B-DA57D91018C5}"/>
-              </a:ext>
-            </a:extLst>
-          </p:cNvPr>
+            <a:endParaRPr lang="en-US" dirty="0"/>
+          </a:p>
+        </p:txBody>
+      </p:sp>
+      <p:sp>
+        <p:nvSpPr>
+          <p:cNvPr id="4" name="Content Placeholder 3"/>
           <p:cNvSpPr>
             <a:spLocks noGrp="1"/>
           </p:cNvSpPr>
@@ -1337,13 +1356,41 @@
         </p:nvSpPr>
         <p:spPr>
           <a:xfrm>
-            <a:off x="6172200" y="1825625"/>
-            <a:ext cx="5181600" cy="4351338"/>
+            <a:off x="6126480" y="1828800"/>
+            <a:ext cx="4480560" cy="4351337"/>
           </a:xfrm>
         </p:spPr>
         <p:txBody>
           <a:bodyPr/>
-          <a:lstStyle/>
+          <a:lstStyle>
+            <a:lvl1pPr>
+              <a:defRPr sz="1800"/>
+            </a:lvl1pPr>
+            <a:lvl2pPr>
+              <a:defRPr sz="1600"/>
+            </a:lvl2pPr>
+            <a:lvl3pPr>
+              <a:defRPr sz="1400"/>
+            </a:lvl3pPr>
+            <a:lvl4pPr>
+              <a:defRPr sz="1400"/>
+            </a:lvl4pPr>
+            <a:lvl5pPr>
+              <a:defRPr sz="1400"/>
+            </a:lvl5pPr>
+            <a:lvl6pPr>
+              <a:defRPr sz="1400"/>
+            </a:lvl6pPr>
+            <a:lvl7pPr>
+              <a:defRPr sz="1400"/>
+            </a:lvl7pPr>
+            <a:lvl8pPr>
+              <a:defRPr sz="1400"/>
+            </a:lvl8pPr>
+            <a:lvl9pPr>
+              <a:defRPr sz="1400"/>
+            </a:lvl9pPr>
+          </a:lstStyle>
           <a:p>
             <a:pPr lvl="0"/>
             <a:r>
@@ -1378,18 +1425,13 @@
               <a:rPr lang="pt-PT"/>
               <a:t>Quinto nível</a:t>
             </a:r>
-          </a:p>
-        </p:txBody>
-      </p:sp>
-      <p:sp>
-        <p:nvSpPr>
-          <p:cNvPr id="5" name="Marcador de Posição da Data 4">
-            <a:extLst>
-              <a:ext uri="{FF2B5EF4-FFF2-40B4-BE49-F238E27FC236}">
-                <a16:creationId xmlns:a16="http://schemas.microsoft.com/office/drawing/2014/main" id="{87C955F8-2FD5-45D0-BCFC-A7F21232A653}"/>
-              </a:ext>
-            </a:extLst>
-          </p:cNvPr>
+            <a:endParaRPr lang="en-US" dirty="0"/>
+          </a:p>
+        </p:txBody>
+      </p:sp>
+      <p:sp>
+        <p:nvSpPr>
+          <p:cNvPr id="5" name="Date Placeholder 4"/>
           <p:cNvSpPr>
             <a:spLocks noGrp="1"/>
           </p:cNvSpPr>
@@ -1404,7 +1446,7 @@
           <a:p>
             <a:fld id="{F7F73CC0-F35E-4DA6-8DCC-40D7AD2B5FC7}" type="datetimeFigureOut">
               <a:rPr lang="pt-PT" smtClean="0"/>
-              <a:t>31/10/2023</a:t>
+              <a:t>02/11/2023</a:t>
             </a:fld>
             <a:endParaRPr lang="pt-PT"/>
           </a:p>
@@ -1412,13 +1454,7 @@
       </p:sp>
       <p:sp>
         <p:nvSpPr>
-          <p:cNvPr id="6" name="Marcador de Posição do Rodapé 5">
-            <a:extLst>
-              <a:ext uri="{FF2B5EF4-FFF2-40B4-BE49-F238E27FC236}">
-                <a16:creationId xmlns:a16="http://schemas.microsoft.com/office/drawing/2014/main" id="{6E0ABFA2-655C-48D6-9E5D-B5C4ACAC24D4}"/>
-              </a:ext>
-            </a:extLst>
-          </p:cNvPr>
+          <p:cNvPr id="6" name="Footer Placeholder 5"/>
           <p:cNvSpPr>
             <a:spLocks noGrp="1"/>
           </p:cNvSpPr>
@@ -1437,13 +1473,7 @@
       </p:sp>
       <p:sp>
         <p:nvSpPr>
-          <p:cNvPr id="7" name="Marcador de Posição do Número do Diapositivo 6">
-            <a:extLst>
-              <a:ext uri="{FF2B5EF4-FFF2-40B4-BE49-F238E27FC236}">
-                <a16:creationId xmlns:a16="http://schemas.microsoft.com/office/drawing/2014/main" id="{633AC828-4452-4092-8B96-799988FAA5F6}"/>
-              </a:ext>
-            </a:extLst>
-          </p:cNvPr>
+          <p:cNvPr id="7" name="Slide Number Placeholder 6"/>
           <p:cNvSpPr>
             <a:spLocks noGrp="1"/>
           </p:cNvSpPr>
@@ -1467,7 +1497,7 @@
     </p:spTree>
     <p:extLst>
       <p:ext uri="{BB962C8B-B14F-4D97-AF65-F5344CB8AC3E}">
-        <p14:creationId xmlns:p14="http://schemas.microsoft.com/office/powerpoint/2010/main" val="3784211224"/>
+        <p14:creationId xmlns:p14="http://schemas.microsoft.com/office/powerpoint/2010/main" val="3650848866"/>
       </p:ext>
     </p:extLst>
   </p:cSld>
@@ -1496,13 +1526,7 @@
       </p:grpSpPr>
       <p:sp>
         <p:nvSpPr>
-          <p:cNvPr id="2" name="Título 1">
-            <a:extLst>
-              <a:ext uri="{FF2B5EF4-FFF2-40B4-BE49-F238E27FC236}">
-                <a16:creationId xmlns:a16="http://schemas.microsoft.com/office/drawing/2014/main" id="{AD117CEA-39DF-41D7-89F7-D3AFCA552E04}"/>
-              </a:ext>
-            </a:extLst>
-          </p:cNvPr>
+          <p:cNvPr id="10" name="Title 9"/>
           <p:cNvSpPr>
             <a:spLocks noGrp="1"/>
           </p:cNvSpPr>
@@ -1510,12 +1534,7 @@
             <p:ph type="title"/>
           </p:nvPr>
         </p:nvSpPr>
-        <p:spPr>
-          <a:xfrm>
-            <a:off x="839788" y="365125"/>
-            <a:ext cx="10515600" cy="1325563"/>
-          </a:xfrm>
-        </p:spPr>
+        <p:spPr/>
         <p:txBody>
           <a:bodyPr/>
           <a:lstStyle/>
@@ -1524,18 +1543,13 @@
               <a:rPr lang="pt-PT"/>
               <a:t>Clique para editar o estilo de título do Modelo Global</a:t>
             </a:r>
-          </a:p>
-        </p:txBody>
-      </p:sp>
-      <p:sp>
-        <p:nvSpPr>
-          <p:cNvPr id="3" name="Marcador de Posição do Texto 2">
-            <a:extLst>
-              <a:ext uri="{FF2B5EF4-FFF2-40B4-BE49-F238E27FC236}">
-                <a16:creationId xmlns:a16="http://schemas.microsoft.com/office/drawing/2014/main" id="{17ED151E-DCE1-488E-ADDE-884A2C1EA6D1}"/>
-              </a:ext>
-            </a:extLst>
-          </p:cNvPr>
+            <a:endParaRPr lang="en-US" dirty="0"/>
+          </a:p>
+        </p:txBody>
+      </p:sp>
+      <p:sp>
+        <p:nvSpPr>
+          <p:cNvPr id="3" name="Text Placeholder 2"/>
           <p:cNvSpPr>
             <a:spLocks noGrp="1"/>
           </p:cNvSpPr>
@@ -1545,16 +1559,25 @@
         </p:nvSpPr>
         <p:spPr>
           <a:xfrm>
-            <a:off x="839788" y="1681163"/>
-            <a:ext cx="5157787" cy="823912"/>
+            <a:off x="1261872" y="1713655"/>
+            <a:ext cx="4480560" cy="731520"/>
           </a:xfrm>
         </p:spPr>
         <p:txBody>
-          <a:bodyPr anchor="b"/>
+          <a:bodyPr anchor="b">
+            <a:normAutofit/>
+          </a:bodyPr>
           <a:lstStyle>
             <a:lvl1pPr marL="0" indent="0">
-              <a:buNone/>
-              <a:defRPr sz="2400" b="1"/>
+              <a:spcBef>
+                <a:spcPts val="0"/>
+              </a:spcBef>
+              <a:buNone/>
+              <a:defRPr sz="2000" b="0">
+                <a:solidFill>
+                  <a:schemeClr val="tx2"/>
+                </a:solidFill>
+              </a:defRPr>
             </a:lvl1pPr>
             <a:lvl2pPr marL="457200" indent="0">
               <a:buNone/>
@@ -1600,13 +1623,7 @@
       </p:sp>
       <p:sp>
         <p:nvSpPr>
-          <p:cNvPr id="4" name="Marcador de Posição de Conteúdo 3">
-            <a:extLst>
-              <a:ext uri="{FF2B5EF4-FFF2-40B4-BE49-F238E27FC236}">
-                <a16:creationId xmlns:a16="http://schemas.microsoft.com/office/drawing/2014/main" id="{58234AE8-9E26-4D0E-A0D2-D4D9D7A724F1}"/>
-              </a:ext>
-            </a:extLst>
-          </p:cNvPr>
+          <p:cNvPr id="4" name="Content Placeholder 3"/>
           <p:cNvSpPr>
             <a:spLocks noGrp="1"/>
           </p:cNvSpPr>
@@ -1616,13 +1633,41 @@
         </p:nvSpPr>
         <p:spPr>
           <a:xfrm>
-            <a:off x="839788" y="2505075"/>
-            <a:ext cx="5157787" cy="3684588"/>
+            <a:off x="1261872" y="2507550"/>
+            <a:ext cx="4480560" cy="3664650"/>
           </a:xfrm>
         </p:spPr>
         <p:txBody>
           <a:bodyPr/>
-          <a:lstStyle/>
+          <a:lstStyle>
+            <a:lvl1pPr>
+              <a:defRPr sz="1800"/>
+            </a:lvl1pPr>
+            <a:lvl2pPr>
+              <a:defRPr sz="1600"/>
+            </a:lvl2pPr>
+            <a:lvl3pPr>
+              <a:defRPr sz="1400"/>
+            </a:lvl3pPr>
+            <a:lvl4pPr>
+              <a:defRPr sz="1400"/>
+            </a:lvl4pPr>
+            <a:lvl5pPr>
+              <a:defRPr sz="1400"/>
+            </a:lvl5pPr>
+            <a:lvl6pPr>
+              <a:defRPr sz="1400"/>
+            </a:lvl6pPr>
+            <a:lvl7pPr>
+              <a:defRPr sz="1400"/>
+            </a:lvl7pPr>
+            <a:lvl8pPr>
+              <a:defRPr sz="1400"/>
+            </a:lvl8pPr>
+            <a:lvl9pPr>
+              <a:defRPr sz="1400"/>
+            </a:lvl9pPr>
+          </a:lstStyle>
           <a:p>
             <a:pPr lvl="0"/>
             <a:r>
@@ -1657,18 +1702,13 @@
               <a:rPr lang="pt-PT"/>
               <a:t>Quinto nível</a:t>
             </a:r>
-          </a:p>
-        </p:txBody>
-      </p:sp>
-      <p:sp>
-        <p:nvSpPr>
-          <p:cNvPr id="5" name="Marcador de Posição do Texto 4">
-            <a:extLst>
-              <a:ext uri="{FF2B5EF4-FFF2-40B4-BE49-F238E27FC236}">
-                <a16:creationId xmlns:a16="http://schemas.microsoft.com/office/drawing/2014/main" id="{D767B379-4C03-4F83-854E-DEAEB9A6A92A}"/>
-              </a:ext>
-            </a:extLst>
-          </p:cNvPr>
+            <a:endParaRPr lang="en-US" dirty="0"/>
+          </a:p>
+        </p:txBody>
+      </p:sp>
+      <p:sp>
+        <p:nvSpPr>
+          <p:cNvPr id="5" name="Text Placeholder 4"/>
           <p:cNvSpPr>
             <a:spLocks noGrp="1"/>
           </p:cNvSpPr>
@@ -1678,16 +1718,31 @@
         </p:nvSpPr>
         <p:spPr>
           <a:xfrm>
-            <a:off x="6172200" y="1681163"/>
-            <a:ext cx="5183188" cy="823912"/>
+            <a:off x="6126480" y="1713655"/>
+            <a:ext cx="4480560" cy="731520"/>
           </a:xfrm>
         </p:spPr>
         <p:txBody>
-          <a:bodyPr anchor="b"/>
+          <a:bodyPr anchor="b">
+            <a:normAutofit/>
+          </a:bodyPr>
           <a:lstStyle>
             <a:lvl1pPr marL="0" indent="0">
-              <a:buNone/>
-              <a:defRPr sz="2400" b="1"/>
+              <a:lnSpc>
+                <a:spcPct val="95000"/>
+              </a:lnSpc>
+              <a:spcBef>
+                <a:spcPts val="0"/>
+              </a:spcBef>
+              <a:buNone/>
+              <a:defRPr lang="en-US" sz="2000" b="0" kern="1200" dirty="0">
+                <a:solidFill>
+                  <a:schemeClr val="tx2"/>
+                </a:solidFill>
+                <a:latin typeface="+mn-lt"/>
+                <a:ea typeface="+mn-ea"/>
+                <a:cs typeface="+mn-cs"/>
+              </a:defRPr>
             </a:lvl1pPr>
             <a:lvl2pPr marL="457200" indent="0">
               <a:buNone/>
@@ -1723,7 +1778,16 @@
             </a:lvl9pPr>
           </a:lstStyle>
           <a:p>
-            <a:pPr lvl="0"/>
+            <a:pPr marL="0" lvl="0" indent="0" algn="l" defTabSz="914400" rtl="0" eaLnBrk="1" latinLnBrk="0" hangingPunct="1">
+              <a:lnSpc>
+                <a:spcPct val="90000"/>
+              </a:lnSpc>
+              <a:spcBef>
+                <a:spcPts val="2000"/>
+              </a:spcBef>
+              <a:buFontTx/>
+              <a:buNone/>
+            </a:pPr>
             <a:r>
               <a:rPr lang="pt-PT"/>
               <a:t>Clique para editar os estilos do texto de Modelo Global</a:t>
@@ -1733,13 +1797,7 @@
       </p:sp>
       <p:sp>
         <p:nvSpPr>
-          <p:cNvPr id="6" name="Marcador de Posição de Conteúdo 5">
-            <a:extLst>
-              <a:ext uri="{FF2B5EF4-FFF2-40B4-BE49-F238E27FC236}">
-                <a16:creationId xmlns:a16="http://schemas.microsoft.com/office/drawing/2014/main" id="{E513D0D5-1533-4FBC-9245-301D9C8464C4}"/>
-              </a:ext>
-            </a:extLst>
-          </p:cNvPr>
+          <p:cNvPr id="6" name="Content Placeholder 5"/>
           <p:cNvSpPr>
             <a:spLocks noGrp="1"/>
           </p:cNvSpPr>
@@ -1749,13 +1807,41 @@
         </p:nvSpPr>
         <p:spPr>
           <a:xfrm>
-            <a:off x="6172200" y="2505075"/>
-            <a:ext cx="5183188" cy="3684588"/>
+            <a:off x="6126480" y="2507550"/>
+            <a:ext cx="4480560" cy="3664650"/>
           </a:xfrm>
         </p:spPr>
         <p:txBody>
           <a:bodyPr/>
-          <a:lstStyle/>
+          <a:lstStyle>
+            <a:lvl1pPr>
+              <a:defRPr sz="1800"/>
+            </a:lvl1pPr>
+            <a:lvl2pPr>
+              <a:defRPr sz="1600"/>
+            </a:lvl2pPr>
+            <a:lvl3pPr>
+              <a:defRPr sz="1400"/>
+            </a:lvl3pPr>
+            <a:lvl4pPr>
+              <a:defRPr sz="1400"/>
+            </a:lvl4pPr>
+            <a:lvl5pPr>
+              <a:defRPr sz="1400"/>
+            </a:lvl5pPr>
+            <a:lvl6pPr>
+              <a:defRPr sz="1400"/>
+            </a:lvl6pPr>
+            <a:lvl7pPr>
+              <a:defRPr sz="1400"/>
+            </a:lvl7pPr>
+            <a:lvl8pPr>
+              <a:defRPr sz="1400"/>
+            </a:lvl8pPr>
+            <a:lvl9pPr>
+              <a:defRPr sz="1400"/>
+            </a:lvl9pPr>
+          </a:lstStyle>
           <a:p>
             <a:pPr lvl="0"/>
             <a:r>
@@ -1790,18 +1876,13 @@
               <a:rPr lang="pt-PT"/>
               <a:t>Quinto nível</a:t>
             </a:r>
-          </a:p>
-        </p:txBody>
-      </p:sp>
-      <p:sp>
-        <p:nvSpPr>
-          <p:cNvPr id="7" name="Marcador de Posição da Data 6">
-            <a:extLst>
-              <a:ext uri="{FF2B5EF4-FFF2-40B4-BE49-F238E27FC236}">
-                <a16:creationId xmlns:a16="http://schemas.microsoft.com/office/drawing/2014/main" id="{F7BA5669-5832-46A8-8823-8E583C0AAFAB}"/>
-              </a:ext>
-            </a:extLst>
-          </p:cNvPr>
+            <a:endParaRPr lang="en-US" dirty="0"/>
+          </a:p>
+        </p:txBody>
+      </p:sp>
+      <p:sp>
+        <p:nvSpPr>
+          <p:cNvPr id="7" name="Date Placeholder 6"/>
           <p:cNvSpPr>
             <a:spLocks noGrp="1"/>
           </p:cNvSpPr>
@@ -1816,7 +1897,7 @@
           <a:p>
             <a:fld id="{F7F73CC0-F35E-4DA6-8DCC-40D7AD2B5FC7}" type="datetimeFigureOut">
               <a:rPr lang="pt-PT" smtClean="0"/>
-              <a:t>31/10/2023</a:t>
+              <a:t>02/11/2023</a:t>
             </a:fld>
             <a:endParaRPr lang="pt-PT"/>
           </a:p>
@@ -1824,13 +1905,7 @@
       </p:sp>
       <p:sp>
         <p:nvSpPr>
-          <p:cNvPr id="8" name="Marcador de Posição do Rodapé 7">
-            <a:extLst>
-              <a:ext uri="{FF2B5EF4-FFF2-40B4-BE49-F238E27FC236}">
-                <a16:creationId xmlns:a16="http://schemas.microsoft.com/office/drawing/2014/main" id="{B2A4B974-01FB-4FFA-B989-3B38F19CA051}"/>
-              </a:ext>
-            </a:extLst>
-          </p:cNvPr>
+          <p:cNvPr id="8" name="Footer Placeholder 7"/>
           <p:cNvSpPr>
             <a:spLocks noGrp="1"/>
           </p:cNvSpPr>
@@ -1849,13 +1924,7 @@
       </p:sp>
       <p:sp>
         <p:nvSpPr>
-          <p:cNvPr id="9" name="Marcador de Posição do Número do Diapositivo 8">
-            <a:extLst>
-              <a:ext uri="{FF2B5EF4-FFF2-40B4-BE49-F238E27FC236}">
-                <a16:creationId xmlns:a16="http://schemas.microsoft.com/office/drawing/2014/main" id="{0EED6301-198E-453E-A986-2932840A68BC}"/>
-              </a:ext>
-            </a:extLst>
-          </p:cNvPr>
+          <p:cNvPr id="9" name="Slide Number Placeholder 8"/>
           <p:cNvSpPr>
             <a:spLocks noGrp="1"/>
           </p:cNvSpPr>
@@ -1879,7 +1948,7 @@
     </p:spTree>
     <p:extLst>
       <p:ext uri="{BB962C8B-B14F-4D97-AF65-F5344CB8AC3E}">
-        <p14:creationId xmlns:p14="http://schemas.microsoft.com/office/powerpoint/2010/main" val="2289451583"/>
+        <p14:creationId xmlns:p14="http://schemas.microsoft.com/office/powerpoint/2010/main" val="2174004339"/>
       </p:ext>
     </p:extLst>
   </p:cSld>
@@ -1908,13 +1977,7 @@
       </p:grpSpPr>
       <p:sp>
         <p:nvSpPr>
-          <p:cNvPr id="2" name="Título 1">
-            <a:extLst>
-              <a:ext uri="{FF2B5EF4-FFF2-40B4-BE49-F238E27FC236}">
-                <a16:creationId xmlns:a16="http://schemas.microsoft.com/office/drawing/2014/main" id="{537157D0-056A-4CF0-816B-7E4120E8EB38}"/>
-              </a:ext>
-            </a:extLst>
-          </p:cNvPr>
+          <p:cNvPr id="6" name="Title 5"/>
           <p:cNvSpPr>
             <a:spLocks noGrp="1"/>
           </p:cNvSpPr>
@@ -1931,18 +1994,13 @@
               <a:rPr lang="pt-PT"/>
               <a:t>Clique para editar o estilo de título do Modelo Global</a:t>
             </a:r>
-          </a:p>
-        </p:txBody>
-      </p:sp>
-      <p:sp>
-        <p:nvSpPr>
-          <p:cNvPr id="3" name="Marcador de Posição da Data 2">
-            <a:extLst>
-              <a:ext uri="{FF2B5EF4-FFF2-40B4-BE49-F238E27FC236}">
-                <a16:creationId xmlns:a16="http://schemas.microsoft.com/office/drawing/2014/main" id="{CA2F463C-F555-4210-B388-F512DE40E457}"/>
-              </a:ext>
-            </a:extLst>
-          </p:cNvPr>
+            <a:endParaRPr lang="en-US" dirty="0"/>
+          </a:p>
+        </p:txBody>
+      </p:sp>
+      <p:sp>
+        <p:nvSpPr>
+          <p:cNvPr id="3" name="Date Placeholder 2"/>
           <p:cNvSpPr>
             <a:spLocks noGrp="1"/>
           </p:cNvSpPr>
@@ -1957,7 +2015,7 @@
           <a:p>
             <a:fld id="{F7F73CC0-F35E-4DA6-8DCC-40D7AD2B5FC7}" type="datetimeFigureOut">
               <a:rPr lang="pt-PT" smtClean="0"/>
-              <a:t>31/10/2023</a:t>
+              <a:t>02/11/2023</a:t>
             </a:fld>
             <a:endParaRPr lang="pt-PT"/>
           </a:p>
@@ -1965,13 +2023,7 @@
       </p:sp>
       <p:sp>
         <p:nvSpPr>
-          <p:cNvPr id="4" name="Marcador de Posição do Rodapé 3">
-            <a:extLst>
-              <a:ext uri="{FF2B5EF4-FFF2-40B4-BE49-F238E27FC236}">
-                <a16:creationId xmlns:a16="http://schemas.microsoft.com/office/drawing/2014/main" id="{DFAA8810-D8D1-4C13-81D4-B17D224EC3C7}"/>
-              </a:ext>
-            </a:extLst>
-          </p:cNvPr>
+          <p:cNvPr id="4" name="Footer Placeholder 3"/>
           <p:cNvSpPr>
             <a:spLocks noGrp="1"/>
           </p:cNvSpPr>
@@ -1990,13 +2042,7 @@
       </p:sp>
       <p:sp>
         <p:nvSpPr>
-          <p:cNvPr id="5" name="Marcador de Posição do Número do Diapositivo 4">
-            <a:extLst>
-              <a:ext uri="{FF2B5EF4-FFF2-40B4-BE49-F238E27FC236}">
-                <a16:creationId xmlns:a16="http://schemas.microsoft.com/office/drawing/2014/main" id="{FF1AA220-B35A-4A20-AD3B-4F994FF0F800}"/>
-              </a:ext>
-            </a:extLst>
-          </p:cNvPr>
+          <p:cNvPr id="5" name="Slide Number Placeholder 4"/>
           <p:cNvSpPr>
             <a:spLocks noGrp="1"/>
           </p:cNvSpPr>
@@ -2020,7 +2066,7 @@
     </p:spTree>
     <p:extLst>
       <p:ext uri="{BB962C8B-B14F-4D97-AF65-F5344CB8AC3E}">
-        <p14:creationId xmlns:p14="http://schemas.microsoft.com/office/powerpoint/2010/main" val="1510248419"/>
+        <p14:creationId xmlns:p14="http://schemas.microsoft.com/office/powerpoint/2010/main" val="1956988937"/>
       </p:ext>
     </p:extLst>
   </p:cSld>
@@ -2049,13 +2095,7 @@
       </p:grpSpPr>
       <p:sp>
         <p:nvSpPr>
-          <p:cNvPr id="2" name="Marcador de Posição da Data 1">
-            <a:extLst>
-              <a:ext uri="{FF2B5EF4-FFF2-40B4-BE49-F238E27FC236}">
-                <a16:creationId xmlns:a16="http://schemas.microsoft.com/office/drawing/2014/main" id="{7A482963-5837-4A16-8F76-06ED35F4BFDA}"/>
-              </a:ext>
-            </a:extLst>
-          </p:cNvPr>
+          <p:cNvPr id="2" name="Date Placeholder 1"/>
           <p:cNvSpPr>
             <a:spLocks noGrp="1"/>
           </p:cNvSpPr>
@@ -2070,7 +2110,7 @@
           <a:p>
             <a:fld id="{F7F73CC0-F35E-4DA6-8DCC-40D7AD2B5FC7}" type="datetimeFigureOut">
               <a:rPr lang="pt-PT" smtClean="0"/>
-              <a:t>31/10/2023</a:t>
+              <a:t>02/11/2023</a:t>
             </a:fld>
             <a:endParaRPr lang="pt-PT"/>
           </a:p>
@@ -2078,13 +2118,7 @@
       </p:sp>
       <p:sp>
         <p:nvSpPr>
-          <p:cNvPr id="3" name="Marcador de Posição do Rodapé 2">
-            <a:extLst>
-              <a:ext uri="{FF2B5EF4-FFF2-40B4-BE49-F238E27FC236}">
-                <a16:creationId xmlns:a16="http://schemas.microsoft.com/office/drawing/2014/main" id="{C54EDD4B-FB6D-467E-94C5-C579ED36C49E}"/>
-              </a:ext>
-            </a:extLst>
-          </p:cNvPr>
+          <p:cNvPr id="3" name="Footer Placeholder 2"/>
           <p:cNvSpPr>
             <a:spLocks noGrp="1"/>
           </p:cNvSpPr>
@@ -2103,13 +2137,7 @@
       </p:sp>
       <p:sp>
         <p:nvSpPr>
-          <p:cNvPr id="4" name="Marcador de Posição do Número do Diapositivo 3">
-            <a:extLst>
-              <a:ext uri="{FF2B5EF4-FFF2-40B4-BE49-F238E27FC236}">
-                <a16:creationId xmlns:a16="http://schemas.microsoft.com/office/drawing/2014/main" id="{C34939A9-D8B8-4582-B0D2-950DBD0350BA}"/>
-              </a:ext>
-            </a:extLst>
-          </p:cNvPr>
+          <p:cNvPr id="4" name="Slide Number Placeholder 3"/>
           <p:cNvSpPr>
             <a:spLocks noGrp="1"/>
           </p:cNvSpPr>
@@ -2133,7 +2161,7 @@
     </p:spTree>
     <p:extLst>
       <p:ext uri="{BB962C8B-B14F-4D97-AF65-F5344CB8AC3E}">
-        <p14:creationId xmlns:p14="http://schemas.microsoft.com/office/powerpoint/2010/main" val="289415907"/>
+        <p14:creationId xmlns:p14="http://schemas.microsoft.com/office/powerpoint/2010/main" val="4256985650"/>
       </p:ext>
     </p:extLst>
   </p:cSld>
@@ -2162,13 +2190,7 @@
       </p:grpSpPr>
       <p:sp>
         <p:nvSpPr>
-          <p:cNvPr id="2" name="Título 1">
-            <a:extLst>
-              <a:ext uri="{FF2B5EF4-FFF2-40B4-BE49-F238E27FC236}">
-                <a16:creationId xmlns:a16="http://schemas.microsoft.com/office/drawing/2014/main" id="{B30E02D9-671E-44E1-B392-69444401581E}"/>
-              </a:ext>
-            </a:extLst>
-          </p:cNvPr>
+          <p:cNvPr id="2" name="Title 1"/>
           <p:cNvSpPr>
             <a:spLocks noGrp="1"/>
           </p:cNvSpPr>
@@ -2178,15 +2200,17 @@
         </p:nvSpPr>
         <p:spPr>
           <a:xfrm>
-            <a:off x="839788" y="457200"/>
-            <a:ext cx="3932237" cy="1600200"/>
+            <a:off x="841248" y="457200"/>
+            <a:ext cx="3200400" cy="1600197"/>
           </a:xfrm>
         </p:spPr>
         <p:txBody>
-          <a:bodyPr anchor="b"/>
+          <a:bodyPr anchor="b">
+            <a:normAutofit/>
+          </a:bodyPr>
           <a:lstStyle>
             <a:lvl1pPr>
-              <a:defRPr sz="3200"/>
+              <a:defRPr sz="3200" b="0" baseline="0"/>
             </a:lvl1pPr>
           </a:lstStyle>
           <a:p>
@@ -2194,18 +2218,13 @@
               <a:rPr lang="pt-PT"/>
               <a:t>Clique para editar o estilo de título do Modelo Global</a:t>
             </a:r>
-          </a:p>
-        </p:txBody>
-      </p:sp>
-      <p:sp>
-        <p:nvSpPr>
-          <p:cNvPr id="3" name="Marcador de Posição de Conteúdo 2">
-            <a:extLst>
-              <a:ext uri="{FF2B5EF4-FFF2-40B4-BE49-F238E27FC236}">
-                <a16:creationId xmlns:a16="http://schemas.microsoft.com/office/drawing/2014/main" id="{27F1C21F-DBDF-4281-8B20-D82499035188}"/>
-              </a:ext>
-            </a:extLst>
-          </p:cNvPr>
+            <a:endParaRPr lang="en-US" dirty="0"/>
+          </a:p>
+        </p:txBody>
+      </p:sp>
+      <p:sp>
+        <p:nvSpPr>
+          <p:cNvPr id="3" name="Content Placeholder 2"/>
           <p:cNvSpPr>
             <a:spLocks noGrp="1"/>
           </p:cNvSpPr>
@@ -2215,39 +2234,39 @@
         </p:nvSpPr>
         <p:spPr>
           <a:xfrm>
-            <a:off x="5183188" y="987425"/>
-            <a:ext cx="6172200" cy="4873625"/>
+            <a:off x="4504267" y="685800"/>
+            <a:ext cx="6079066" cy="5486400"/>
           </a:xfrm>
         </p:spPr>
         <p:txBody>
           <a:bodyPr/>
           <a:lstStyle>
             <a:lvl1pPr>
-              <a:defRPr sz="3200"/>
+              <a:defRPr sz="2000"/>
             </a:lvl1pPr>
             <a:lvl2pPr>
-              <a:defRPr sz="2800"/>
+              <a:defRPr sz="1800"/>
             </a:lvl2pPr>
             <a:lvl3pPr>
-              <a:defRPr sz="2400"/>
+              <a:defRPr sz="1600"/>
             </a:lvl3pPr>
             <a:lvl4pPr>
-              <a:defRPr sz="2000"/>
+              <a:defRPr sz="1400"/>
             </a:lvl4pPr>
             <a:lvl5pPr>
-              <a:defRPr sz="2000"/>
+              <a:defRPr sz="1400"/>
             </a:lvl5pPr>
             <a:lvl6pPr>
-              <a:defRPr sz="2000"/>
+              <a:defRPr sz="1400"/>
             </a:lvl6pPr>
             <a:lvl7pPr>
-              <a:defRPr sz="2000"/>
+              <a:defRPr sz="1400"/>
             </a:lvl7pPr>
             <a:lvl8pPr>
-              <a:defRPr sz="2000"/>
+              <a:defRPr sz="1400"/>
             </a:lvl8pPr>
             <a:lvl9pPr>
-              <a:defRPr sz="2000"/>
+              <a:defRPr sz="1400"/>
             </a:lvl9pPr>
           </a:lstStyle>
           <a:p>
@@ -2284,18 +2303,13 @@
               <a:rPr lang="pt-PT"/>
               <a:t>Quinto nível</a:t>
             </a:r>
-          </a:p>
-        </p:txBody>
-      </p:sp>
-      <p:sp>
-        <p:nvSpPr>
-          <p:cNvPr id="4" name="Marcador de Posição do Texto 3">
-            <a:extLst>
-              <a:ext uri="{FF2B5EF4-FFF2-40B4-BE49-F238E27FC236}">
-                <a16:creationId xmlns:a16="http://schemas.microsoft.com/office/drawing/2014/main" id="{BA6B1321-0303-4A32-86D3-CE70861E3AE8}"/>
-              </a:ext>
-            </a:extLst>
-          </p:cNvPr>
+            <a:endParaRPr lang="en-US" dirty="0"/>
+          </a:p>
+        </p:txBody>
+      </p:sp>
+      <p:sp>
+        <p:nvSpPr>
+          <p:cNvPr id="4" name="Text Placeholder 3"/>
           <p:cNvSpPr>
             <a:spLocks noGrp="1"/>
           </p:cNvSpPr>
@@ -2305,48 +2319,56 @@
         </p:nvSpPr>
         <p:spPr>
           <a:xfrm>
-            <a:off x="839788" y="2057400"/>
-            <a:ext cx="3932237" cy="3811588"/>
+            <a:off x="841248" y="2099734"/>
+            <a:ext cx="3200400" cy="3810001"/>
           </a:xfrm>
         </p:spPr>
         <p:txBody>
-          <a:bodyPr/>
+          <a:bodyPr>
+            <a:normAutofit/>
+          </a:bodyPr>
           <a:lstStyle>
             <a:lvl1pPr marL="0" indent="0">
-              <a:buNone/>
-              <a:defRPr sz="1600"/>
+              <a:lnSpc>
+                <a:spcPct val="114000"/>
+              </a:lnSpc>
+              <a:spcBef>
+                <a:spcPts val="800"/>
+              </a:spcBef>
+              <a:buNone/>
+              <a:defRPr sz="1300"/>
             </a:lvl1pPr>
             <a:lvl2pPr marL="457200" indent="0">
               <a:buNone/>
-              <a:defRPr sz="1400"/>
+              <a:defRPr sz="1200"/>
             </a:lvl2pPr>
             <a:lvl3pPr marL="914400" indent="0">
               <a:buNone/>
-              <a:defRPr sz="1200"/>
+              <a:defRPr sz="1000"/>
             </a:lvl3pPr>
             <a:lvl4pPr marL="1371600" indent="0">
               <a:buNone/>
-              <a:defRPr sz="1000"/>
+              <a:defRPr sz="900"/>
             </a:lvl4pPr>
             <a:lvl5pPr marL="1828800" indent="0">
               <a:buNone/>
-              <a:defRPr sz="1000"/>
+              <a:defRPr sz="900"/>
             </a:lvl5pPr>
             <a:lvl6pPr marL="2286000" indent="0">
               <a:buNone/>
-              <a:defRPr sz="1000"/>
+              <a:defRPr sz="900"/>
             </a:lvl6pPr>
             <a:lvl7pPr marL="2743200" indent="0">
               <a:buNone/>
-              <a:defRPr sz="1000"/>
+              <a:defRPr sz="900"/>
             </a:lvl7pPr>
             <a:lvl8pPr marL="3200400" indent="0">
               <a:buNone/>
-              <a:defRPr sz="1000"/>
+              <a:defRPr sz="900"/>
             </a:lvl8pPr>
             <a:lvl9pPr marL="3657600" indent="0">
               <a:buNone/>
-              <a:defRPr sz="1000"/>
+              <a:defRPr sz="900"/>
             </a:lvl9pPr>
           </a:lstStyle>
           <a:p>
@@ -2360,13 +2382,7 @@
       </p:sp>
       <p:sp>
         <p:nvSpPr>
-          <p:cNvPr id="5" name="Marcador de Posição da Data 4">
-            <a:extLst>
-              <a:ext uri="{FF2B5EF4-FFF2-40B4-BE49-F238E27FC236}">
-                <a16:creationId xmlns:a16="http://schemas.microsoft.com/office/drawing/2014/main" id="{9949BC11-1310-4C49-9F4F-3C05586D92AF}"/>
-              </a:ext>
-            </a:extLst>
-          </p:cNvPr>
+          <p:cNvPr id="5" name="Date Placeholder 4"/>
           <p:cNvSpPr>
             <a:spLocks noGrp="1"/>
           </p:cNvSpPr>
@@ -2381,7 +2397,7 @@
           <a:p>
             <a:fld id="{F7F73CC0-F35E-4DA6-8DCC-40D7AD2B5FC7}" type="datetimeFigureOut">
               <a:rPr lang="pt-PT" smtClean="0"/>
-              <a:t>31/10/2023</a:t>
+              <a:t>02/11/2023</a:t>
             </a:fld>
             <a:endParaRPr lang="pt-PT"/>
           </a:p>
@@ -2389,13 +2405,7 @@
       </p:sp>
       <p:sp>
         <p:nvSpPr>
-          <p:cNvPr id="6" name="Marcador de Posição do Rodapé 5">
-            <a:extLst>
-              <a:ext uri="{FF2B5EF4-FFF2-40B4-BE49-F238E27FC236}">
-                <a16:creationId xmlns:a16="http://schemas.microsoft.com/office/drawing/2014/main" id="{0D93083F-D1FB-4164-975A-A67D0AED9174}"/>
-              </a:ext>
-            </a:extLst>
-          </p:cNvPr>
+          <p:cNvPr id="6" name="Footer Placeholder 5"/>
           <p:cNvSpPr>
             <a:spLocks noGrp="1"/>
           </p:cNvSpPr>
@@ -2414,13 +2424,7 @@
       </p:sp>
       <p:sp>
         <p:nvSpPr>
-          <p:cNvPr id="7" name="Marcador de Posição do Número do Diapositivo 6">
-            <a:extLst>
-              <a:ext uri="{FF2B5EF4-FFF2-40B4-BE49-F238E27FC236}">
-                <a16:creationId xmlns:a16="http://schemas.microsoft.com/office/drawing/2014/main" id="{F96601FA-D5EB-4EF9-9CA2-3956F097D228}"/>
-              </a:ext>
-            </a:extLst>
-          </p:cNvPr>
+          <p:cNvPr id="7" name="Slide Number Placeholder 6"/>
           <p:cNvSpPr>
             <a:spLocks noGrp="1"/>
           </p:cNvSpPr>
@@ -2444,7 +2448,7 @@
     </p:spTree>
     <p:extLst>
       <p:ext uri="{BB962C8B-B14F-4D97-AF65-F5344CB8AC3E}">
-        <p14:creationId xmlns:p14="http://schemas.microsoft.com/office/powerpoint/2010/main" val="1121782003"/>
+        <p14:creationId xmlns:p14="http://schemas.microsoft.com/office/powerpoint/2010/main" val="3865633599"/>
       </p:ext>
     </p:extLst>
   </p:cSld>
@@ -2473,13 +2477,45 @@
       </p:grpSpPr>
       <p:sp>
         <p:nvSpPr>
-          <p:cNvPr id="2" name="Título 1">
-            <a:extLst>
-              <a:ext uri="{FF2B5EF4-FFF2-40B4-BE49-F238E27FC236}">
-                <a16:creationId xmlns:a16="http://schemas.microsoft.com/office/drawing/2014/main" id="{F6CC90D2-8DAD-44AD-8341-FEC110A28DF6}"/>
-              </a:ext>
-            </a:extLst>
-          </p:cNvPr>
+          <p:cNvPr id="8" name="Rectangle 7"/>
+          <p:cNvSpPr/>
+          <p:nvPr/>
+        </p:nvSpPr>
+        <p:spPr>
+          <a:xfrm>
+            <a:off x="0" y="5105400"/>
+            <a:ext cx="11292840" cy="1752600"/>
+          </a:xfrm>
+          <a:prstGeom prst="rect">
+            <a:avLst/>
+          </a:prstGeom>
+          <a:solidFill>
+            <a:srgbClr val="000000"/>
+          </a:solidFill>
+          <a:ln>
+            <a:noFill/>
+          </a:ln>
+        </p:spPr>
+        <p:style>
+          <a:lnRef idx="2">
+            <a:schemeClr val="accent1">
+              <a:shade val="50000"/>
+            </a:schemeClr>
+          </a:lnRef>
+          <a:fillRef idx="1">
+            <a:schemeClr val="accent1"/>
+          </a:fillRef>
+          <a:effectRef idx="0">
+            <a:schemeClr val="accent1"/>
+          </a:effectRef>
+          <a:fontRef idx="minor">
+            <a:schemeClr val="lt1"/>
+          </a:fontRef>
+        </p:style>
+      </p:sp>
+      <p:sp>
+        <p:nvSpPr>
+          <p:cNvPr id="2" name="Title 1"/>
           <p:cNvSpPr>
             <a:spLocks noGrp="1"/>
           </p:cNvSpPr>
@@ -2489,15 +2525,21 @@
         </p:nvSpPr>
         <p:spPr>
           <a:xfrm>
-            <a:off x="839788" y="457200"/>
-            <a:ext cx="3932237" cy="1600200"/>
+            <a:off x="914400" y="5257800"/>
+            <a:ext cx="9982200" cy="914400"/>
           </a:xfrm>
         </p:spPr>
         <p:txBody>
-          <a:bodyPr anchor="b"/>
+          <a:bodyPr anchor="b">
+            <a:normAutofit/>
+          </a:bodyPr>
           <a:lstStyle>
             <a:lvl1pPr>
-              <a:defRPr sz="3200"/>
+              <a:defRPr sz="2800" b="0">
+                <a:solidFill>
+                  <a:schemeClr val="bg1"/>
+                </a:solidFill>
+              </a:defRPr>
             </a:lvl1pPr>
           </a:lstStyle>
           <a:p>
@@ -2505,20 +2547,15 @@
               <a:rPr lang="pt-PT"/>
               <a:t>Clique para editar o estilo de título do Modelo Global</a:t>
             </a:r>
-          </a:p>
-        </p:txBody>
-      </p:sp>
-      <p:sp>
-        <p:nvSpPr>
-          <p:cNvPr id="3" name="Marcador de Posição da Imagem 2">
-            <a:extLst>
-              <a:ext uri="{FF2B5EF4-FFF2-40B4-BE49-F238E27FC236}">
-                <a16:creationId xmlns:a16="http://schemas.microsoft.com/office/drawing/2014/main" id="{66FD7773-B9ED-43A9-AA36-BF163B863D61}"/>
-              </a:ext>
-            </a:extLst>
-          </p:cNvPr>
+            <a:endParaRPr lang="en-US" dirty="0"/>
+          </a:p>
+        </p:txBody>
+      </p:sp>
+      <p:sp>
+        <p:nvSpPr>
+          <p:cNvPr id="3" name="Picture Placeholder 2"/>
           <p:cNvSpPr>
-            <a:spLocks noGrp="1"/>
+            <a:spLocks noGrp="1" noChangeAspect="1"/>
           </p:cNvSpPr>
           <p:nvPr>
             <p:ph type="pic" idx="1"/>
@@ -2526,16 +2563,26 @@
         </p:nvSpPr>
         <p:spPr>
           <a:xfrm>
-            <a:off x="5183188" y="987425"/>
-            <a:ext cx="6172200" cy="4873625"/>
+            <a:off x="0" y="0"/>
+            <a:ext cx="11292840" cy="5128923"/>
           </a:xfrm>
+          <a:blipFill>
+            <a:blip r:embed="rId2"/>
+            <a:stretch>
+              <a:fillRect/>
+            </a:stretch>
+          </a:blipFill>
         </p:spPr>
         <p:txBody>
-          <a:bodyPr/>
+          <a:bodyPr anchor="t"/>
           <a:lstStyle>
             <a:lvl1pPr marL="0" indent="0">
               <a:buNone/>
-              <a:defRPr sz="3200"/>
+              <a:defRPr sz="3200">
+                <a:solidFill>
+                  <a:schemeClr val="bg1"/>
+                </a:solidFill>
+              </a:defRPr>
             </a:lvl1pPr>
             <a:lvl2pPr marL="457200" indent="0">
               <a:buNone/>
@@ -2571,19 +2618,17 @@
             </a:lvl9pPr>
           </a:lstStyle>
           <a:p>
-            <a:endParaRPr lang="pt-PT"/>
-          </a:p>
-        </p:txBody>
-      </p:sp>
-      <p:sp>
-        <p:nvSpPr>
-          <p:cNvPr id="4" name="Marcador de Posição do Texto 3">
-            <a:extLst>
-              <a:ext uri="{FF2B5EF4-FFF2-40B4-BE49-F238E27FC236}">
-                <a16:creationId xmlns:a16="http://schemas.microsoft.com/office/drawing/2014/main" id="{6EAF8EFE-8B71-41B1-A9C1-419B8D443849}"/>
-              </a:ext>
-            </a:extLst>
-          </p:cNvPr>
+            <a:r>
+              <a:rPr lang="pt-PT"/>
+              <a:t>Clique no ícone para adicionar uma imagem</a:t>
+            </a:r>
+            <a:endParaRPr lang="en-US" dirty="0"/>
+          </a:p>
+        </p:txBody>
+      </p:sp>
+      <p:sp>
+        <p:nvSpPr>
+          <p:cNvPr id="4" name="Text Placeholder 3"/>
           <p:cNvSpPr>
             <a:spLocks noGrp="1"/>
           </p:cNvSpPr>
@@ -2593,48 +2638,62 @@
         </p:nvSpPr>
         <p:spPr>
           <a:xfrm>
-            <a:off x="839788" y="2057400"/>
-            <a:ext cx="3932237" cy="3811588"/>
+            <a:off x="914400" y="6108589"/>
+            <a:ext cx="9982200" cy="597011"/>
           </a:xfrm>
         </p:spPr>
         <p:txBody>
-          <a:bodyPr/>
+          <a:bodyPr>
+            <a:normAutofit/>
+          </a:bodyPr>
           <a:lstStyle>
             <a:lvl1pPr marL="0" indent="0">
-              <a:buNone/>
-              <a:defRPr sz="1600"/>
+              <a:lnSpc>
+                <a:spcPct val="100000"/>
+              </a:lnSpc>
+              <a:spcBef>
+                <a:spcPts val="800"/>
+              </a:spcBef>
+              <a:buNone/>
+              <a:defRPr sz="1300">
+                <a:solidFill>
+                  <a:schemeClr val="bg1">
+                    <a:lumMod val="85000"/>
+                  </a:schemeClr>
+                </a:solidFill>
+              </a:defRPr>
             </a:lvl1pPr>
             <a:lvl2pPr marL="457200" indent="0">
               <a:buNone/>
-              <a:defRPr sz="1400"/>
+              <a:defRPr sz="1200"/>
             </a:lvl2pPr>
             <a:lvl3pPr marL="914400" indent="0">
               <a:buNone/>
-              <a:defRPr sz="1200"/>
+              <a:defRPr sz="1000"/>
             </a:lvl3pPr>
             <a:lvl4pPr marL="1371600" indent="0">
               <a:buNone/>
-              <a:defRPr sz="1000"/>
+              <a:defRPr sz="900"/>
             </a:lvl4pPr>
             <a:lvl5pPr marL="1828800" indent="0">
               <a:buNone/>
-              <a:defRPr sz="1000"/>
+              <a:defRPr sz="900"/>
             </a:lvl5pPr>
             <a:lvl6pPr marL="2286000" indent="0">
               <a:buNone/>
-              <a:defRPr sz="1000"/>
+              <a:defRPr sz="900"/>
             </a:lvl6pPr>
             <a:lvl7pPr marL="2743200" indent="0">
               <a:buNone/>
-              <a:defRPr sz="1000"/>
+              <a:defRPr sz="900"/>
             </a:lvl7pPr>
             <a:lvl8pPr marL="3200400" indent="0">
               <a:buNone/>
-              <a:defRPr sz="1000"/>
+              <a:defRPr sz="900"/>
             </a:lvl8pPr>
             <a:lvl9pPr marL="3657600" indent="0">
               <a:buNone/>
-              <a:defRPr sz="1000"/>
+              <a:defRPr sz="900"/>
             </a:lvl9pPr>
           </a:lstStyle>
           <a:p>
@@ -2648,13 +2707,7 @@
       </p:sp>
       <p:sp>
         <p:nvSpPr>
-          <p:cNvPr id="5" name="Marcador de Posição da Data 4">
-            <a:extLst>
-              <a:ext uri="{FF2B5EF4-FFF2-40B4-BE49-F238E27FC236}">
-                <a16:creationId xmlns:a16="http://schemas.microsoft.com/office/drawing/2014/main" id="{F7085E3A-C5B1-4963-A815-6C6C81029FE1}"/>
-              </a:ext>
-            </a:extLst>
-          </p:cNvPr>
+          <p:cNvPr id="5" name="Date Placeholder 4"/>
           <p:cNvSpPr>
             <a:spLocks noGrp="1"/>
           </p:cNvSpPr>
@@ -2669,7 +2722,7 @@
           <a:p>
             <a:fld id="{F7F73CC0-F35E-4DA6-8DCC-40D7AD2B5FC7}" type="datetimeFigureOut">
               <a:rPr lang="pt-PT" smtClean="0"/>
-              <a:t>31/10/2023</a:t>
+              <a:t>02/11/2023</a:t>
             </a:fld>
             <a:endParaRPr lang="pt-PT"/>
           </a:p>
@@ -2677,13 +2730,7 @@
       </p:sp>
       <p:sp>
         <p:nvSpPr>
-          <p:cNvPr id="6" name="Marcador de Posição do Rodapé 5">
-            <a:extLst>
-              <a:ext uri="{FF2B5EF4-FFF2-40B4-BE49-F238E27FC236}">
-                <a16:creationId xmlns:a16="http://schemas.microsoft.com/office/drawing/2014/main" id="{8E650217-8D71-4876-9AEC-257DBE9BE6B5}"/>
-              </a:ext>
-            </a:extLst>
-          </p:cNvPr>
+          <p:cNvPr id="6" name="Footer Placeholder 5"/>
           <p:cNvSpPr>
             <a:spLocks noGrp="1"/>
           </p:cNvSpPr>
@@ -2702,13 +2749,7 @@
       </p:sp>
       <p:sp>
         <p:nvSpPr>
-          <p:cNvPr id="7" name="Marcador de Posição do Número do Diapositivo 6">
-            <a:extLst>
-              <a:ext uri="{FF2B5EF4-FFF2-40B4-BE49-F238E27FC236}">
-                <a16:creationId xmlns:a16="http://schemas.microsoft.com/office/drawing/2014/main" id="{0CEC21C9-840F-4752-AA1D-9857A1285E0F}"/>
-              </a:ext>
-            </a:extLst>
-          </p:cNvPr>
+          <p:cNvPr id="7" name="Slide Number Placeholder 6"/>
           <p:cNvSpPr>
             <a:spLocks noGrp="1"/>
           </p:cNvSpPr>
@@ -2732,7 +2773,7 @@
     </p:spTree>
     <p:extLst>
       <p:ext uri="{BB962C8B-B14F-4D97-AF65-F5344CB8AC3E}">
-        <p14:creationId xmlns:p14="http://schemas.microsoft.com/office/powerpoint/2010/main" val="2321237968"/>
+        <p14:creationId xmlns:p14="http://schemas.microsoft.com/office/powerpoint/2010/main" val="3472158680"/>
       </p:ext>
     </p:extLst>
   </p:cSld>
@@ -2766,13 +2807,47 @@
       </p:grpSpPr>
       <p:sp>
         <p:nvSpPr>
-          <p:cNvPr id="2" name="Marcador de Posição do Título 1">
-            <a:extLst>
-              <a:ext uri="{FF2B5EF4-FFF2-40B4-BE49-F238E27FC236}">
-                <a16:creationId xmlns:a16="http://schemas.microsoft.com/office/drawing/2014/main" id="{7FF5388E-6F05-42FE-A72B-AECA43FA3E25}"/>
-              </a:ext>
-            </a:extLst>
-          </p:cNvPr>
+          <p:cNvPr id="7" name="Rectangle 6"/>
+          <p:cNvSpPr/>
+          <p:nvPr/>
+        </p:nvSpPr>
+        <p:spPr>
+          <a:xfrm>
+            <a:off x="11292840" y="0"/>
+            <a:ext cx="914400" cy="6858000"/>
+          </a:xfrm>
+          <a:prstGeom prst="rect">
+            <a:avLst/>
+          </a:prstGeom>
+          <a:solidFill>
+            <a:schemeClr val="tx2">
+              <a:lumMod val="75000"/>
+            </a:schemeClr>
+          </a:solidFill>
+          <a:ln>
+            <a:noFill/>
+          </a:ln>
+        </p:spPr>
+        <p:style>
+          <a:lnRef idx="2">
+            <a:schemeClr val="accent1">
+              <a:shade val="50000"/>
+            </a:schemeClr>
+          </a:lnRef>
+          <a:fillRef idx="1">
+            <a:schemeClr val="accent1"/>
+          </a:fillRef>
+          <a:effectRef idx="0">
+            <a:schemeClr val="accent1"/>
+          </a:effectRef>
+          <a:fontRef idx="minor">
+            <a:schemeClr val="lt1"/>
+          </a:fontRef>
+        </p:style>
+      </p:sp>
+      <p:sp>
+        <p:nvSpPr>
+          <p:cNvPr id="2" name="Title Placeholder 1"/>
           <p:cNvSpPr>
             <a:spLocks noGrp="1"/>
           </p:cNvSpPr>
@@ -2782,15 +2857,15 @@
         </p:nvSpPr>
         <p:spPr>
           <a:xfrm>
-            <a:off x="838200" y="365125"/>
-            <a:ext cx="10515600" cy="1325563"/>
+            <a:off x="1261872" y="365760"/>
+            <a:ext cx="9692640" cy="1325562"/>
           </a:xfrm>
           <a:prstGeom prst="rect">
             <a:avLst/>
           </a:prstGeom>
         </p:spPr>
         <p:txBody>
-          <a:bodyPr vert="horz" lIns="91440" tIns="45720" rIns="91440" bIns="45720" rtlCol="0" anchor="ctr">
+          <a:bodyPr vert="horz" lIns="91440" tIns="45720" rIns="91440" bIns="45720" rtlCol="0" anchor="b">
             <a:normAutofit/>
           </a:bodyPr>
           <a:lstStyle/>
@@ -2799,18 +2874,13 @@
               <a:rPr lang="pt-PT"/>
               <a:t>Clique para editar o estilo de título do Modelo Global</a:t>
             </a:r>
-          </a:p>
-        </p:txBody>
-      </p:sp>
-      <p:sp>
-        <p:nvSpPr>
-          <p:cNvPr id="3" name="Marcador de Posição do Texto 2">
-            <a:extLst>
-              <a:ext uri="{FF2B5EF4-FFF2-40B4-BE49-F238E27FC236}">
-                <a16:creationId xmlns:a16="http://schemas.microsoft.com/office/drawing/2014/main" id="{56C5C494-487C-4597-B01A-4D40BCE68C0D}"/>
-              </a:ext>
-            </a:extLst>
-          </p:cNvPr>
+            <a:endParaRPr lang="en-US" dirty="0"/>
+          </a:p>
+        </p:txBody>
+      </p:sp>
+      <p:sp>
+        <p:nvSpPr>
+          <p:cNvPr id="3" name="Text Placeholder 2"/>
           <p:cNvSpPr>
             <a:spLocks noGrp="1"/>
           </p:cNvSpPr>
@@ -2820,8 +2890,8 @@
         </p:nvSpPr>
         <p:spPr>
           <a:xfrm>
-            <a:off x="838200" y="1825625"/>
-            <a:ext cx="10515600" cy="4351338"/>
+            <a:off x="1261872" y="1828800"/>
+            <a:ext cx="8595360" cy="4351337"/>
           </a:xfrm>
           <a:prstGeom prst="rect">
             <a:avLst/>
@@ -2866,18 +2936,13 @@
               <a:rPr lang="pt-PT"/>
               <a:t>Quinto nível</a:t>
             </a:r>
-          </a:p>
-        </p:txBody>
-      </p:sp>
-      <p:sp>
-        <p:nvSpPr>
-          <p:cNvPr id="4" name="Marcador de Posição da Data 3">
-            <a:extLst>
-              <a:ext uri="{FF2B5EF4-FFF2-40B4-BE49-F238E27FC236}">
-                <a16:creationId xmlns:a16="http://schemas.microsoft.com/office/drawing/2014/main" id="{B23559D5-3A83-430A-A553-09BE0971CC99}"/>
-              </a:ext>
-            </a:extLst>
-          </p:cNvPr>
+            <a:endParaRPr lang="en-US" dirty="0"/>
+          </a:p>
+        </p:txBody>
+      </p:sp>
+      <p:sp>
+        <p:nvSpPr>
+          <p:cNvPr id="4" name="Date Placeholder 3"/>
           <p:cNvSpPr>
             <a:spLocks noGrp="1"/>
           </p:cNvSpPr>
@@ -2886,9 +2951,9 @@
           </p:nvPr>
         </p:nvSpPr>
         <p:spPr>
-          <a:xfrm>
-            <a:off x="838200" y="6356350"/>
-            <a:ext cx="2743200" cy="365125"/>
+          <a:xfrm rot="16200000">
+            <a:off x="10797542" y="998537"/>
+            <a:ext cx="1904999" cy="365125"/>
           </a:xfrm>
           <a:prstGeom prst="rect">
             <a:avLst/>
@@ -2897,11 +2962,12 @@
         <p:txBody>
           <a:bodyPr vert="horz" lIns="91440" tIns="45720" rIns="91440" bIns="45720" rtlCol="0" anchor="ctr"/>
           <a:lstStyle>
-            <a:lvl1pPr algn="l">
-              <a:defRPr sz="1200">
-                <a:solidFill>
-                  <a:schemeClr val="tx1">
-                    <a:tint val="75000"/>
+            <a:lvl1pPr algn="r">
+              <a:defRPr sz="1050" b="0">
+                <a:solidFill>
+                  <a:schemeClr val="tx2">
+                    <a:lumMod val="20000"/>
+                    <a:lumOff val="80000"/>
                   </a:schemeClr>
                 </a:solidFill>
               </a:defRPr>
@@ -2910,7 +2976,7 @@
           <a:p>
             <a:fld id="{F7F73CC0-F35E-4DA6-8DCC-40D7AD2B5FC7}" type="datetimeFigureOut">
               <a:rPr lang="pt-PT" smtClean="0"/>
-              <a:t>31/10/2023</a:t>
+              <a:t>02/11/2023</a:t>
             </a:fld>
             <a:endParaRPr lang="pt-PT"/>
           </a:p>
@@ -2918,13 +2984,7 @@
       </p:sp>
       <p:sp>
         <p:nvSpPr>
-          <p:cNvPr id="5" name="Marcador de Posição do Rodapé 4">
-            <a:extLst>
-              <a:ext uri="{FF2B5EF4-FFF2-40B4-BE49-F238E27FC236}">
-                <a16:creationId xmlns:a16="http://schemas.microsoft.com/office/drawing/2014/main" id="{C6AF8FA5-ED62-4846-93F9-9CFA870DA0A5}"/>
-              </a:ext>
-            </a:extLst>
-          </p:cNvPr>
+          <p:cNvPr id="5" name="Footer Placeholder 4"/>
           <p:cNvSpPr>
             <a:spLocks noGrp="1"/>
           </p:cNvSpPr>
@@ -2933,9 +2993,9 @@
           </p:nvPr>
         </p:nvSpPr>
         <p:spPr>
-          <a:xfrm>
-            <a:off x="4038600" y="6356350"/>
-            <a:ext cx="4114800" cy="365125"/>
+          <a:xfrm rot="16200000">
+            <a:off x="9959341" y="4046537"/>
+            <a:ext cx="3581400" cy="365125"/>
           </a:xfrm>
           <a:prstGeom prst="rect">
             <a:avLst/>
@@ -2944,11 +3004,12 @@
         <p:txBody>
           <a:bodyPr vert="horz" lIns="91440" tIns="45720" rIns="91440" bIns="45720" rtlCol="0" anchor="ctr"/>
           <a:lstStyle>
-            <a:lvl1pPr algn="ctr">
-              <a:defRPr sz="1200">
-                <a:solidFill>
-                  <a:schemeClr val="tx1">
-                    <a:tint val="75000"/>
+            <a:lvl1pPr algn="l">
+              <a:defRPr sz="1050">
+                <a:solidFill>
+                  <a:schemeClr val="tx2">
+                    <a:lumMod val="20000"/>
+                    <a:lumOff val="80000"/>
                   </a:schemeClr>
                 </a:solidFill>
               </a:defRPr>
@@ -2961,13 +3022,7 @@
       </p:sp>
       <p:sp>
         <p:nvSpPr>
-          <p:cNvPr id="6" name="Marcador de Posição do Número do Diapositivo 5">
-            <a:extLst>
-              <a:ext uri="{FF2B5EF4-FFF2-40B4-BE49-F238E27FC236}">
-                <a16:creationId xmlns:a16="http://schemas.microsoft.com/office/drawing/2014/main" id="{7788FF26-FAEA-497C-A707-49794AE6D4F8}"/>
-              </a:ext>
-            </a:extLst>
-          </p:cNvPr>
+          <p:cNvPr id="6" name="Slide Number Placeholder 5"/>
           <p:cNvSpPr>
             <a:spLocks noGrp="1"/>
           </p:cNvSpPr>
@@ -2977,21 +3032,24 @@
         </p:nvSpPr>
         <p:spPr>
           <a:xfrm>
-            <a:off x="8610600" y="6356350"/>
-            <a:ext cx="2743200" cy="365125"/>
+            <a:off x="11292840" y="6172200"/>
+            <a:ext cx="914400" cy="593725"/>
           </a:xfrm>
           <a:prstGeom prst="rect">
             <a:avLst/>
           </a:prstGeom>
         </p:spPr>
         <p:txBody>
-          <a:bodyPr vert="horz" lIns="91440" tIns="45720" rIns="91440" bIns="45720" rtlCol="0" anchor="ctr"/>
+          <a:bodyPr vert="horz" lIns="45720" tIns="45720" rIns="45720" bIns="45720" rtlCol="0" anchor="ctr">
+            <a:normAutofit/>
+          </a:bodyPr>
           <a:lstStyle>
-            <a:lvl1pPr algn="r">
-              <a:defRPr sz="1200">
-                <a:solidFill>
-                  <a:schemeClr val="tx1">
-                    <a:tint val="75000"/>
+            <a:lvl1pPr algn="ctr">
+              <a:defRPr sz="3600">
+                <a:solidFill>
+                  <a:schemeClr val="tx2">
+                    <a:lumMod val="60000"/>
+                    <a:lumOff val="40000"/>
                   </a:schemeClr>
                 </a:solidFill>
               </a:defRPr>
@@ -3009,23 +3067,23 @@
     </p:spTree>
     <p:extLst>
       <p:ext uri="{BB962C8B-B14F-4D97-AF65-F5344CB8AC3E}">
-        <p14:creationId xmlns:p14="http://schemas.microsoft.com/office/powerpoint/2010/main" val="3031370133"/>
+        <p14:creationId xmlns:p14="http://schemas.microsoft.com/office/powerpoint/2010/main" val="3134478532"/>
       </p:ext>
     </p:extLst>
   </p:cSld>
   <p:clrMap bg1="lt1" tx1="dk1" bg2="lt2" tx2="dk2" accent1="accent1" accent2="accent2" accent3="accent3" accent4="accent4" accent5="accent5" accent6="accent6" hlink="hlink" folHlink="folHlink"/>
   <p:sldLayoutIdLst>
-    <p:sldLayoutId id="2147483649" r:id="rId1"/>
-    <p:sldLayoutId id="2147483650" r:id="rId2"/>
-    <p:sldLayoutId id="2147483651" r:id="rId3"/>
-    <p:sldLayoutId id="2147483652" r:id="rId4"/>
-    <p:sldLayoutId id="2147483653" r:id="rId5"/>
-    <p:sldLayoutId id="2147483654" r:id="rId6"/>
-    <p:sldLayoutId id="2147483655" r:id="rId7"/>
-    <p:sldLayoutId id="2147483656" r:id="rId8"/>
-    <p:sldLayoutId id="2147483657" r:id="rId9"/>
-    <p:sldLayoutId id="2147483658" r:id="rId10"/>
-    <p:sldLayoutId id="2147483659" r:id="rId11"/>
+    <p:sldLayoutId id="2147483673" r:id="rId1"/>
+    <p:sldLayoutId id="2147483674" r:id="rId2"/>
+    <p:sldLayoutId id="2147483675" r:id="rId3"/>
+    <p:sldLayoutId id="2147483676" r:id="rId4"/>
+    <p:sldLayoutId id="2147483677" r:id="rId5"/>
+    <p:sldLayoutId id="2147483678" r:id="rId6"/>
+    <p:sldLayoutId id="2147483679" r:id="rId7"/>
+    <p:sldLayoutId id="2147483680" r:id="rId8"/>
+    <p:sldLayoutId id="2147483681" r:id="rId9"/>
+    <p:sldLayoutId id="2147483682" r:id="rId10"/>
+    <p:sldLayoutId id="2147483683" r:id="rId11"/>
   </p:sldLayoutIdLst>
   <p:txStyles>
     <p:titleStyle>
@@ -3037,7 +3095,7 @@
           <a:spcPct val="0"/>
         </a:spcBef>
         <a:buNone/>
-        <a:defRPr sz="4400" kern="1200">
+        <a:defRPr sz="4400" kern="1200" spc="-50" baseline="0">
           <a:solidFill>
             <a:schemeClr val="tx1"/>
           </a:solidFill>
@@ -3048,16 +3106,23 @@
       </a:lvl1pPr>
     </p:titleStyle>
     <p:bodyStyle>
-      <a:lvl1pPr marL="228600" indent="-228600" algn="l" defTabSz="914400" rtl="0" eaLnBrk="1" latinLnBrk="0" hangingPunct="1">
+      <a:lvl1pPr marL="182880" indent="-182880" algn="l" defTabSz="914400" rtl="0" eaLnBrk="1" latinLnBrk="0" hangingPunct="1">
         <a:lnSpc>
-          <a:spcPct val="90000"/>
+          <a:spcPct val="95000"/>
         </a:lnSpc>
         <a:spcBef>
-          <a:spcPts val="1000"/>
+          <a:spcPts val="1400"/>
         </a:spcBef>
-        <a:buFont typeface="Arial" panose="020B0604020202020204" pitchFamily="34" charset="0"/>
+        <a:spcAft>
+          <a:spcPts val="200"/>
+        </a:spcAft>
+        <a:buClr>
+          <a:schemeClr val="accent1"/>
+        </a:buClr>
+        <a:buSzPct val="80000"/>
+        <a:buFont typeface="Arial" pitchFamily="34" charset="0"/>
         <a:buChar char="•"/>
-        <a:defRPr sz="2800" kern="1200">
+        <a:defRPr sz="1800" kern="1200" spc="10" baseline="0">
           <a:solidFill>
             <a:schemeClr val="tx1"/>
           </a:solidFill>
@@ -3066,144 +3131,216 @@
           <a:cs typeface="+mn-cs"/>
         </a:defRPr>
       </a:lvl1pPr>
-      <a:lvl2pPr marL="685800" indent="-228600" algn="l" defTabSz="914400" rtl="0" eaLnBrk="1" latinLnBrk="0" hangingPunct="1">
+      <a:lvl2pPr marL="457200" indent="-182880" algn="l" defTabSz="914400" rtl="0" eaLnBrk="1" latinLnBrk="0" hangingPunct="1">
         <a:lnSpc>
           <a:spcPct val="90000"/>
         </a:lnSpc>
         <a:spcBef>
-          <a:spcPts val="500"/>
+          <a:spcPts val="300"/>
         </a:spcBef>
-        <a:buFont typeface="Arial" panose="020B0604020202020204" pitchFamily="34" charset="0"/>
-        <a:buChar char="•"/>
-        <a:defRPr sz="2400" kern="1200">
+        <a:spcAft>
+          <a:spcPts val="300"/>
+        </a:spcAft>
+        <a:buClr>
+          <a:schemeClr val="accent1"/>
+        </a:buClr>
+        <a:buFont typeface="Wingdings 2" pitchFamily="18" charset="2"/>
+        <a:buChar char=""/>
+        <a:defRPr sz="1600" kern="1200">
           <a:solidFill>
-            <a:schemeClr val="tx1"/>
+            <a:schemeClr val="tx1">
+              <a:lumMod val="85000"/>
+              <a:lumOff val="15000"/>
+            </a:schemeClr>
           </a:solidFill>
           <a:latin typeface="+mn-lt"/>
           <a:ea typeface="+mn-ea"/>
           <a:cs typeface="+mn-cs"/>
         </a:defRPr>
       </a:lvl2pPr>
-      <a:lvl3pPr marL="1143000" indent="-228600" algn="l" defTabSz="914400" rtl="0" eaLnBrk="1" latinLnBrk="0" hangingPunct="1">
+      <a:lvl3pPr marL="731520" indent="-182880" algn="l" defTabSz="914400" rtl="0" eaLnBrk="1" latinLnBrk="0" hangingPunct="1">
         <a:lnSpc>
           <a:spcPct val="90000"/>
         </a:lnSpc>
         <a:spcBef>
-          <a:spcPts val="500"/>
+          <a:spcPts val="300"/>
         </a:spcBef>
-        <a:buFont typeface="Arial" panose="020B0604020202020204" pitchFamily="34" charset="0"/>
-        <a:buChar char="•"/>
-        <a:defRPr sz="2000" kern="1200">
+        <a:spcAft>
+          <a:spcPts val="300"/>
+        </a:spcAft>
+        <a:buClr>
+          <a:schemeClr val="accent1"/>
+        </a:buClr>
+        <a:buFont typeface="Wingdings 2" pitchFamily="18" charset="2"/>
+        <a:buChar char=""/>
+        <a:defRPr sz="1400" kern="1200">
           <a:solidFill>
-            <a:schemeClr val="tx1"/>
+            <a:schemeClr val="tx1">
+              <a:lumMod val="85000"/>
+              <a:lumOff val="15000"/>
+            </a:schemeClr>
           </a:solidFill>
           <a:latin typeface="+mn-lt"/>
           <a:ea typeface="+mn-ea"/>
           <a:cs typeface="+mn-cs"/>
         </a:defRPr>
       </a:lvl3pPr>
-      <a:lvl4pPr marL="1600200" indent="-228600" algn="l" defTabSz="914400" rtl="0" eaLnBrk="1" latinLnBrk="0" hangingPunct="1">
+      <a:lvl4pPr marL="1005840" indent="-182880" algn="l" defTabSz="914400" rtl="0" eaLnBrk="1" latinLnBrk="0" hangingPunct="1">
         <a:lnSpc>
           <a:spcPct val="90000"/>
         </a:lnSpc>
         <a:spcBef>
-          <a:spcPts val="500"/>
+          <a:spcPts val="300"/>
         </a:spcBef>
-        <a:buFont typeface="Arial" panose="020B0604020202020204" pitchFamily="34" charset="0"/>
-        <a:buChar char="•"/>
-        <a:defRPr sz="1800" kern="1200">
+        <a:spcAft>
+          <a:spcPts val="300"/>
+        </a:spcAft>
+        <a:buClr>
+          <a:schemeClr val="accent1"/>
+        </a:buClr>
+        <a:buFont typeface="Wingdings 2" pitchFamily="18" charset="2"/>
+        <a:buChar char=""/>
+        <a:defRPr sz="1400" kern="1200">
           <a:solidFill>
-            <a:schemeClr val="tx1"/>
+            <a:schemeClr val="tx1">
+              <a:lumMod val="85000"/>
+              <a:lumOff val="15000"/>
+            </a:schemeClr>
           </a:solidFill>
           <a:latin typeface="+mn-lt"/>
           <a:ea typeface="+mn-ea"/>
           <a:cs typeface="+mn-cs"/>
         </a:defRPr>
       </a:lvl4pPr>
-      <a:lvl5pPr marL="2057400" indent="-228600" algn="l" defTabSz="914400" rtl="0" eaLnBrk="1" latinLnBrk="0" hangingPunct="1">
+      <a:lvl5pPr marL="1280160" indent="-182880" algn="l" defTabSz="914400" rtl="0" eaLnBrk="1" latinLnBrk="0" hangingPunct="1">
         <a:lnSpc>
           <a:spcPct val="90000"/>
         </a:lnSpc>
         <a:spcBef>
-          <a:spcPts val="500"/>
+          <a:spcPts val="300"/>
         </a:spcBef>
-        <a:buFont typeface="Arial" panose="020B0604020202020204" pitchFamily="34" charset="0"/>
-        <a:buChar char="•"/>
-        <a:defRPr sz="1800" kern="1200">
+        <a:spcAft>
+          <a:spcPts val="300"/>
+        </a:spcAft>
+        <a:buClr>
+          <a:schemeClr val="accent1"/>
+        </a:buClr>
+        <a:buFont typeface="Wingdings 2" pitchFamily="18" charset="2"/>
+        <a:buChar char=""/>
+        <a:defRPr sz="1400" kern="1200">
           <a:solidFill>
-            <a:schemeClr val="tx1"/>
+            <a:schemeClr val="tx1">
+              <a:lumMod val="85000"/>
+              <a:lumOff val="15000"/>
+            </a:schemeClr>
           </a:solidFill>
           <a:latin typeface="+mn-lt"/>
           <a:ea typeface="+mn-ea"/>
           <a:cs typeface="+mn-cs"/>
         </a:defRPr>
       </a:lvl5pPr>
-      <a:lvl6pPr marL="2514600" indent="-228600" algn="l" defTabSz="914400" rtl="0" eaLnBrk="1" latinLnBrk="0" hangingPunct="1">
+      <a:lvl6pPr marL="1600000" indent="-228600" algn="l" defTabSz="914400" rtl="0" eaLnBrk="1" latinLnBrk="0" hangingPunct="1">
         <a:lnSpc>
           <a:spcPct val="90000"/>
         </a:lnSpc>
         <a:spcBef>
-          <a:spcPts val="500"/>
+          <a:spcPts val="300"/>
         </a:spcBef>
-        <a:buFont typeface="Arial" panose="020B0604020202020204" pitchFamily="34" charset="0"/>
-        <a:buChar char="•"/>
-        <a:defRPr sz="1800" kern="1200">
+        <a:spcAft>
+          <a:spcPts val="300"/>
+        </a:spcAft>
+        <a:buClr>
+          <a:schemeClr val="accent1"/>
+        </a:buClr>
+        <a:buFont typeface="Wingdings 2" pitchFamily="18" charset="2"/>
+        <a:buChar char=""/>
+        <a:defRPr sz="1400" kern="1200">
           <a:solidFill>
-            <a:schemeClr val="tx1"/>
+            <a:schemeClr val="tx1">
+              <a:lumMod val="85000"/>
+              <a:lumOff val="15000"/>
+            </a:schemeClr>
           </a:solidFill>
           <a:latin typeface="+mn-lt"/>
           <a:ea typeface="+mn-ea"/>
           <a:cs typeface="+mn-cs"/>
         </a:defRPr>
       </a:lvl6pPr>
-      <a:lvl7pPr marL="2971800" indent="-228600" algn="l" defTabSz="914400" rtl="0" eaLnBrk="1" latinLnBrk="0" hangingPunct="1">
+      <a:lvl7pPr marL="1900000" indent="-228600" algn="l" defTabSz="914400" rtl="0" eaLnBrk="1" latinLnBrk="0" hangingPunct="1">
         <a:lnSpc>
           <a:spcPct val="90000"/>
         </a:lnSpc>
         <a:spcBef>
-          <a:spcPts val="500"/>
+          <a:spcPts val="300"/>
         </a:spcBef>
-        <a:buFont typeface="Arial" panose="020B0604020202020204" pitchFamily="34" charset="0"/>
-        <a:buChar char="•"/>
-        <a:defRPr sz="1800" kern="1200">
+        <a:spcAft>
+          <a:spcPts val="300"/>
+        </a:spcAft>
+        <a:buClr>
+          <a:schemeClr val="accent1"/>
+        </a:buClr>
+        <a:buFont typeface="Wingdings 2" pitchFamily="18" charset="2"/>
+        <a:buChar char=""/>
+        <a:defRPr sz="1400" kern="1200">
           <a:solidFill>
-            <a:schemeClr val="tx1"/>
+            <a:schemeClr val="tx1">
+              <a:lumMod val="85000"/>
+              <a:lumOff val="15000"/>
+            </a:schemeClr>
           </a:solidFill>
           <a:latin typeface="+mn-lt"/>
           <a:ea typeface="+mn-ea"/>
           <a:cs typeface="+mn-cs"/>
         </a:defRPr>
       </a:lvl7pPr>
-      <a:lvl8pPr marL="3429000" indent="-228600" algn="l" defTabSz="914400" rtl="0" eaLnBrk="1" latinLnBrk="0" hangingPunct="1">
+      <a:lvl8pPr marL="2200000" indent="-228600" algn="l" defTabSz="914400" rtl="0" eaLnBrk="1" latinLnBrk="0" hangingPunct="1">
         <a:lnSpc>
           <a:spcPct val="90000"/>
         </a:lnSpc>
         <a:spcBef>
-          <a:spcPts val="500"/>
+          <a:spcPts val="300"/>
         </a:spcBef>
-        <a:buFont typeface="Arial" panose="020B0604020202020204" pitchFamily="34" charset="0"/>
-        <a:buChar char="•"/>
-        <a:defRPr sz="1800" kern="1200">
+        <a:spcAft>
+          <a:spcPts val="300"/>
+        </a:spcAft>
+        <a:buClr>
+          <a:schemeClr val="accent1"/>
+        </a:buClr>
+        <a:buFont typeface="Wingdings 2" pitchFamily="18" charset="2"/>
+        <a:buChar char=""/>
+        <a:defRPr sz="1400" kern="1200">
           <a:solidFill>
-            <a:schemeClr val="tx1"/>
+            <a:schemeClr val="tx1">
+              <a:lumMod val="85000"/>
+              <a:lumOff val="15000"/>
+            </a:schemeClr>
           </a:solidFill>
           <a:latin typeface="+mn-lt"/>
           <a:ea typeface="+mn-ea"/>
           <a:cs typeface="+mn-cs"/>
         </a:defRPr>
       </a:lvl8pPr>
-      <a:lvl9pPr marL="3886200" indent="-228600" algn="l" defTabSz="914400" rtl="0" eaLnBrk="1" latinLnBrk="0" hangingPunct="1">
+      <a:lvl9pPr marL="2500000" indent="-228600" algn="l" defTabSz="914400" rtl="0" eaLnBrk="1" latinLnBrk="0" hangingPunct="1">
         <a:lnSpc>
           <a:spcPct val="90000"/>
         </a:lnSpc>
         <a:spcBef>
-          <a:spcPts val="500"/>
+          <a:spcPts val="300"/>
         </a:spcBef>
-        <a:buFont typeface="Arial" panose="020B0604020202020204" pitchFamily="34" charset="0"/>
-        <a:buChar char="•"/>
-        <a:defRPr sz="1800" kern="1200">
+        <a:spcAft>
+          <a:spcPts val="300"/>
+        </a:spcAft>
+        <a:buClr>
+          <a:schemeClr val="accent1"/>
+        </a:buClr>
+        <a:buFont typeface="Wingdings 2" pitchFamily="18" charset="2"/>
+        <a:buChar char=""/>
+        <a:defRPr sz="1400" kern="1200">
           <a:solidFill>
-            <a:schemeClr val="tx1"/>
+            <a:schemeClr val="tx1">
+              <a:lumMod val="85000"/>
+              <a:lumOff val="15000"/>
+            </a:schemeClr>
           </a:solidFill>
           <a:latin typeface="+mn-lt"/>
           <a:ea typeface="+mn-ea"/>
@@ -3213,7 +3350,7 @@
     </p:bodyStyle>
     <p:otherStyle>
       <a:defPPr>
-        <a:defRPr lang="pt-PT"/>
+        <a:defRPr lang="en-US"/>
       </a:defPPr>
       <a:lvl1pPr marL="0" algn="l" defTabSz="914400" rtl="0" eaLnBrk="1" latinLnBrk="0" hangingPunct="1">
         <a:defRPr sz="1800" kern="1200">
@@ -3343,15 +3480,55 @@
             <p:ph type="ctrTitle"/>
           </p:nvPr>
         </p:nvSpPr>
-        <p:spPr/>
-        <p:txBody>
-          <a:bodyPr/>
+        <p:spPr>
+          <a:xfrm>
+            <a:off x="660876" y="1231130"/>
+            <a:ext cx="10989892" cy="2103333"/>
+          </a:xfrm>
+        </p:spPr>
+        <p:txBody>
+          <a:bodyPr>
+            <a:noAutofit/>
+          </a:bodyPr>
           <a:lstStyle/>
           <a:p>
-            <a:r>
-              <a:rPr lang="pt-PT" dirty="0"/>
-              <a:t>SCHEDULE MANAGEMENT SYSTEM</a:t>
-            </a:r>
+            <a:pPr algn="ctr"/>
+            <a:r>
+              <a:rPr lang="pt-PT" sz="8000" cap="small" dirty="0">
+                <a:latin typeface="Rokkitt" pitchFamily="2" charset="0"/>
+                <a:ea typeface="JetBrains Mono" panose="02000009000000000000" pitchFamily="49" charset="0"/>
+                <a:cs typeface="JetBrains Mono" panose="02000009000000000000" pitchFamily="49" charset="0"/>
+              </a:rPr>
+              <a:t>Schedule </a:t>
+            </a:r>
+            <a:br>
+              <a:rPr lang="pt-PT" sz="8000" cap="small" dirty="0">
+                <a:latin typeface="Rokkitt" pitchFamily="2" charset="0"/>
+                <a:ea typeface="JetBrains Mono" panose="02000009000000000000" pitchFamily="49" charset="0"/>
+                <a:cs typeface="JetBrains Mono" panose="02000009000000000000" pitchFamily="49" charset="0"/>
+              </a:rPr>
+            </a:br>
+            <a:r>
+              <a:rPr lang="pt-PT" sz="8000" cap="small" dirty="0">
+                <a:latin typeface="Rokkitt" pitchFamily="2" charset="0"/>
+                <a:ea typeface="JetBrains Mono" panose="02000009000000000000" pitchFamily="49" charset="0"/>
+                <a:cs typeface="JetBrains Mono" panose="02000009000000000000" pitchFamily="49" charset="0"/>
+              </a:rPr>
+              <a:t>Management </a:t>
+            </a:r>
+            <a:r>
+              <a:rPr lang="pt-PT" sz="8000" cap="small" dirty="0" err="1">
+                <a:latin typeface="Rokkitt" pitchFamily="2" charset="0"/>
+                <a:ea typeface="JetBrains Mono" panose="02000009000000000000" pitchFamily="49" charset="0"/>
+                <a:cs typeface="JetBrains Mono" panose="02000009000000000000" pitchFamily="49" charset="0"/>
+              </a:rPr>
+              <a:t>System</a:t>
+            </a:r>
+            <a:endParaRPr lang="pt-PT" sz="8000" cap="small" dirty="0">
+              <a:latin typeface="Rokkitt" pitchFamily="2" charset="0"/>
+              <a:ea typeface="JetBrains Mono" panose="02000009000000000000" pitchFamily="49" charset="0"/>
+              <a:cs typeface="JetBrains Mono" panose="02000009000000000000" pitchFamily="49" charset="0"/>
+            </a:endParaRPr>
           </a:p>
         </p:txBody>
       </p:sp>
@@ -3371,15 +3548,472 @@
             <p:ph type="subTitle" idx="1"/>
           </p:nvPr>
         </p:nvSpPr>
-        <p:spPr/>
-        <p:txBody>
-          <a:bodyPr/>
+        <p:spPr>
+          <a:xfrm>
+            <a:off x="1535182" y="4163954"/>
+            <a:ext cx="9241280" cy="1743696"/>
+          </a:xfrm>
+        </p:spPr>
+        <p:txBody>
+          <a:bodyPr>
+            <a:normAutofit/>
+          </a:bodyPr>
           <a:lstStyle/>
           <a:p>
-            <a:endParaRPr lang="pt-PT"/>
-          </a:p>
-        </p:txBody>
-      </p:sp>
+            <a:pPr algn="ctr">
+              <a:lnSpc>
+                <a:spcPct val="100000"/>
+              </a:lnSpc>
+              <a:spcBef>
+                <a:spcPts val="600"/>
+              </a:spcBef>
+              <a:spcAft>
+                <a:spcPts val="600"/>
+              </a:spcAft>
+            </a:pPr>
+            <a:r>
+              <a:rPr lang="pt-PT" cap="small" dirty="0">
+                <a:latin typeface="Rokkitt" pitchFamily="2" charset="0"/>
+                <a:ea typeface="Fira Code Medium" panose="020B0809050000020004" pitchFamily="49" charset="0"/>
+                <a:cs typeface="Fira Code Medium" panose="020B0809050000020004" pitchFamily="49" charset="0"/>
+              </a:rPr>
+              <a:t>Ano Letivo 2023/2024</a:t>
+            </a:r>
+          </a:p>
+          <a:p>
+            <a:pPr algn="ctr">
+              <a:lnSpc>
+                <a:spcPct val="100000"/>
+              </a:lnSpc>
+              <a:spcBef>
+                <a:spcPts val="600"/>
+              </a:spcBef>
+              <a:spcAft>
+                <a:spcPts val="600"/>
+              </a:spcAft>
+            </a:pPr>
+            <a:r>
+              <a:rPr lang="pt-PT" cap="small" dirty="0">
+                <a:latin typeface="Rokkitt" pitchFamily="2" charset="0"/>
+                <a:ea typeface="Fira Code Medium" panose="020B0809050000020004" pitchFamily="49" charset="0"/>
+                <a:cs typeface="Fira Code Medium" panose="020B0809050000020004" pitchFamily="49" charset="0"/>
+              </a:rPr>
+              <a:t>Algoritmos e Estruturas de Dados </a:t>
+            </a:r>
+          </a:p>
+          <a:p>
+            <a:pPr algn="ctr">
+              <a:lnSpc>
+                <a:spcPct val="100000"/>
+              </a:lnSpc>
+              <a:spcBef>
+                <a:spcPts val="600"/>
+              </a:spcBef>
+              <a:spcAft>
+                <a:spcPts val="600"/>
+              </a:spcAft>
+            </a:pPr>
+            <a:r>
+              <a:rPr lang="pt-PT" cap="small" dirty="0">
+                <a:latin typeface="Rokkitt" pitchFamily="2" charset="0"/>
+                <a:ea typeface="Fira Code Medium" panose="020B0809050000020004" pitchFamily="49" charset="0"/>
+                <a:cs typeface="Fira Code Medium" panose="020B0809050000020004" pitchFamily="49" charset="0"/>
+              </a:rPr>
+              <a:t>(L.EIC011)</a:t>
+            </a:r>
+          </a:p>
+        </p:txBody>
+      </p:sp>
+      <p:sp>
+        <p:nvSpPr>
+          <p:cNvPr id="4" name="Subtítulo 2">
+            <a:extLst>
+              <a:ext uri="{FF2B5EF4-FFF2-40B4-BE49-F238E27FC236}">
+                <a16:creationId xmlns:a16="http://schemas.microsoft.com/office/drawing/2014/main" id="{963F37C6-AE72-47DB-AA73-3FD25C7AF7C2}"/>
+              </a:ext>
+            </a:extLst>
+          </p:cNvPr>
+          <p:cNvSpPr txBox="1">
+            <a:spLocks/>
+          </p:cNvSpPr>
+          <p:nvPr/>
+        </p:nvSpPr>
+        <p:spPr>
+          <a:xfrm>
+            <a:off x="9067088" y="5635239"/>
+            <a:ext cx="3020545" cy="1222761"/>
+          </a:xfrm>
+          <a:prstGeom prst="rect">
+            <a:avLst/>
+          </a:prstGeom>
+        </p:spPr>
+        <p:txBody>
+          <a:bodyPr vert="horz" lIns="91440" tIns="45720" rIns="91440" bIns="45720" rtlCol="0">
+            <a:normAutofit/>
+          </a:bodyPr>
+          <a:lstStyle>
+            <a:lvl1pPr marL="0" indent="0" algn="l" defTabSz="914400" rtl="0" eaLnBrk="1" latinLnBrk="0" hangingPunct="1">
+              <a:lnSpc>
+                <a:spcPct val="95000"/>
+              </a:lnSpc>
+              <a:spcBef>
+                <a:spcPts val="1400"/>
+              </a:spcBef>
+              <a:spcAft>
+                <a:spcPts val="200"/>
+              </a:spcAft>
+              <a:buClr>
+                <a:schemeClr val="accent1"/>
+              </a:buClr>
+              <a:buSzPct val="80000"/>
+              <a:buFont typeface="Arial" pitchFamily="34" charset="0"/>
+              <a:buNone/>
+              <a:defRPr sz="2200" kern="1200" spc="10" baseline="0">
+                <a:solidFill>
+                  <a:schemeClr val="tx1">
+                    <a:lumMod val="75000"/>
+                  </a:schemeClr>
+                </a:solidFill>
+                <a:latin typeface="+mn-lt"/>
+                <a:ea typeface="+mn-ea"/>
+                <a:cs typeface="+mn-cs"/>
+              </a:defRPr>
+            </a:lvl1pPr>
+            <a:lvl2pPr marL="457200" indent="0" algn="ctr" defTabSz="914400" rtl="0" eaLnBrk="1" latinLnBrk="0" hangingPunct="1">
+              <a:lnSpc>
+                <a:spcPct val="90000"/>
+              </a:lnSpc>
+              <a:spcBef>
+                <a:spcPts val="300"/>
+              </a:spcBef>
+              <a:spcAft>
+                <a:spcPts val="300"/>
+              </a:spcAft>
+              <a:buClr>
+                <a:schemeClr val="accent1"/>
+              </a:buClr>
+              <a:buFont typeface="Wingdings 2" pitchFamily="18" charset="2"/>
+              <a:buNone/>
+              <a:defRPr sz="2200" kern="1200">
+                <a:solidFill>
+                  <a:schemeClr val="tx1">
+                    <a:lumMod val="85000"/>
+                    <a:lumOff val="15000"/>
+                  </a:schemeClr>
+                </a:solidFill>
+                <a:latin typeface="+mn-lt"/>
+                <a:ea typeface="+mn-ea"/>
+                <a:cs typeface="+mn-cs"/>
+              </a:defRPr>
+            </a:lvl2pPr>
+            <a:lvl3pPr marL="914400" indent="0" algn="ctr" defTabSz="914400" rtl="0" eaLnBrk="1" latinLnBrk="0" hangingPunct="1">
+              <a:lnSpc>
+                <a:spcPct val="90000"/>
+              </a:lnSpc>
+              <a:spcBef>
+                <a:spcPts val="300"/>
+              </a:spcBef>
+              <a:spcAft>
+                <a:spcPts val="300"/>
+              </a:spcAft>
+              <a:buClr>
+                <a:schemeClr val="accent1"/>
+              </a:buClr>
+              <a:buFont typeface="Wingdings 2" pitchFamily="18" charset="2"/>
+              <a:buNone/>
+              <a:defRPr sz="2200" kern="1200">
+                <a:solidFill>
+                  <a:schemeClr val="tx1">
+                    <a:lumMod val="85000"/>
+                    <a:lumOff val="15000"/>
+                  </a:schemeClr>
+                </a:solidFill>
+                <a:latin typeface="+mn-lt"/>
+                <a:ea typeface="+mn-ea"/>
+                <a:cs typeface="+mn-cs"/>
+              </a:defRPr>
+            </a:lvl3pPr>
+            <a:lvl4pPr marL="1371600" indent="0" algn="ctr" defTabSz="914400" rtl="0" eaLnBrk="1" latinLnBrk="0" hangingPunct="1">
+              <a:lnSpc>
+                <a:spcPct val="90000"/>
+              </a:lnSpc>
+              <a:spcBef>
+                <a:spcPts val="300"/>
+              </a:spcBef>
+              <a:spcAft>
+                <a:spcPts val="300"/>
+              </a:spcAft>
+              <a:buClr>
+                <a:schemeClr val="accent1"/>
+              </a:buClr>
+              <a:buFont typeface="Wingdings 2" pitchFamily="18" charset="2"/>
+              <a:buNone/>
+              <a:defRPr sz="2000" kern="1200">
+                <a:solidFill>
+                  <a:schemeClr val="tx1">
+                    <a:lumMod val="85000"/>
+                    <a:lumOff val="15000"/>
+                  </a:schemeClr>
+                </a:solidFill>
+                <a:latin typeface="+mn-lt"/>
+                <a:ea typeface="+mn-ea"/>
+                <a:cs typeface="+mn-cs"/>
+              </a:defRPr>
+            </a:lvl4pPr>
+            <a:lvl5pPr marL="1828800" indent="0" algn="ctr" defTabSz="914400" rtl="0" eaLnBrk="1" latinLnBrk="0" hangingPunct="1">
+              <a:lnSpc>
+                <a:spcPct val="90000"/>
+              </a:lnSpc>
+              <a:spcBef>
+                <a:spcPts val="300"/>
+              </a:spcBef>
+              <a:spcAft>
+                <a:spcPts val="300"/>
+              </a:spcAft>
+              <a:buClr>
+                <a:schemeClr val="accent1"/>
+              </a:buClr>
+              <a:buFont typeface="Wingdings 2" pitchFamily="18" charset="2"/>
+              <a:buNone/>
+              <a:defRPr sz="2000" kern="1200">
+                <a:solidFill>
+                  <a:schemeClr val="tx1">
+                    <a:lumMod val="85000"/>
+                    <a:lumOff val="15000"/>
+                  </a:schemeClr>
+                </a:solidFill>
+                <a:latin typeface="+mn-lt"/>
+                <a:ea typeface="+mn-ea"/>
+                <a:cs typeface="+mn-cs"/>
+              </a:defRPr>
+            </a:lvl5pPr>
+            <a:lvl6pPr marL="2286000" indent="0" algn="ctr" defTabSz="914400" rtl="0" eaLnBrk="1" latinLnBrk="0" hangingPunct="1">
+              <a:lnSpc>
+                <a:spcPct val="90000"/>
+              </a:lnSpc>
+              <a:spcBef>
+                <a:spcPts val="300"/>
+              </a:spcBef>
+              <a:spcAft>
+                <a:spcPts val="300"/>
+              </a:spcAft>
+              <a:buClr>
+                <a:schemeClr val="accent1"/>
+              </a:buClr>
+              <a:buFont typeface="Wingdings 2" pitchFamily="18" charset="2"/>
+              <a:buNone/>
+              <a:defRPr sz="2000" kern="1200">
+                <a:solidFill>
+                  <a:schemeClr val="tx1">
+                    <a:lumMod val="85000"/>
+                    <a:lumOff val="15000"/>
+                  </a:schemeClr>
+                </a:solidFill>
+                <a:latin typeface="+mn-lt"/>
+                <a:ea typeface="+mn-ea"/>
+                <a:cs typeface="+mn-cs"/>
+              </a:defRPr>
+            </a:lvl6pPr>
+            <a:lvl7pPr marL="2743200" indent="0" algn="ctr" defTabSz="914400" rtl="0" eaLnBrk="1" latinLnBrk="0" hangingPunct="1">
+              <a:lnSpc>
+                <a:spcPct val="90000"/>
+              </a:lnSpc>
+              <a:spcBef>
+                <a:spcPts val="300"/>
+              </a:spcBef>
+              <a:spcAft>
+                <a:spcPts val="300"/>
+              </a:spcAft>
+              <a:buClr>
+                <a:schemeClr val="accent1"/>
+              </a:buClr>
+              <a:buFont typeface="Wingdings 2" pitchFamily="18" charset="2"/>
+              <a:buNone/>
+              <a:defRPr sz="2000" kern="1200">
+                <a:solidFill>
+                  <a:schemeClr val="tx1">
+                    <a:lumMod val="85000"/>
+                    <a:lumOff val="15000"/>
+                  </a:schemeClr>
+                </a:solidFill>
+                <a:latin typeface="+mn-lt"/>
+                <a:ea typeface="+mn-ea"/>
+                <a:cs typeface="+mn-cs"/>
+              </a:defRPr>
+            </a:lvl7pPr>
+            <a:lvl8pPr marL="3200400" indent="0" algn="ctr" defTabSz="914400" rtl="0" eaLnBrk="1" latinLnBrk="0" hangingPunct="1">
+              <a:lnSpc>
+                <a:spcPct val="90000"/>
+              </a:lnSpc>
+              <a:spcBef>
+                <a:spcPts val="300"/>
+              </a:spcBef>
+              <a:spcAft>
+                <a:spcPts val="300"/>
+              </a:spcAft>
+              <a:buClr>
+                <a:schemeClr val="accent1"/>
+              </a:buClr>
+              <a:buFont typeface="Wingdings 2" pitchFamily="18" charset="2"/>
+              <a:buNone/>
+              <a:defRPr sz="2000" kern="1200">
+                <a:solidFill>
+                  <a:schemeClr val="tx1">
+                    <a:lumMod val="85000"/>
+                    <a:lumOff val="15000"/>
+                  </a:schemeClr>
+                </a:solidFill>
+                <a:latin typeface="+mn-lt"/>
+                <a:ea typeface="+mn-ea"/>
+                <a:cs typeface="+mn-cs"/>
+              </a:defRPr>
+            </a:lvl8pPr>
+            <a:lvl9pPr marL="3657600" indent="0" algn="ctr" defTabSz="914400" rtl="0" eaLnBrk="1" latinLnBrk="0" hangingPunct="1">
+              <a:lnSpc>
+                <a:spcPct val="90000"/>
+              </a:lnSpc>
+              <a:spcBef>
+                <a:spcPts val="300"/>
+              </a:spcBef>
+              <a:spcAft>
+                <a:spcPts val="300"/>
+              </a:spcAft>
+              <a:buClr>
+                <a:schemeClr val="accent1"/>
+              </a:buClr>
+              <a:buFont typeface="Wingdings 2" pitchFamily="18" charset="2"/>
+              <a:buNone/>
+              <a:defRPr sz="2000" kern="1200">
+                <a:solidFill>
+                  <a:schemeClr val="tx1">
+                    <a:lumMod val="85000"/>
+                    <a:lumOff val="15000"/>
+                  </a:schemeClr>
+                </a:solidFill>
+                <a:latin typeface="+mn-lt"/>
+                <a:ea typeface="+mn-ea"/>
+                <a:cs typeface="+mn-cs"/>
+              </a:defRPr>
+            </a:lvl9pPr>
+          </a:lstStyle>
+          <a:p>
+            <a:pPr algn="ctr">
+              <a:lnSpc>
+                <a:spcPct val="100000"/>
+              </a:lnSpc>
+              <a:spcBef>
+                <a:spcPts val="0"/>
+              </a:spcBef>
+              <a:spcAft>
+                <a:spcPts val="1200"/>
+              </a:spcAft>
+            </a:pPr>
+            <a:r>
+              <a:rPr lang="pt-PT" sz="1400" dirty="0">
+                <a:solidFill>
+                  <a:schemeClr val="tx1"/>
+                </a:solidFill>
+                <a:latin typeface="Tilda Sans" panose="020B0502020204020303" pitchFamily="34" charset="0"/>
+              </a:rPr>
+              <a:t>Turma 01, Grupo 15</a:t>
+            </a:r>
+          </a:p>
+          <a:p>
+            <a:pPr algn="just">
+              <a:lnSpc>
+                <a:spcPct val="100000"/>
+              </a:lnSpc>
+              <a:spcBef>
+                <a:spcPts val="0"/>
+              </a:spcBef>
+              <a:spcAft>
+                <a:spcPts val="0"/>
+              </a:spcAft>
+            </a:pPr>
+            <a:r>
+              <a:rPr lang="pt-PT" sz="1400" dirty="0">
+                <a:solidFill>
+                  <a:schemeClr val="tx1"/>
+                </a:solidFill>
+                <a:latin typeface="Tilda Sans" panose="020B0502020204020303" pitchFamily="34" charset="0"/>
+              </a:rPr>
+              <a:t>Rafael Teixeira de Magalhães</a:t>
+            </a:r>
+            <a:br>
+              <a:rPr lang="pt-PT" sz="1400" dirty="0">
+                <a:solidFill>
+                  <a:schemeClr val="tx1"/>
+                </a:solidFill>
+                <a:latin typeface="Tilda Sans" panose="020B0502020204020303" pitchFamily="34" charset="0"/>
+              </a:rPr>
+            </a:br>
+            <a:r>
+              <a:rPr lang="pt-PT" sz="1400" dirty="0">
+                <a:solidFill>
+                  <a:schemeClr val="tx1"/>
+                </a:solidFill>
+                <a:latin typeface="Tilda Sans" panose="020B0502020204020303" pitchFamily="34" charset="0"/>
+              </a:rPr>
+              <a:t>Ricardo de Freitas Oliveira</a:t>
+            </a:r>
+            <a:br>
+              <a:rPr lang="pt-PT" sz="1400" dirty="0">
+                <a:solidFill>
+                  <a:schemeClr val="tx1"/>
+                </a:solidFill>
+                <a:latin typeface="Tilda Sans" panose="020B0502020204020303" pitchFamily="34" charset="0"/>
+              </a:rPr>
+            </a:br>
+            <a:r>
+              <a:rPr lang="pt-PT" sz="1400" dirty="0">
+                <a:solidFill>
+                  <a:schemeClr val="tx1"/>
+                </a:solidFill>
+                <a:latin typeface="Tilda Sans" panose="020B0502020204020303" pitchFamily="34" charset="0"/>
+              </a:rPr>
+              <a:t>Rodrigo Albergaria Coelho e Silva</a:t>
+            </a:r>
+          </a:p>
+        </p:txBody>
+      </p:sp>
+      <p:cxnSp>
+        <p:nvCxnSpPr>
+          <p:cNvPr id="8" name="Conexão reta 7">
+            <a:extLst>
+              <a:ext uri="{FF2B5EF4-FFF2-40B4-BE49-F238E27FC236}">
+                <a16:creationId xmlns:a16="http://schemas.microsoft.com/office/drawing/2014/main" id="{DF60F8AA-6B8C-45D1-B4F9-79B0B5C8E818}"/>
+              </a:ext>
+            </a:extLst>
+          </p:cNvPr>
+          <p:cNvCxnSpPr>
+            <a:cxnSpLocks/>
+          </p:cNvCxnSpPr>
+          <p:nvPr/>
+        </p:nvCxnSpPr>
+        <p:spPr>
+          <a:xfrm>
+            <a:off x="3743060" y="3702472"/>
+            <a:ext cx="4825524" cy="0"/>
+          </a:xfrm>
+          <a:prstGeom prst="line">
+            <a:avLst/>
+          </a:prstGeom>
+        </p:spPr>
+        <p:style>
+          <a:lnRef idx="1">
+            <a:schemeClr val="accent1"/>
+          </a:lnRef>
+          <a:fillRef idx="0">
+            <a:schemeClr val="accent1"/>
+          </a:fillRef>
+          <a:effectRef idx="0">
+            <a:schemeClr val="accent1"/>
+          </a:effectRef>
+          <a:fontRef idx="minor">
+            <a:schemeClr val="tx1"/>
+          </a:fontRef>
+        </p:style>
+      </p:cxnSp>
     </p:spTree>
     <p:extLst>
       <p:ext uri="{BB962C8B-B14F-4D97-AF65-F5344CB8AC3E}">
@@ -3426,49 +4060,37 @@
             <p:ph type="title"/>
           </p:nvPr>
         </p:nvSpPr>
-        <p:spPr/>
-        <p:txBody>
-          <a:bodyPr/>
+        <p:spPr>
+          <a:xfrm>
+            <a:off x="730249" y="446445"/>
+            <a:ext cx="10058400" cy="999859"/>
+          </a:xfrm>
+        </p:spPr>
+        <p:txBody>
+          <a:bodyPr>
+            <a:noAutofit/>
+          </a:bodyPr>
           <a:lstStyle/>
           <a:p>
-            <a:r>
-              <a:rPr lang="pt-PT" dirty="0"/>
-              <a:t>ESTRUTURAÇÃO DO CÓDIGO</a:t>
-            </a:r>
-          </a:p>
-        </p:txBody>
-      </p:sp>
-      <p:sp>
-        <p:nvSpPr>
-          <p:cNvPr id="3" name="Marcador de Posição de Conteúdo 2">
-            <a:extLst>
-              <a:ext uri="{FF2B5EF4-FFF2-40B4-BE49-F238E27FC236}">
-                <a16:creationId xmlns:a16="http://schemas.microsoft.com/office/drawing/2014/main" id="{AD5D6A30-7F40-49D2-9A51-A3F11BEBA49A}"/>
-              </a:ext>
-            </a:extLst>
-          </p:cNvPr>
-          <p:cNvSpPr>
-            <a:spLocks noGrp="1"/>
-          </p:cNvSpPr>
-          <p:nvPr>
-            <p:ph idx="1"/>
-          </p:nvPr>
-        </p:nvSpPr>
-        <p:spPr/>
-        <p:txBody>
-          <a:bodyPr/>
-          <a:lstStyle/>
-          <a:p>
-            <a:pPr marL="0" indent="0" algn="just">
-              <a:buNone/>
+            <a:pPr>
+              <a:lnSpc>
+                <a:spcPct val="85000"/>
+              </a:lnSpc>
             </a:pPr>
-            <a:endParaRPr lang="pt-PT" dirty="0"/>
-          </a:p>
-        </p:txBody>
-      </p:sp>
-      <p:sp>
-        <p:nvSpPr>
-          <p:cNvPr id="4" name="Retângulo: Cantos Arredondados 3">
+            <a:r>
+              <a:rPr lang="pt-PT" sz="5400" cap="small" dirty="0">
+                <a:latin typeface="Rokkitt" pitchFamily="2" charset="0"/>
+                <a:ea typeface="JetBrains Mono" panose="02000009000000000000" pitchFamily="49" charset="0"/>
+                <a:cs typeface="JetBrains Mono" panose="02000009000000000000" pitchFamily="49" charset="0"/>
+              </a:rPr>
+              <a:t>Estruturação do Código</a:t>
+            </a:r>
+          </a:p>
+        </p:txBody>
+      </p:sp>
+      <p:sp>
+        <p:nvSpPr>
+          <p:cNvPr id="4" name="Retângulo: Canto Cortado 3">
             <a:extLst>
               <a:ext uri="{FF2B5EF4-FFF2-40B4-BE49-F238E27FC236}">
                 <a16:creationId xmlns:a16="http://schemas.microsoft.com/office/drawing/2014/main" id="{050F502C-7210-4426-8FB6-EB7761E52A90}"/>
@@ -3480,10 +4102,235 @@
         </p:nvSpPr>
         <p:spPr>
           <a:xfrm>
-            <a:off x="3224611" y="2283697"/>
+            <a:off x="2647785" y="2729733"/>
+            <a:ext cx="2324456" cy="2719061"/>
+          </a:xfrm>
+          <a:prstGeom prst="snip1Rect">
+            <a:avLst/>
+          </a:prstGeom>
+          <a:solidFill>
+            <a:schemeClr val="accent1"/>
+          </a:solidFill>
+          <a:ln>
+            <a:solidFill>
+              <a:schemeClr val="tx2"/>
+            </a:solidFill>
+          </a:ln>
+        </p:spPr>
+        <p:style>
+          <a:lnRef idx="2">
+            <a:schemeClr val="accent1">
+              <a:shade val="50000"/>
+            </a:schemeClr>
+          </a:lnRef>
+          <a:fillRef idx="1">
+            <a:schemeClr val="accent1"/>
+          </a:fillRef>
+          <a:effectRef idx="0">
+            <a:schemeClr val="accent1"/>
+          </a:effectRef>
+          <a:fontRef idx="minor">
+            <a:schemeClr val="lt1"/>
+          </a:fontRef>
+        </p:style>
+        <p:txBody>
+          <a:bodyPr rtlCol="0" anchor="ctr"/>
+          <a:lstStyle/>
+          <a:p>
+            <a:pPr algn="ctr"/>
+            <a:r>
+              <a:rPr lang="pt-PT" sz="2000" dirty="0">
+                <a:latin typeface="Tilda Sans" panose="020B0502020204020303" pitchFamily="34" charset="0"/>
+              </a:rPr>
+              <a:t>Interface</a:t>
+            </a:r>
+          </a:p>
+          <a:p>
+            <a:pPr algn="ctr"/>
+            <a:endParaRPr lang="pt-PT" sz="2000" dirty="0">
+              <a:latin typeface="Tilda Sans" panose="020B0502020204020303" pitchFamily="34" charset="0"/>
+            </a:endParaRPr>
+          </a:p>
+          <a:p>
+            <a:r>
+              <a:rPr lang="pt-PT" sz="1600" dirty="0">
+                <a:solidFill>
+                  <a:schemeClr val="bg2"/>
+                </a:solidFill>
+                <a:latin typeface="Tilda Sans" panose="020B0502020204020303" pitchFamily="34" charset="0"/>
+              </a:rPr>
+              <a:t>Apresenta os menus</a:t>
+            </a:r>
+          </a:p>
+          <a:p>
+            <a:r>
+              <a:rPr lang="pt-PT" sz="1600" dirty="0">
+                <a:solidFill>
+                  <a:schemeClr val="bg2"/>
+                </a:solidFill>
+                <a:latin typeface="Tilda Sans" panose="020B0502020204020303" pitchFamily="34" charset="0"/>
+              </a:rPr>
+              <a:t>Processa as escolhas do utilizador</a:t>
+            </a:r>
+          </a:p>
+          <a:p>
+            <a:r>
+              <a:rPr lang="pt-PT" sz="1600" dirty="0">
+                <a:solidFill>
+                  <a:schemeClr val="bg2"/>
+                </a:solidFill>
+                <a:latin typeface="Tilda Sans" panose="020B0502020204020303" pitchFamily="34" charset="0"/>
+              </a:rPr>
+              <a:t>Filtra (ligeiramente) os inputs</a:t>
+            </a:r>
+          </a:p>
+          <a:p>
+            <a:r>
+              <a:rPr lang="pt-PT" sz="1600" dirty="0">
+                <a:solidFill>
+                  <a:schemeClr val="bg2"/>
+                </a:solidFill>
+                <a:latin typeface="Tilda Sans" panose="020B0502020204020303" pitchFamily="34" charset="0"/>
+              </a:rPr>
+              <a:t>Chama as respetivas funções do gestor</a:t>
+            </a:r>
+          </a:p>
+        </p:txBody>
+      </p:sp>
+      <p:sp>
+        <p:nvSpPr>
+          <p:cNvPr id="5" name="Retângulo 4">
+            <a:extLst>
+              <a:ext uri="{FF2B5EF4-FFF2-40B4-BE49-F238E27FC236}">
+                <a16:creationId xmlns:a16="http://schemas.microsoft.com/office/drawing/2014/main" id="{787AF5CD-4874-4DD1-A52F-D4CF0F6D464F}"/>
+              </a:ext>
+            </a:extLst>
+          </p:cNvPr>
+          <p:cNvSpPr/>
+          <p:nvPr/>
+        </p:nvSpPr>
+        <p:spPr>
+          <a:xfrm>
+            <a:off x="5844882" y="2396725"/>
             <a:ext cx="2324456" cy="3367043"/>
           </a:xfrm>
-          <a:prstGeom prst="roundRect">
+          <a:prstGeom prst="rect">
+            <a:avLst/>
+          </a:prstGeom>
+          <a:solidFill>
+            <a:schemeClr val="accent1"/>
+          </a:solidFill>
+          <a:ln>
+            <a:solidFill>
+              <a:schemeClr val="tx2"/>
+            </a:solidFill>
+          </a:ln>
+        </p:spPr>
+        <p:style>
+          <a:lnRef idx="2">
+            <a:schemeClr val="accent1">
+              <a:shade val="50000"/>
+            </a:schemeClr>
+          </a:lnRef>
+          <a:fillRef idx="1">
+            <a:schemeClr val="accent1"/>
+          </a:fillRef>
+          <a:effectRef idx="0">
+            <a:schemeClr val="accent1"/>
+          </a:effectRef>
+          <a:fontRef idx="minor">
+            <a:schemeClr val="lt1"/>
+          </a:fontRef>
+        </p:style>
+        <p:txBody>
+          <a:bodyPr rtlCol="0" anchor="ctr"/>
+          <a:lstStyle/>
+          <a:p>
+            <a:pPr algn="ctr"/>
+            <a:r>
+              <a:rPr lang="pt-PT" sz="2000" dirty="0">
+                <a:latin typeface="Tilda Sans" panose="020B0502020204020303" pitchFamily="34" charset="0"/>
+              </a:rPr>
+              <a:t>Gestor</a:t>
+            </a:r>
+          </a:p>
+          <a:p>
+            <a:pPr algn="ctr"/>
+            <a:endParaRPr lang="pt-PT" dirty="0">
+              <a:latin typeface="Tilda Sans" panose="020B0502020204020303" pitchFamily="34" charset="0"/>
+            </a:endParaRPr>
+          </a:p>
+          <a:p>
+            <a:r>
+              <a:rPr lang="pt-PT" sz="1600" dirty="0">
+                <a:solidFill>
+                  <a:schemeClr val="bg2"/>
+                </a:solidFill>
+                <a:latin typeface="Tilda Sans" panose="020B0502020204020303" pitchFamily="34" charset="0"/>
+              </a:rPr>
+              <a:t>Lê e armazena os dados dos ficheiros iniciais (.</a:t>
+            </a:r>
+            <a:r>
+              <a:rPr lang="pt-PT" sz="1600" dirty="0" err="1">
+                <a:solidFill>
+                  <a:schemeClr val="bg2"/>
+                </a:solidFill>
+                <a:latin typeface="Tilda Sans" panose="020B0502020204020303" pitchFamily="34" charset="0"/>
+              </a:rPr>
+              <a:t>csv</a:t>
+            </a:r>
+            <a:r>
+              <a:rPr lang="pt-PT" sz="1600" dirty="0">
+                <a:solidFill>
+                  <a:schemeClr val="bg2"/>
+                </a:solidFill>
+                <a:latin typeface="Tilda Sans" panose="020B0502020204020303" pitchFamily="34" charset="0"/>
+              </a:rPr>
+              <a:t>)</a:t>
+            </a:r>
+          </a:p>
+          <a:p>
+            <a:r>
+              <a:rPr lang="pt-PT" sz="1600" dirty="0">
+                <a:solidFill>
+                  <a:schemeClr val="bg2"/>
+                </a:solidFill>
+                <a:latin typeface="Tilda Sans" panose="020B0502020204020303" pitchFamily="34" charset="0"/>
+              </a:rPr>
+              <a:t>Interage com as classes Estudante, Turma (e Aula) e Pedido</a:t>
+            </a:r>
+          </a:p>
+          <a:p>
+            <a:r>
+              <a:rPr lang="pt-PT" sz="1600" dirty="0">
+                <a:solidFill>
+                  <a:schemeClr val="bg2"/>
+                </a:solidFill>
+                <a:latin typeface="Tilda Sans" panose="020B0502020204020303" pitchFamily="34" charset="0"/>
+              </a:rPr>
+              <a:t>Recebe as chamadas do gestor, verifica os inputs e realiza as operações pedidas, mostrando o output</a:t>
+            </a:r>
+          </a:p>
+        </p:txBody>
+      </p:sp>
+      <p:sp>
+        <p:nvSpPr>
+          <p:cNvPr id="6" name="Retângulo: Cantos Superiores Cortados 5">
+            <a:extLst>
+              <a:ext uri="{FF2B5EF4-FFF2-40B4-BE49-F238E27FC236}">
+                <a16:creationId xmlns:a16="http://schemas.microsoft.com/office/drawing/2014/main" id="{C228E4B2-50EE-4D5F-892E-674F7E2D1C95}"/>
+              </a:ext>
+            </a:extLst>
+          </p:cNvPr>
+          <p:cNvSpPr/>
+          <p:nvPr/>
+        </p:nvSpPr>
+        <p:spPr>
+          <a:xfrm>
+            <a:off x="9383731" y="1005590"/>
+            <a:ext cx="1550555" cy="757092"/>
+          </a:xfrm>
+          <a:prstGeom prst="snip2SameRect">
             <a:avLst/>
           </a:prstGeom>
         </p:spPr>
@@ -3509,18 +4356,20 @@
           <a:p>
             <a:pPr algn="ctr"/>
             <a:r>
-              <a:rPr lang="pt-PT" dirty="0"/>
-              <a:t>Interface</a:t>
-            </a:r>
-          </a:p>
-        </p:txBody>
-      </p:sp>
-      <p:sp>
-        <p:nvSpPr>
-          <p:cNvPr id="5" name="Retângulo: Cantos Arredondados 4">
+              <a:rPr lang="pt-PT" sz="2000" dirty="0">
+                <a:latin typeface="Tilda Sans" panose="020B0502020204020303" pitchFamily="34" charset="0"/>
+              </a:rPr>
+              <a:t>Aula</a:t>
+            </a:r>
+          </a:p>
+        </p:txBody>
+      </p:sp>
+      <p:sp>
+        <p:nvSpPr>
+          <p:cNvPr id="7" name="Retângulo: Cantos Superiores Cortados 6">
             <a:extLst>
               <a:ext uri="{FF2B5EF4-FFF2-40B4-BE49-F238E27FC236}">
-                <a16:creationId xmlns:a16="http://schemas.microsoft.com/office/drawing/2014/main" id="{787AF5CD-4874-4DD1-A52F-D4CF0F6D464F}"/>
+                <a16:creationId xmlns:a16="http://schemas.microsoft.com/office/drawing/2014/main" id="{E7929ED9-3758-4D53-8228-EDAC1CE89086}"/>
               </a:ext>
             </a:extLst>
           </p:cNvPr>
@@ -3529,10 +4378,10 @@
         </p:nvSpPr>
         <p:spPr>
           <a:xfrm>
-            <a:off x="6566017" y="2283697"/>
-            <a:ext cx="2324456" cy="3367043"/>
+            <a:off x="9220196" y="2320202"/>
+            <a:ext cx="1786070" cy="999858"/>
           </a:xfrm>
-          <a:prstGeom prst="roundRect">
+          <a:prstGeom prst="snip2SameRect">
             <a:avLst/>
           </a:prstGeom>
         </p:spPr>
@@ -3558,18 +4407,41 @@
           <a:p>
             <a:pPr algn="ctr"/>
             <a:r>
-              <a:rPr lang="pt-PT" dirty="0"/>
-              <a:t>Gestor</a:t>
-            </a:r>
-          </a:p>
-        </p:txBody>
-      </p:sp>
-      <p:sp>
-        <p:nvSpPr>
-          <p:cNvPr id="6" name="Retângulo: Cantos Arredondados 5">
+              <a:rPr lang="pt-PT" sz="2000" dirty="0">
+                <a:latin typeface="Tilda Sans" panose="020B0502020204020303" pitchFamily="34" charset="0"/>
+              </a:rPr>
+              <a:t>Turma</a:t>
+            </a:r>
+            <a:endParaRPr lang="pt-PT" sz="1400" dirty="0">
+              <a:latin typeface="Tilda Sans" panose="020B0502020204020303" pitchFamily="34" charset="0"/>
+            </a:endParaRPr>
+          </a:p>
+          <a:p>
+            <a:pPr algn="ctr"/>
+            <a:endParaRPr lang="pt-PT" sz="800" dirty="0">
+              <a:latin typeface="Tilda Sans" panose="020B0502020204020303" pitchFamily="34" charset="0"/>
+            </a:endParaRPr>
+          </a:p>
+          <a:p>
+            <a:pPr algn="ctr"/>
+            <a:r>
+              <a:rPr lang="pt-PT" sz="1600" dirty="0">
+                <a:solidFill>
+                  <a:schemeClr val="bg2"/>
+                </a:solidFill>
+                <a:latin typeface="Tilda Sans" panose="020B0502020204020303" pitchFamily="34" charset="0"/>
+              </a:rPr>
+              <a:t>Associada a aulas</a:t>
+            </a:r>
+          </a:p>
+        </p:txBody>
+      </p:sp>
+      <p:sp>
+        <p:nvSpPr>
+          <p:cNvPr id="10" name="Retângulo: Cantos Diagonais Cortados 9">
             <a:extLst>
               <a:ext uri="{FF2B5EF4-FFF2-40B4-BE49-F238E27FC236}">
-                <a16:creationId xmlns:a16="http://schemas.microsoft.com/office/drawing/2014/main" id="{C228E4B2-50EE-4D5F-892E-674F7E2D1C95}"/>
+                <a16:creationId xmlns:a16="http://schemas.microsoft.com/office/drawing/2014/main" id="{6F9A7AC2-6B6D-480F-80CE-9B118769BD93}"/>
               </a:ext>
             </a:extLst>
           </p:cNvPr>
@@ -3578,10 +4450,300 @@
         </p:nvSpPr>
         <p:spPr>
           <a:xfrm>
-            <a:off x="9870391" y="1127532"/>
+            <a:off x="230879" y="3511950"/>
             <a:ext cx="1786071" cy="999858"/>
           </a:xfrm>
-          <a:prstGeom prst="roundRect">
+          <a:prstGeom prst="snip2DiagRect">
+            <a:avLst/>
+          </a:prstGeom>
+          <a:solidFill>
+            <a:schemeClr val="accent1"/>
+          </a:solidFill>
+          <a:ln>
+            <a:solidFill>
+              <a:schemeClr val="tx2"/>
+            </a:solidFill>
+          </a:ln>
+        </p:spPr>
+        <p:style>
+          <a:lnRef idx="2">
+            <a:schemeClr val="accent1">
+              <a:shade val="50000"/>
+            </a:schemeClr>
+          </a:lnRef>
+          <a:fillRef idx="1">
+            <a:schemeClr val="accent1"/>
+          </a:fillRef>
+          <a:effectRef idx="0">
+            <a:schemeClr val="accent1"/>
+          </a:effectRef>
+          <a:fontRef idx="minor">
+            <a:schemeClr val="lt1"/>
+          </a:fontRef>
+        </p:style>
+        <p:txBody>
+          <a:bodyPr rtlCol="0" anchor="ctr"/>
+          <a:lstStyle/>
+          <a:p>
+            <a:pPr algn="ctr"/>
+            <a:r>
+              <a:rPr lang="pt-PT" sz="2000" dirty="0" err="1">
+                <a:latin typeface="Tilda Sans" panose="020B0502020204020303" pitchFamily="34" charset="0"/>
+              </a:rPr>
+              <a:t>main</a:t>
+            </a:r>
+            <a:endParaRPr lang="pt-PT" sz="2000" dirty="0">
+              <a:latin typeface="Tilda Sans" panose="020B0502020204020303" pitchFamily="34" charset="0"/>
+            </a:endParaRPr>
+          </a:p>
+          <a:p>
+            <a:pPr algn="ctr"/>
+            <a:r>
+              <a:rPr lang="pt-PT" sz="1600" dirty="0">
+                <a:solidFill>
+                  <a:schemeClr val="bg2"/>
+                </a:solidFill>
+                <a:latin typeface="Tilda Sans" panose="020B0502020204020303" pitchFamily="34" charset="0"/>
+              </a:rPr>
+              <a:t>Ciclo geral da execução</a:t>
+            </a:r>
+          </a:p>
+        </p:txBody>
+      </p:sp>
+      <p:sp>
+        <p:nvSpPr>
+          <p:cNvPr id="13" name="Seta: Para a Direita 12">
+            <a:extLst>
+              <a:ext uri="{FF2B5EF4-FFF2-40B4-BE49-F238E27FC236}">
+                <a16:creationId xmlns:a16="http://schemas.microsoft.com/office/drawing/2014/main" id="{F4AC9F20-1FEE-4776-8F05-9AE47D9B9BD1}"/>
+              </a:ext>
+            </a:extLst>
+          </p:cNvPr>
+          <p:cNvSpPr/>
+          <p:nvPr/>
+        </p:nvSpPr>
+        <p:spPr>
+          <a:xfrm>
+            <a:off x="2150185" y="3827880"/>
+            <a:ext cx="404502" cy="343801"/>
+          </a:xfrm>
+          <a:prstGeom prst="rightArrow">
+            <a:avLst/>
+          </a:prstGeom>
+          <a:solidFill>
+            <a:schemeClr val="bg2"/>
+          </a:solidFill>
+          <a:ln w="12700">
+            <a:solidFill>
+              <a:schemeClr val="tx2"/>
+            </a:solidFill>
+          </a:ln>
+        </p:spPr>
+        <p:style>
+          <a:lnRef idx="2">
+            <a:schemeClr val="accent1">
+              <a:shade val="50000"/>
+            </a:schemeClr>
+          </a:lnRef>
+          <a:fillRef idx="1">
+            <a:schemeClr val="accent1"/>
+          </a:fillRef>
+          <a:effectRef idx="0">
+            <a:schemeClr val="accent1"/>
+          </a:effectRef>
+          <a:fontRef idx="minor">
+            <a:schemeClr val="lt1"/>
+          </a:fontRef>
+        </p:style>
+        <p:txBody>
+          <a:bodyPr rtlCol="0" anchor="ctr"/>
+          <a:lstStyle/>
+          <a:p>
+            <a:pPr algn="ctr"/>
+            <a:endParaRPr lang="pt-PT"/>
+          </a:p>
+        </p:txBody>
+      </p:sp>
+      <p:sp>
+        <p:nvSpPr>
+          <p:cNvPr id="14" name="Seta: Bidirecional 13">
+            <a:extLst>
+              <a:ext uri="{FF2B5EF4-FFF2-40B4-BE49-F238E27FC236}">
+                <a16:creationId xmlns:a16="http://schemas.microsoft.com/office/drawing/2014/main" id="{3B6EA176-E70E-46EC-ACFD-1C5640B6B942}"/>
+              </a:ext>
+            </a:extLst>
+          </p:cNvPr>
+          <p:cNvSpPr/>
+          <p:nvPr/>
+        </p:nvSpPr>
+        <p:spPr>
+          <a:xfrm>
+            <a:off x="5059547" y="3841069"/>
+            <a:ext cx="699902" cy="328967"/>
+          </a:xfrm>
+          <a:prstGeom prst="leftRightArrow">
+            <a:avLst/>
+          </a:prstGeom>
+          <a:solidFill>
+            <a:schemeClr val="bg2"/>
+          </a:solidFill>
+          <a:ln w="12700">
+            <a:solidFill>
+              <a:schemeClr val="tx2"/>
+            </a:solidFill>
+          </a:ln>
+        </p:spPr>
+        <p:style>
+          <a:lnRef idx="2">
+            <a:schemeClr val="accent1">
+              <a:shade val="50000"/>
+            </a:schemeClr>
+          </a:lnRef>
+          <a:fillRef idx="1">
+            <a:schemeClr val="accent1"/>
+          </a:fillRef>
+          <a:effectRef idx="0">
+            <a:schemeClr val="accent1"/>
+          </a:effectRef>
+          <a:fontRef idx="minor">
+            <a:schemeClr val="lt1"/>
+          </a:fontRef>
+        </p:style>
+        <p:txBody>
+          <a:bodyPr rtlCol="0" anchor="ctr"/>
+          <a:lstStyle/>
+          <a:p>
+            <a:pPr algn="ctr"/>
+            <a:endParaRPr lang="pt-PT"/>
+          </a:p>
+        </p:txBody>
+      </p:sp>
+      <p:sp>
+        <p:nvSpPr>
+          <p:cNvPr id="19" name="Seta: Bidirecional 18">
+            <a:extLst>
+              <a:ext uri="{FF2B5EF4-FFF2-40B4-BE49-F238E27FC236}">
+                <a16:creationId xmlns:a16="http://schemas.microsoft.com/office/drawing/2014/main" id="{FD8C4458-861F-4E2A-8125-1B44EDBED68F}"/>
+              </a:ext>
+            </a:extLst>
+          </p:cNvPr>
+          <p:cNvSpPr/>
+          <p:nvPr/>
+        </p:nvSpPr>
+        <p:spPr>
+          <a:xfrm>
+            <a:off x="8280407" y="2638556"/>
+            <a:ext cx="699902" cy="328967"/>
+          </a:xfrm>
+          <a:prstGeom prst="leftRightArrow">
+            <a:avLst/>
+          </a:prstGeom>
+          <a:solidFill>
+            <a:schemeClr val="bg2"/>
+          </a:solidFill>
+          <a:ln w="12700">
+            <a:solidFill>
+              <a:schemeClr val="tx2"/>
+            </a:solidFill>
+          </a:ln>
+        </p:spPr>
+        <p:style>
+          <a:lnRef idx="2">
+            <a:schemeClr val="accent1">
+              <a:shade val="50000"/>
+            </a:schemeClr>
+          </a:lnRef>
+          <a:fillRef idx="1">
+            <a:schemeClr val="accent1"/>
+          </a:fillRef>
+          <a:effectRef idx="0">
+            <a:schemeClr val="accent1"/>
+          </a:effectRef>
+          <a:fontRef idx="minor">
+            <a:schemeClr val="lt1"/>
+          </a:fontRef>
+        </p:style>
+        <p:txBody>
+          <a:bodyPr rtlCol="0" anchor="ctr"/>
+          <a:lstStyle/>
+          <a:p>
+            <a:pPr algn="ctr"/>
+            <a:endParaRPr lang="pt-PT"/>
+          </a:p>
+        </p:txBody>
+      </p:sp>
+      <p:sp>
+        <p:nvSpPr>
+          <p:cNvPr id="21" name="Seta: Para a Direita 20">
+            <a:extLst>
+              <a:ext uri="{FF2B5EF4-FFF2-40B4-BE49-F238E27FC236}">
+                <a16:creationId xmlns:a16="http://schemas.microsoft.com/office/drawing/2014/main" id="{DC4903E4-27D1-4D09-821D-D1A814AA4C81}"/>
+              </a:ext>
+            </a:extLst>
+          </p:cNvPr>
+          <p:cNvSpPr/>
+          <p:nvPr/>
+        </p:nvSpPr>
+        <p:spPr>
+          <a:xfrm rot="16200000">
+            <a:off x="9936199" y="1864027"/>
+            <a:ext cx="404502" cy="343801"/>
+          </a:xfrm>
+          <a:prstGeom prst="rightArrow">
+            <a:avLst/>
+          </a:prstGeom>
+          <a:solidFill>
+            <a:schemeClr val="bg2"/>
+          </a:solidFill>
+          <a:ln w="12700">
+            <a:solidFill>
+              <a:schemeClr val="tx2"/>
+            </a:solidFill>
+          </a:ln>
+        </p:spPr>
+        <p:style>
+          <a:lnRef idx="2">
+            <a:schemeClr val="accent1">
+              <a:shade val="50000"/>
+            </a:schemeClr>
+          </a:lnRef>
+          <a:fillRef idx="1">
+            <a:schemeClr val="accent1"/>
+          </a:fillRef>
+          <a:effectRef idx="0">
+            <a:schemeClr val="accent1"/>
+          </a:effectRef>
+          <a:fontRef idx="minor">
+            <a:schemeClr val="lt1"/>
+          </a:fontRef>
+        </p:style>
+        <p:txBody>
+          <a:bodyPr rtlCol="0" anchor="ctr"/>
+          <a:lstStyle/>
+          <a:p>
+            <a:pPr algn="ctr"/>
+            <a:endParaRPr lang="pt-PT"/>
+          </a:p>
+        </p:txBody>
+      </p:sp>
+      <p:sp>
+        <p:nvSpPr>
+          <p:cNvPr id="27" name="Retângulo: Cantos Superiores Cortados 26">
+            <a:extLst>
+              <a:ext uri="{FF2B5EF4-FFF2-40B4-BE49-F238E27FC236}">
+                <a16:creationId xmlns:a16="http://schemas.microsoft.com/office/drawing/2014/main" id="{3A244D0B-8986-48B4-9C5F-C0D426FEE82D}"/>
+              </a:ext>
+            </a:extLst>
+          </p:cNvPr>
+          <p:cNvSpPr/>
+          <p:nvPr/>
+        </p:nvSpPr>
+        <p:spPr>
+          <a:xfrm>
+            <a:off x="9152544" y="3860786"/>
+            <a:ext cx="1956988" cy="999858"/>
+          </a:xfrm>
+          <a:prstGeom prst="snip2SameRect">
             <a:avLst/>
           </a:prstGeom>
         </p:spPr>
@@ -3607,18 +4769,41 @@
           <a:p>
             <a:pPr algn="ctr"/>
             <a:r>
-              <a:rPr lang="pt-PT"/>
-              <a:t>Aula</a:t>
-            </a:r>
-          </a:p>
-        </p:txBody>
-      </p:sp>
-      <p:sp>
-        <p:nvSpPr>
-          <p:cNvPr id="7" name="Retângulo: Cantos Arredondados 6">
+              <a:rPr lang="pt-PT" sz="2000" dirty="0">
+                <a:latin typeface="Tilda Sans" panose="020B0502020204020303" pitchFamily="34" charset="0"/>
+              </a:rPr>
+              <a:t>Estudante</a:t>
+            </a:r>
+            <a:endParaRPr lang="pt-PT" sz="1400" dirty="0">
+              <a:latin typeface="Tilda Sans" panose="020B0502020204020303" pitchFamily="34" charset="0"/>
+            </a:endParaRPr>
+          </a:p>
+          <a:p>
+            <a:pPr algn="ctr"/>
+            <a:endParaRPr lang="pt-PT" sz="800" dirty="0">
+              <a:latin typeface="Hattori Hanzo" panose="02000506020000020003" pitchFamily="50" charset="0"/>
+            </a:endParaRPr>
+          </a:p>
+          <a:p>
+            <a:pPr algn="ctr"/>
+            <a:r>
+              <a:rPr lang="pt-PT" sz="1600" dirty="0">
+                <a:solidFill>
+                  <a:schemeClr val="bg2"/>
+                </a:solidFill>
+                <a:latin typeface="Hattori Hanzo" panose="02000506020000020003" pitchFamily="50" charset="0"/>
+              </a:rPr>
+              <a:t>Associada a turmas</a:t>
+            </a:r>
+          </a:p>
+        </p:txBody>
+      </p:sp>
+      <p:sp>
+        <p:nvSpPr>
+          <p:cNvPr id="28" name="Seta: Bidirecional 27">
             <a:extLst>
               <a:ext uri="{FF2B5EF4-FFF2-40B4-BE49-F238E27FC236}">
-                <a16:creationId xmlns:a16="http://schemas.microsoft.com/office/drawing/2014/main" id="{E7929ED9-3758-4D53-8228-EDAC1CE89086}"/>
+                <a16:creationId xmlns:a16="http://schemas.microsoft.com/office/drawing/2014/main" id="{8F1E6A35-BC4C-480B-92E7-DFC1E87884C9}"/>
               </a:ext>
             </a:extLst>
           </p:cNvPr>
@@ -3627,10 +4812,118 @@
         </p:nvSpPr>
         <p:spPr>
           <a:xfrm>
-            <a:off x="9852587" y="2601925"/>
-            <a:ext cx="1786071" cy="999858"/>
+            <a:off x="8300966" y="4179140"/>
+            <a:ext cx="699902" cy="328967"/>
           </a:xfrm>
-          <a:prstGeom prst="roundRect">
+          <a:prstGeom prst="leftRightArrow">
+            <a:avLst/>
+          </a:prstGeom>
+          <a:solidFill>
+            <a:schemeClr val="bg2"/>
+          </a:solidFill>
+          <a:ln w="12700">
+            <a:solidFill>
+              <a:schemeClr val="tx2"/>
+            </a:solidFill>
+          </a:ln>
+        </p:spPr>
+        <p:style>
+          <a:lnRef idx="2">
+            <a:schemeClr val="accent1">
+              <a:shade val="50000"/>
+            </a:schemeClr>
+          </a:lnRef>
+          <a:fillRef idx="1">
+            <a:schemeClr val="accent1"/>
+          </a:fillRef>
+          <a:effectRef idx="0">
+            <a:schemeClr val="accent1"/>
+          </a:effectRef>
+          <a:fontRef idx="minor">
+            <a:schemeClr val="lt1"/>
+          </a:fontRef>
+        </p:style>
+        <p:txBody>
+          <a:bodyPr rtlCol="0" anchor="ctr"/>
+          <a:lstStyle/>
+          <a:p>
+            <a:pPr algn="ctr"/>
+            <a:endParaRPr lang="pt-PT"/>
+          </a:p>
+        </p:txBody>
+      </p:sp>
+      <p:sp>
+        <p:nvSpPr>
+          <p:cNvPr id="29" name="Seta: Para a Direita 28">
+            <a:extLst>
+              <a:ext uri="{FF2B5EF4-FFF2-40B4-BE49-F238E27FC236}">
+                <a16:creationId xmlns:a16="http://schemas.microsoft.com/office/drawing/2014/main" id="{F6117953-D3AB-43BB-AAC3-389D72FAA9A6}"/>
+              </a:ext>
+            </a:extLst>
+          </p:cNvPr>
+          <p:cNvSpPr/>
+          <p:nvPr/>
+        </p:nvSpPr>
+        <p:spPr>
+          <a:xfrm rot="16200000">
+            <a:off x="9956758" y="3404611"/>
+            <a:ext cx="404502" cy="343801"/>
+          </a:xfrm>
+          <a:prstGeom prst="rightArrow">
+            <a:avLst/>
+          </a:prstGeom>
+          <a:solidFill>
+            <a:schemeClr val="bg2"/>
+          </a:solidFill>
+          <a:ln w="12700">
+            <a:solidFill>
+              <a:schemeClr val="tx2"/>
+            </a:solidFill>
+          </a:ln>
+        </p:spPr>
+        <p:style>
+          <a:lnRef idx="2">
+            <a:schemeClr val="accent1">
+              <a:shade val="50000"/>
+            </a:schemeClr>
+          </a:lnRef>
+          <a:fillRef idx="1">
+            <a:schemeClr val="accent1"/>
+          </a:fillRef>
+          <a:effectRef idx="0">
+            <a:schemeClr val="accent1"/>
+          </a:effectRef>
+          <a:fontRef idx="minor">
+            <a:schemeClr val="lt1"/>
+          </a:fontRef>
+        </p:style>
+        <p:txBody>
+          <a:bodyPr rtlCol="0" anchor="ctr"/>
+          <a:lstStyle/>
+          <a:p>
+            <a:pPr algn="ctr"/>
+            <a:endParaRPr lang="pt-PT"/>
+          </a:p>
+        </p:txBody>
+      </p:sp>
+      <p:sp>
+        <p:nvSpPr>
+          <p:cNvPr id="30" name="Retângulo: Cantos Superiores Cortados 29">
+            <a:extLst>
+              <a:ext uri="{FF2B5EF4-FFF2-40B4-BE49-F238E27FC236}">
+                <a16:creationId xmlns:a16="http://schemas.microsoft.com/office/drawing/2014/main" id="{7091C0D7-8B1E-4D94-ABE1-45860761AB9F}"/>
+              </a:ext>
+            </a:extLst>
+          </p:cNvPr>
+          <p:cNvSpPr/>
+          <p:nvPr/>
+        </p:nvSpPr>
+        <p:spPr>
+          <a:xfrm>
+            <a:off x="9383730" y="5215530"/>
+            <a:ext cx="1550555" cy="757092"/>
+          </a:xfrm>
+          <a:prstGeom prst="snip2SameRect">
             <a:avLst/>
           </a:prstGeom>
         </p:spPr>
@@ -3656,18 +4949,20 @@
           <a:p>
             <a:pPr algn="ctr"/>
             <a:r>
-              <a:rPr lang="pt-PT" dirty="0"/>
-              <a:t>Turma</a:t>
-            </a:r>
-          </a:p>
-        </p:txBody>
-      </p:sp>
-      <p:sp>
-        <p:nvSpPr>
-          <p:cNvPr id="8" name="Retângulo: Cantos Arredondados 7">
+              <a:rPr lang="pt-PT" sz="2000" dirty="0">
+                <a:latin typeface="Tilda Sans" panose="020B0502020204020303" pitchFamily="34" charset="0"/>
+              </a:rPr>
+              <a:t>Pedido</a:t>
+            </a:r>
+          </a:p>
+        </p:txBody>
+      </p:sp>
+      <p:sp>
+        <p:nvSpPr>
+          <p:cNvPr id="31" name="Seta: Bidirecional 30">
             <a:extLst>
               <a:ext uri="{FF2B5EF4-FFF2-40B4-BE49-F238E27FC236}">
-                <a16:creationId xmlns:a16="http://schemas.microsoft.com/office/drawing/2014/main" id="{D8F676D5-DEDE-4443-84AA-75638DE4EB73}"/>
+                <a16:creationId xmlns:a16="http://schemas.microsoft.com/office/drawing/2014/main" id="{F5380D9A-B107-428A-BABC-580C36F422DC}"/>
               </a:ext>
             </a:extLst>
           </p:cNvPr>
@@ -3676,12 +4971,20 @@
         </p:nvSpPr>
         <p:spPr>
           <a:xfrm>
-            <a:off x="9852587" y="4081800"/>
-            <a:ext cx="1786071" cy="999858"/>
+            <a:off x="8322553" y="5395408"/>
+            <a:ext cx="699902" cy="328967"/>
           </a:xfrm>
-          <a:prstGeom prst="roundRect">
+          <a:prstGeom prst="leftRightArrow">
             <a:avLst/>
           </a:prstGeom>
+          <a:solidFill>
+            <a:schemeClr val="bg2"/>
+          </a:solidFill>
+          <a:ln w="12700">
+            <a:solidFill>
+              <a:schemeClr val="tx2"/>
+            </a:solidFill>
+          </a:ln>
         </p:spPr>
         <p:style>
           <a:lnRef idx="2">
@@ -3704,431 +5007,7 @@
           <a:lstStyle/>
           <a:p>
             <a:pPr algn="ctr"/>
-            <a:r>
-              <a:rPr lang="pt-PT" dirty="0"/>
-              <a:t>Estudante</a:t>
-            </a:r>
-          </a:p>
-        </p:txBody>
-      </p:sp>
-      <p:sp>
-        <p:nvSpPr>
-          <p:cNvPr id="9" name="Retângulo: Cantos Arredondados 8">
-            <a:extLst>
-              <a:ext uri="{FF2B5EF4-FFF2-40B4-BE49-F238E27FC236}">
-                <a16:creationId xmlns:a16="http://schemas.microsoft.com/office/drawing/2014/main" id="{B1A5C5B2-72D1-4528-8409-7056F7A8AB6D}"/>
-              </a:ext>
-            </a:extLst>
-          </p:cNvPr>
-          <p:cNvSpPr/>
-          <p:nvPr/>
-        </p:nvSpPr>
-        <p:spPr>
-          <a:xfrm>
-            <a:off x="9852586" y="5374384"/>
-            <a:ext cx="1786071" cy="999858"/>
-          </a:xfrm>
-          <a:prstGeom prst="roundRect">
-            <a:avLst/>
-          </a:prstGeom>
-        </p:spPr>
-        <p:style>
-          <a:lnRef idx="2">
-            <a:schemeClr val="accent1">
-              <a:shade val="50000"/>
-            </a:schemeClr>
-          </a:lnRef>
-          <a:fillRef idx="1">
-            <a:schemeClr val="accent1"/>
-          </a:fillRef>
-          <a:effectRef idx="0">
-            <a:schemeClr val="accent1"/>
-          </a:effectRef>
-          <a:fontRef idx="minor">
-            <a:schemeClr val="lt1"/>
-          </a:fontRef>
-        </p:style>
-        <p:txBody>
-          <a:bodyPr rtlCol="0" anchor="ctr"/>
-          <a:lstStyle/>
-          <a:p>
-            <a:pPr algn="ctr"/>
-            <a:r>
-              <a:rPr lang="pt-PT" dirty="0"/>
-              <a:t>Pedido</a:t>
-            </a:r>
-          </a:p>
-        </p:txBody>
-      </p:sp>
-      <p:sp>
-        <p:nvSpPr>
-          <p:cNvPr id="10" name="Retângulo: Cantos Arredondados 9">
-            <a:extLst>
-              <a:ext uri="{FF2B5EF4-FFF2-40B4-BE49-F238E27FC236}">
-                <a16:creationId xmlns:a16="http://schemas.microsoft.com/office/drawing/2014/main" id="{6F9A7AC2-6B6D-480F-80CE-9B118769BD93}"/>
-              </a:ext>
-            </a:extLst>
-          </p:cNvPr>
-          <p:cNvSpPr/>
-          <p:nvPr/>
-        </p:nvSpPr>
-        <p:spPr>
-          <a:xfrm>
-            <a:off x="749180" y="3501365"/>
-            <a:ext cx="1786071" cy="999858"/>
-          </a:xfrm>
-          <a:prstGeom prst="roundRect">
-            <a:avLst/>
-          </a:prstGeom>
-        </p:spPr>
-        <p:style>
-          <a:lnRef idx="2">
-            <a:schemeClr val="accent1">
-              <a:shade val="50000"/>
-            </a:schemeClr>
-          </a:lnRef>
-          <a:fillRef idx="1">
-            <a:schemeClr val="accent1"/>
-          </a:fillRef>
-          <a:effectRef idx="0">
-            <a:schemeClr val="accent1"/>
-          </a:effectRef>
-          <a:fontRef idx="minor">
-            <a:schemeClr val="lt1"/>
-          </a:fontRef>
-        </p:style>
-        <p:txBody>
-          <a:bodyPr rtlCol="0" anchor="ctr"/>
-          <a:lstStyle/>
-          <a:p>
-            <a:pPr algn="ctr"/>
-            <a:r>
-              <a:rPr lang="pt-PT" dirty="0" err="1"/>
-              <a:t>main</a:t>
-            </a:r>
-            <a:endParaRPr lang="pt-PT" dirty="0"/>
-          </a:p>
-        </p:txBody>
-      </p:sp>
-      <p:sp>
-        <p:nvSpPr>
-          <p:cNvPr id="13" name="Seta: Para a Direita 12">
-            <a:extLst>
-              <a:ext uri="{FF2B5EF4-FFF2-40B4-BE49-F238E27FC236}">
-                <a16:creationId xmlns:a16="http://schemas.microsoft.com/office/drawing/2014/main" id="{F4AC9F20-1FEE-4776-8F05-9AE47D9B9BD1}"/>
-              </a:ext>
-            </a:extLst>
-          </p:cNvPr>
-          <p:cNvSpPr/>
-          <p:nvPr/>
-        </p:nvSpPr>
-        <p:spPr>
-          <a:xfrm>
-            <a:off x="2686582" y="3822322"/>
-            <a:ext cx="404502" cy="343801"/>
-          </a:xfrm>
-          <a:prstGeom prst="rightArrow">
-            <a:avLst/>
-          </a:prstGeom>
-        </p:spPr>
-        <p:style>
-          <a:lnRef idx="2">
-            <a:schemeClr val="accent1">
-              <a:shade val="50000"/>
-            </a:schemeClr>
-          </a:lnRef>
-          <a:fillRef idx="1">
-            <a:schemeClr val="accent1"/>
-          </a:fillRef>
-          <a:effectRef idx="0">
-            <a:schemeClr val="accent1"/>
-          </a:effectRef>
-          <a:fontRef idx="minor">
-            <a:schemeClr val="lt1"/>
-          </a:fontRef>
-        </p:style>
-        <p:txBody>
-          <a:bodyPr rtlCol="0" anchor="ctr"/>
-          <a:lstStyle/>
-          <a:p>
-            <a:pPr algn="ctr"/>
             <a:endParaRPr lang="pt-PT"/>
-          </a:p>
-        </p:txBody>
-      </p:sp>
-      <p:sp>
-        <p:nvSpPr>
-          <p:cNvPr id="14" name="Seta: Bidirecional 13">
-            <a:extLst>
-              <a:ext uri="{FF2B5EF4-FFF2-40B4-BE49-F238E27FC236}">
-                <a16:creationId xmlns:a16="http://schemas.microsoft.com/office/drawing/2014/main" id="{3B6EA176-E70E-46EC-ACFD-1C5640B6B942}"/>
-              </a:ext>
-            </a:extLst>
-          </p:cNvPr>
-          <p:cNvSpPr/>
-          <p:nvPr/>
-        </p:nvSpPr>
-        <p:spPr>
-          <a:xfrm>
-            <a:off x="5603903" y="3724868"/>
-            <a:ext cx="877370" cy="484700"/>
-          </a:xfrm>
-          <a:prstGeom prst="leftRightArrow">
-            <a:avLst/>
-          </a:prstGeom>
-        </p:spPr>
-        <p:style>
-          <a:lnRef idx="2">
-            <a:schemeClr val="accent1">
-              <a:shade val="50000"/>
-            </a:schemeClr>
-          </a:lnRef>
-          <a:fillRef idx="1">
-            <a:schemeClr val="accent1"/>
-          </a:fillRef>
-          <a:effectRef idx="0">
-            <a:schemeClr val="accent1"/>
-          </a:effectRef>
-          <a:fontRef idx="minor">
-            <a:schemeClr val="lt1"/>
-          </a:fontRef>
-        </p:style>
-        <p:txBody>
-          <a:bodyPr rtlCol="0" anchor="ctr"/>
-          <a:lstStyle/>
-          <a:p>
-            <a:pPr algn="ctr"/>
-            <a:endParaRPr lang="pt-PT"/>
-          </a:p>
-        </p:txBody>
-      </p:sp>
-      <p:sp>
-        <p:nvSpPr>
-          <p:cNvPr id="18" name="Seta: Para a Direita 17">
-            <a:extLst>
-              <a:ext uri="{FF2B5EF4-FFF2-40B4-BE49-F238E27FC236}">
-                <a16:creationId xmlns:a16="http://schemas.microsoft.com/office/drawing/2014/main" id="{E7FD72ED-9348-41FF-8239-E861CFD41DBC}"/>
-              </a:ext>
-            </a:extLst>
-          </p:cNvPr>
-          <p:cNvSpPr/>
-          <p:nvPr/>
-        </p:nvSpPr>
-        <p:spPr>
-          <a:xfrm rot="16200000">
-            <a:off x="10543369" y="3678077"/>
-            <a:ext cx="404502" cy="343801"/>
-          </a:xfrm>
-          <a:prstGeom prst="rightArrow">
-            <a:avLst/>
-          </a:prstGeom>
-        </p:spPr>
-        <p:style>
-          <a:lnRef idx="2">
-            <a:schemeClr val="accent1">
-              <a:shade val="50000"/>
-            </a:schemeClr>
-          </a:lnRef>
-          <a:fillRef idx="1">
-            <a:schemeClr val="accent1"/>
-          </a:fillRef>
-          <a:effectRef idx="0">
-            <a:schemeClr val="accent1"/>
-          </a:effectRef>
-          <a:fontRef idx="minor">
-            <a:schemeClr val="lt1"/>
-          </a:fontRef>
-        </p:style>
-        <p:txBody>
-          <a:bodyPr rtlCol="0" anchor="ctr"/>
-          <a:lstStyle/>
-          <a:p>
-            <a:pPr algn="ctr"/>
-            <a:endParaRPr lang="pt-PT"/>
-          </a:p>
-        </p:txBody>
-      </p:sp>
-      <p:sp>
-        <p:nvSpPr>
-          <p:cNvPr id="20" name="Seta: Para a Direita 19">
-            <a:extLst>
-              <a:ext uri="{FF2B5EF4-FFF2-40B4-BE49-F238E27FC236}">
-                <a16:creationId xmlns:a16="http://schemas.microsoft.com/office/drawing/2014/main" id="{A687B215-056A-488F-9E4B-0B9B350685D9}"/>
-              </a:ext>
-            </a:extLst>
-          </p:cNvPr>
-          <p:cNvSpPr/>
-          <p:nvPr/>
-        </p:nvSpPr>
-        <p:spPr>
-          <a:xfrm rot="16200000">
-            <a:off x="10543368" y="2199194"/>
-            <a:ext cx="404502" cy="343801"/>
-          </a:xfrm>
-          <a:prstGeom prst="rightArrow">
-            <a:avLst/>
-          </a:prstGeom>
-        </p:spPr>
-        <p:style>
-          <a:lnRef idx="2">
-            <a:schemeClr val="accent1">
-              <a:shade val="50000"/>
-            </a:schemeClr>
-          </a:lnRef>
-          <a:fillRef idx="1">
-            <a:schemeClr val="accent1"/>
-          </a:fillRef>
-          <a:effectRef idx="0">
-            <a:schemeClr val="accent1"/>
-          </a:effectRef>
-          <a:fontRef idx="minor">
-            <a:schemeClr val="lt1"/>
-          </a:fontRef>
-        </p:style>
-        <p:txBody>
-          <a:bodyPr rtlCol="0" anchor="ctr"/>
-          <a:lstStyle/>
-          <a:p>
-            <a:pPr algn="ctr"/>
-            <a:endParaRPr lang="pt-PT"/>
-          </a:p>
-        </p:txBody>
-      </p:sp>
-      <p:sp>
-        <p:nvSpPr>
-          <p:cNvPr id="22" name="Seta: Bidirecional 21">
-            <a:extLst>
-              <a:ext uri="{FF2B5EF4-FFF2-40B4-BE49-F238E27FC236}">
-                <a16:creationId xmlns:a16="http://schemas.microsoft.com/office/drawing/2014/main" id="{FE92581B-56DD-4FCF-9A3A-E1800E1C60E4}"/>
-              </a:ext>
-            </a:extLst>
-          </p:cNvPr>
-          <p:cNvSpPr/>
-          <p:nvPr/>
-        </p:nvSpPr>
-        <p:spPr>
-          <a:xfrm>
-            <a:off x="9019743" y="2899602"/>
-            <a:ext cx="732205" cy="404504"/>
-          </a:xfrm>
-          <a:prstGeom prst="leftRightArrow">
-            <a:avLst/>
-          </a:prstGeom>
-        </p:spPr>
-        <p:style>
-          <a:lnRef idx="2">
-            <a:schemeClr val="accent1">
-              <a:shade val="50000"/>
-            </a:schemeClr>
-          </a:lnRef>
-          <a:fillRef idx="1">
-            <a:schemeClr val="accent1"/>
-          </a:fillRef>
-          <a:effectRef idx="0">
-            <a:schemeClr val="accent1"/>
-          </a:effectRef>
-          <a:fontRef idx="minor">
-            <a:schemeClr val="lt1"/>
-          </a:fontRef>
-        </p:style>
-        <p:txBody>
-          <a:bodyPr rtlCol="0" anchor="ctr"/>
-          <a:lstStyle/>
-          <a:p>
-            <a:pPr algn="ctr"/>
-            <a:endParaRPr lang="pt-PT" dirty="0"/>
-          </a:p>
-        </p:txBody>
-      </p:sp>
-      <p:sp>
-        <p:nvSpPr>
-          <p:cNvPr id="23" name="Seta: Bidirecional 22">
-            <a:extLst>
-              <a:ext uri="{FF2B5EF4-FFF2-40B4-BE49-F238E27FC236}">
-                <a16:creationId xmlns:a16="http://schemas.microsoft.com/office/drawing/2014/main" id="{F5BBBAE1-3DE8-4237-9E45-97ECB19415B1}"/>
-              </a:ext>
-            </a:extLst>
-          </p:cNvPr>
-          <p:cNvSpPr/>
-          <p:nvPr/>
-        </p:nvSpPr>
-        <p:spPr>
-          <a:xfrm>
-            <a:off x="9019742" y="4369552"/>
-            <a:ext cx="732205" cy="404504"/>
-          </a:xfrm>
-          <a:prstGeom prst="leftRightArrow">
-            <a:avLst/>
-          </a:prstGeom>
-        </p:spPr>
-        <p:style>
-          <a:lnRef idx="2">
-            <a:schemeClr val="accent1">
-              <a:shade val="50000"/>
-            </a:schemeClr>
-          </a:lnRef>
-          <a:fillRef idx="1">
-            <a:schemeClr val="accent1"/>
-          </a:fillRef>
-          <a:effectRef idx="0">
-            <a:schemeClr val="accent1"/>
-          </a:effectRef>
-          <a:fontRef idx="minor">
-            <a:schemeClr val="lt1"/>
-          </a:fontRef>
-        </p:style>
-        <p:txBody>
-          <a:bodyPr rtlCol="0" anchor="ctr"/>
-          <a:lstStyle/>
-          <a:p>
-            <a:pPr algn="ctr"/>
-            <a:endParaRPr lang="pt-PT" dirty="0"/>
-          </a:p>
-        </p:txBody>
-      </p:sp>
-      <p:sp>
-        <p:nvSpPr>
-          <p:cNvPr id="24" name="Seta: Bidirecional 23">
-            <a:extLst>
-              <a:ext uri="{FF2B5EF4-FFF2-40B4-BE49-F238E27FC236}">
-                <a16:creationId xmlns:a16="http://schemas.microsoft.com/office/drawing/2014/main" id="{4E8E0C40-F5AD-4965-8624-F9B5D404A130}"/>
-              </a:ext>
-            </a:extLst>
-          </p:cNvPr>
-          <p:cNvSpPr/>
-          <p:nvPr/>
-        </p:nvSpPr>
-        <p:spPr>
-          <a:xfrm rot="2700000">
-            <a:off x="8864394" y="5473897"/>
-            <a:ext cx="1014274" cy="404504"/>
-          </a:xfrm>
-          <a:prstGeom prst="leftRightArrow">
-            <a:avLst/>
-          </a:prstGeom>
-        </p:spPr>
-        <p:style>
-          <a:lnRef idx="2">
-            <a:schemeClr val="accent1">
-              <a:shade val="50000"/>
-            </a:schemeClr>
-          </a:lnRef>
-          <a:fillRef idx="1">
-            <a:schemeClr val="accent1"/>
-          </a:fillRef>
-          <a:effectRef idx="0">
-            <a:schemeClr val="accent1"/>
-          </a:effectRef>
-          <a:fontRef idx="minor">
-            <a:schemeClr val="lt1"/>
-          </a:fontRef>
-        </p:style>
-        <p:txBody>
-          <a:bodyPr rtlCol="0" anchor="ctr"/>
-          <a:lstStyle/>
-          <a:p>
-            <a:pPr algn="ctr"/>
-            <a:endParaRPr lang="pt-PT" dirty="0"/>
           </a:p>
         </p:txBody>
       </p:sp>
@@ -4164,34 +5043,6 @@
       </p:grpSpPr>
       <p:sp>
         <p:nvSpPr>
-          <p:cNvPr id="2" name="Título 1">
-            <a:extLst>
-              <a:ext uri="{FF2B5EF4-FFF2-40B4-BE49-F238E27FC236}">
-                <a16:creationId xmlns:a16="http://schemas.microsoft.com/office/drawing/2014/main" id="{EB5BAF73-1487-44CE-AEB9-DE45F8CEAABC}"/>
-              </a:ext>
-            </a:extLst>
-          </p:cNvPr>
-          <p:cNvSpPr>
-            <a:spLocks noGrp="1"/>
-          </p:cNvSpPr>
-          <p:nvPr>
-            <p:ph type="title"/>
-          </p:nvPr>
-        </p:nvSpPr>
-        <p:spPr/>
-        <p:txBody>
-          <a:bodyPr/>
-          <a:lstStyle/>
-          <a:p>
-            <a:r>
-              <a:rPr lang="pt-PT" dirty="0"/>
-              <a:t>Funcionalidades Implementadas</a:t>
-            </a:r>
-          </a:p>
-        </p:txBody>
-      </p:sp>
-      <p:sp>
-        <p:nvSpPr>
           <p:cNvPr id="3" name="Marcador de Posição de Conteúdo 2">
             <a:extLst>
               <a:ext uri="{FF2B5EF4-FFF2-40B4-BE49-F238E27FC236}">
@@ -4206,66 +5057,207 @@
             <p:ph idx="1"/>
           </p:nvPr>
         </p:nvSpPr>
-        <p:spPr/>
+        <p:spPr>
+          <a:xfrm>
+            <a:off x="1128045" y="1828800"/>
+            <a:ext cx="10434415" cy="4351337"/>
+          </a:xfrm>
+        </p:spPr>
         <p:txBody>
           <a:bodyPr>
             <a:normAutofit/>
           </a:bodyPr>
           <a:lstStyle/>
           <a:p>
-            <a:r>
-              <a:rPr lang="pt-PT" sz="2000" dirty="0"/>
-              <a:t>Leitura dos ficheiros iniciais</a:t>
-            </a:r>
-          </a:p>
-          <a:p>
-            <a:r>
-              <a:rPr lang="pt-PT" sz="2000" dirty="0"/>
-              <a:t>Apresentação de Horários (aluno, turma, UC)</a:t>
-            </a:r>
-          </a:p>
-          <a:p>
-            <a:r>
-              <a:rPr lang="pt-PT" sz="2000" dirty="0"/>
-              <a:t>Listagens (Estudantes (numa Turma, numa UC, num Ano), Turmas, </a:t>
-            </a:r>
-            <a:r>
-              <a:rPr lang="pt-PT" sz="2000" dirty="0" err="1"/>
+            <a:pPr>
+              <a:buSzPct val="60000"/>
+              <a:buFont typeface="Wingdings" panose="05000000000000000000" pitchFamily="2" charset="2"/>
+              <a:buChar char="v"/>
+            </a:pPr>
+            <a:r>
+              <a:rPr lang="pt-PT" dirty="0">
+                <a:latin typeface="Tilda Sans" panose="020B0502020204020303" pitchFamily="34" charset="0"/>
+              </a:rPr>
+              <a:t>  Leitura dos ficheiros iniciais</a:t>
+            </a:r>
+          </a:p>
+          <a:p>
+            <a:pPr>
+              <a:buSzPct val="60000"/>
+              <a:buFont typeface="Wingdings" panose="05000000000000000000" pitchFamily="2" charset="2"/>
+              <a:buChar char="v"/>
+            </a:pPr>
+            <a:r>
+              <a:rPr lang="pt-PT" dirty="0">
+                <a:latin typeface="Tilda Sans" panose="020B0502020204020303" pitchFamily="34" charset="0"/>
+              </a:rPr>
+              <a:t>  Apresentação de Horários (aluno, turma, UC)</a:t>
+            </a:r>
+          </a:p>
+          <a:p>
+            <a:pPr>
+              <a:buSzPct val="60000"/>
+              <a:buFont typeface="Wingdings" panose="05000000000000000000" pitchFamily="2" charset="2"/>
+              <a:buChar char="v"/>
+            </a:pPr>
+            <a:r>
+              <a:rPr lang="pt-PT" dirty="0">
+                <a:latin typeface="Tilda Sans" panose="020B0502020204020303" pitchFamily="34" charset="0"/>
+              </a:rPr>
+              <a:t>  Listagens (Estudantes (numa Turma, numa UC, num Ano), Turmas, </a:t>
+            </a:r>
+            <a:r>
+              <a:rPr lang="pt-PT" dirty="0" err="1">
+                <a:latin typeface="Tilda Sans" panose="020B0502020204020303" pitchFamily="34" charset="0"/>
+              </a:rPr>
               <a:t>UCs</a:t>
             </a:r>
             <a:r>
-              <a:rPr lang="pt-PT" sz="2000" dirty="0"/>
+              <a:rPr lang="pt-PT" dirty="0">
+                <a:latin typeface="Tilda Sans" panose="020B0502020204020303" pitchFamily="34" charset="0"/>
+              </a:rPr>
               <a:t>)</a:t>
             </a:r>
           </a:p>
           <a:p>
-            <a:r>
-              <a:rPr lang="pt-PT" sz="2000" dirty="0"/>
-              <a:t>Ocupações (Turmas, Ano, UC)</a:t>
-            </a:r>
-          </a:p>
-          <a:p>
-            <a:r>
-              <a:rPr lang="pt-PT" sz="2000" dirty="0"/>
-              <a:t>Alterações/Pedidos (Remoção, Inserção, Troca, Desfazer último, Processar)</a:t>
-            </a:r>
-          </a:p>
-          <a:p>
-            <a:r>
-              <a:rPr lang="pt-PT" sz="2000" dirty="0"/>
-              <a:t>Listagem Total (Estudantes, Turmas, Aulas)</a:t>
-            </a:r>
-          </a:p>
-          <a:p>
-            <a:r>
-              <a:rPr lang="pt-PT" sz="2000" dirty="0"/>
-              <a:t>Guardar ficheiros com alterações (novo ficheiro student_classes.csv; pedidos realizados; pedidos inválidos)</a:t>
-            </a:r>
-          </a:p>
-          <a:p>
-            <a:r>
-              <a:rPr lang="pt-PT" sz="2000" dirty="0"/>
-              <a:t>Interface Intuitiva</a:t>
+            <a:pPr>
+              <a:buSzPct val="60000"/>
+              <a:buFont typeface="Wingdings" panose="05000000000000000000" pitchFamily="2" charset="2"/>
+              <a:buChar char="v"/>
+            </a:pPr>
+            <a:r>
+              <a:rPr lang="pt-PT" dirty="0">
+                <a:latin typeface="Tilda Sans" panose="020B0502020204020303" pitchFamily="34" charset="0"/>
+              </a:rPr>
+              <a:t>  Ocupações (Turmas, Ano, UC)</a:t>
+            </a:r>
+          </a:p>
+          <a:p>
+            <a:pPr>
+              <a:buSzPct val="60000"/>
+              <a:buFont typeface="Wingdings" panose="05000000000000000000" pitchFamily="2" charset="2"/>
+              <a:buChar char="v"/>
+            </a:pPr>
+            <a:r>
+              <a:rPr lang="pt-PT" dirty="0">
+                <a:latin typeface="Tilda Sans" panose="020B0502020204020303" pitchFamily="34" charset="0"/>
+              </a:rPr>
+              <a:t>  Alterações/Pedidos (Remoção, Inserção, Troca, Desfazer último, Processar)</a:t>
+            </a:r>
+          </a:p>
+          <a:p>
+            <a:pPr>
+              <a:buSzPct val="60000"/>
+              <a:buFont typeface="Wingdings" panose="05000000000000000000" pitchFamily="2" charset="2"/>
+              <a:buChar char="v"/>
+            </a:pPr>
+            <a:r>
+              <a:rPr lang="pt-PT" dirty="0">
+                <a:latin typeface="Tilda Sans" panose="020B0502020204020303" pitchFamily="34" charset="0"/>
+              </a:rPr>
+              <a:t>  Listagem Total (Estudantes, Turmas, Aulas)</a:t>
+            </a:r>
+          </a:p>
+          <a:p>
+            <a:pPr>
+              <a:buSzPct val="60000"/>
+              <a:buFont typeface="Wingdings" panose="05000000000000000000" pitchFamily="2" charset="2"/>
+              <a:buChar char="v"/>
+            </a:pPr>
+            <a:r>
+              <a:rPr lang="pt-PT" dirty="0">
+                <a:latin typeface="Tilda Sans" panose="020B0502020204020303" pitchFamily="34" charset="0"/>
+              </a:rPr>
+              <a:t>  Guardar ficheiros alterados (novo ficheiro: updated_student_classes.csv)</a:t>
+            </a:r>
+          </a:p>
+          <a:p>
+            <a:pPr>
+              <a:buSzPct val="60000"/>
+              <a:buFont typeface="Wingdings" panose="05000000000000000000" pitchFamily="2" charset="2"/>
+              <a:buChar char="v"/>
+            </a:pPr>
+            <a:r>
+              <a:rPr lang="pt-PT" dirty="0">
+                <a:latin typeface="Tilda Sans" panose="020B0502020204020303" pitchFamily="34" charset="0"/>
+              </a:rPr>
+              <a:t>  Guardar ficheiros com últimos pedidos (pedidos realizados; pedidos inválidos)</a:t>
+            </a:r>
+          </a:p>
+          <a:p>
+            <a:pPr>
+              <a:buSzPct val="60000"/>
+              <a:buFont typeface="Wingdings" panose="05000000000000000000" pitchFamily="2" charset="2"/>
+              <a:buChar char="v"/>
+            </a:pPr>
+            <a:r>
+              <a:rPr lang="pt-PT" dirty="0">
+                <a:latin typeface="Tilda Sans" panose="020B0502020204020303" pitchFamily="34" charset="0"/>
+              </a:rPr>
+              <a:t>  Interface Intuitiva</a:t>
+            </a:r>
+          </a:p>
+        </p:txBody>
+      </p:sp>
+      <p:sp>
+        <p:nvSpPr>
+          <p:cNvPr id="4" name="Título 1">
+            <a:extLst>
+              <a:ext uri="{FF2B5EF4-FFF2-40B4-BE49-F238E27FC236}">
+                <a16:creationId xmlns:a16="http://schemas.microsoft.com/office/drawing/2014/main" id="{F5695376-B254-46B7-A6C8-499849FDD4C7}"/>
+              </a:ext>
+            </a:extLst>
+          </p:cNvPr>
+          <p:cNvSpPr txBox="1">
+            <a:spLocks/>
+          </p:cNvSpPr>
+          <p:nvPr/>
+        </p:nvSpPr>
+        <p:spPr>
+          <a:xfrm>
+            <a:off x="730249" y="446445"/>
+            <a:ext cx="10058400" cy="999859"/>
+          </a:xfrm>
+          <a:prstGeom prst="rect">
+            <a:avLst/>
+          </a:prstGeom>
+        </p:spPr>
+        <p:txBody>
+          <a:bodyPr vert="horz" lIns="91440" tIns="45720" rIns="91440" bIns="45720" rtlCol="0" anchor="b">
+            <a:noAutofit/>
+          </a:bodyPr>
+          <a:lstStyle>
+            <a:lvl1pPr algn="l" defTabSz="914400" rtl="0" eaLnBrk="1" latinLnBrk="0" hangingPunct="1">
+              <a:lnSpc>
+                <a:spcPct val="90000"/>
+              </a:lnSpc>
+              <a:spcBef>
+                <a:spcPct val="0"/>
+              </a:spcBef>
+              <a:buNone/>
+              <a:defRPr sz="4400" kern="1200" spc="-50" baseline="0">
+                <a:solidFill>
+                  <a:schemeClr val="tx1"/>
+                </a:solidFill>
+                <a:latin typeface="+mj-lt"/>
+                <a:ea typeface="+mj-ea"/>
+                <a:cs typeface="+mj-cs"/>
+              </a:defRPr>
+            </a:lvl1pPr>
+          </a:lstStyle>
+          <a:p>
+            <a:pPr>
+              <a:lnSpc>
+                <a:spcPct val="85000"/>
+              </a:lnSpc>
+            </a:pPr>
+            <a:r>
+              <a:rPr lang="pt-PT" sz="5400" cap="small" dirty="0">
+                <a:latin typeface="Rokkitt" pitchFamily="2" charset="0"/>
+                <a:ea typeface="JetBrains Mono" panose="02000009000000000000" pitchFamily="49" charset="0"/>
+                <a:cs typeface="JetBrains Mono" panose="02000009000000000000" pitchFamily="49" charset="0"/>
+              </a:rPr>
+              <a:t>Funcionalidades Implementadas</a:t>
             </a:r>
           </a:p>
         </p:txBody>
@@ -4302,10 +5294,10 @@
       </p:grpSpPr>
       <p:sp>
         <p:nvSpPr>
-          <p:cNvPr id="2" name="Título 1">
+          <p:cNvPr id="3" name="Marcador de Posição de Conteúdo 2">
             <a:extLst>
               <a:ext uri="{FF2B5EF4-FFF2-40B4-BE49-F238E27FC236}">
-                <a16:creationId xmlns:a16="http://schemas.microsoft.com/office/drawing/2014/main" id="{081247FC-8D98-4B36-A442-CA25BA06189B}"/>
+                <a16:creationId xmlns:a16="http://schemas.microsoft.com/office/drawing/2014/main" id="{AC7FFF11-5276-4E7D-8DB1-3F95B22B2B02}"/>
               </a:ext>
             </a:extLst>
           </p:cNvPr>
@@ -4313,27 +5305,126 @@
             <a:spLocks noGrp="1"/>
           </p:cNvSpPr>
           <p:nvPr>
-            <p:ph type="title"/>
+            <p:ph sz="half" idx="1"/>
           </p:nvPr>
         </p:nvSpPr>
         <p:spPr/>
         <p:txBody>
-          <a:bodyPr/>
+          <a:bodyPr>
+            <a:normAutofit/>
+          </a:bodyPr>
           <a:lstStyle/>
           <a:p>
-            <a:r>
-              <a:rPr lang="pt-PT" dirty="0"/>
-              <a:t>Estruturas de Dados Utilizadas</a:t>
-            </a:r>
-          </a:p>
-        </p:txBody>
-      </p:sp>
-      <p:sp>
-        <p:nvSpPr>
-          <p:cNvPr id="3" name="Marcador de Posição de Conteúdo 2">
+            <a:pPr marL="0" indent="0">
+              <a:buNone/>
+            </a:pPr>
+            <a:r>
+              <a:rPr lang="pt-PT" sz="2000" dirty="0">
+                <a:solidFill>
+                  <a:schemeClr val="tx2"/>
+                </a:solidFill>
+                <a:latin typeface="Tilda Sans" panose="020B0502020204020303" pitchFamily="34" charset="0"/>
+              </a:rPr>
+              <a:t>Estrutura de Dados: </a:t>
+            </a:r>
+            <a:r>
+              <a:rPr lang="pt-PT" dirty="0" err="1">
+                <a:latin typeface="Tilda Sans" panose="020B0502020204020303" pitchFamily="34" charset="0"/>
+              </a:rPr>
+              <a:t>stl</a:t>
+            </a:r>
+            <a:r>
+              <a:rPr lang="pt-PT" dirty="0">
+                <a:latin typeface="Tilda Sans" panose="020B0502020204020303" pitchFamily="34" charset="0"/>
+              </a:rPr>
+              <a:t>::</a:t>
+            </a:r>
+            <a:r>
+              <a:rPr lang="pt-PT" dirty="0" err="1">
+                <a:latin typeface="Tilda Sans" panose="020B0502020204020303" pitchFamily="34" charset="0"/>
+              </a:rPr>
+              <a:t>list</a:t>
+            </a:r>
+            <a:endParaRPr lang="pt-PT" dirty="0">
+              <a:latin typeface="Tilda Sans" panose="020B0502020204020303" pitchFamily="34" charset="0"/>
+            </a:endParaRPr>
+          </a:p>
+          <a:p>
+            <a:pPr marL="0" indent="0">
+              <a:buNone/>
+            </a:pPr>
+            <a:r>
+              <a:rPr lang="pt-PT" sz="2000" dirty="0">
+                <a:solidFill>
+                  <a:schemeClr val="tx2"/>
+                </a:solidFill>
+                <a:latin typeface="Tilda Sans" panose="020B0502020204020303" pitchFamily="34" charset="0"/>
+              </a:rPr>
+              <a:t>Ficheiro/Classes: </a:t>
+            </a:r>
+            <a:r>
+              <a:rPr lang="pt-PT" dirty="0">
+                <a:latin typeface="Tilda Sans" panose="020B0502020204020303" pitchFamily="34" charset="0"/>
+              </a:rPr>
+              <a:t>Turma</a:t>
+            </a:r>
+          </a:p>
+          <a:p>
+            <a:pPr marL="0" indent="0">
+              <a:buNone/>
+            </a:pPr>
+            <a:r>
+              <a:rPr lang="pt-PT" sz="2000" dirty="0">
+                <a:solidFill>
+                  <a:schemeClr val="tx2"/>
+                </a:solidFill>
+                <a:latin typeface="Tilda Sans" panose="020B0502020204020303" pitchFamily="34" charset="0"/>
+              </a:rPr>
+              <a:t>Aplicação: </a:t>
+            </a:r>
+            <a:r>
+              <a:rPr lang="pt-PT" dirty="0">
+                <a:latin typeface="Tilda Sans" panose="020B0502020204020303" pitchFamily="34" charset="0"/>
+              </a:rPr>
+              <a:t>Lista de Aulas </a:t>
+            </a:r>
+          </a:p>
+          <a:p>
+            <a:pPr marL="0" indent="0">
+              <a:buNone/>
+            </a:pPr>
+            <a:r>
+              <a:rPr lang="pt-PT" sz="2000" dirty="0">
+                <a:solidFill>
+                  <a:schemeClr val="tx2"/>
+                </a:solidFill>
+                <a:latin typeface="Tilda Sans" panose="020B0502020204020303" pitchFamily="34" charset="0"/>
+              </a:rPr>
+              <a:t>Justificação: </a:t>
+            </a:r>
+            <a:r>
+              <a:rPr lang="pt-PT" dirty="0">
+                <a:latin typeface="Tilda Sans" panose="020B0502020204020303" pitchFamily="34" charset="0"/>
+              </a:rPr>
+              <a:t>as aulas associadas a uma determinada turma nunca vão mudar e como no máximo são 3 aulas diferentes, utilizamos uma estrutura linear fácil de aceder e percorrer/iterar em ordem</a:t>
+            </a:r>
+          </a:p>
+          <a:p>
+            <a:pPr marL="0" indent="0">
+              <a:buNone/>
+            </a:pPr>
+            <a:endParaRPr lang="pt-PT" dirty="0">
+              <a:latin typeface="Tilda Sans" panose="020B0502020204020303" pitchFamily="34" charset="0"/>
+            </a:endParaRPr>
+          </a:p>
+        </p:txBody>
+      </p:sp>
+      <p:sp>
+        <p:nvSpPr>
+          <p:cNvPr id="4" name="Marcador de Posição de Conteúdo 3">
             <a:extLst>
               <a:ext uri="{FF2B5EF4-FFF2-40B4-BE49-F238E27FC236}">
-                <a16:creationId xmlns:a16="http://schemas.microsoft.com/office/drawing/2014/main" id="{7999A847-6D2E-4A1F-8F19-24C85AB3CE1D}"/>
+                <a16:creationId xmlns:a16="http://schemas.microsoft.com/office/drawing/2014/main" id="{9B98412B-4E7B-46A0-9D32-0F731C965D5A}"/>
               </a:ext>
             </a:extLst>
           </p:cNvPr>
@@ -4341,29 +5432,179 @@
             <a:spLocks noGrp="1"/>
           </p:cNvSpPr>
           <p:nvPr>
-            <p:ph idx="1"/>
+            <p:ph sz="half" idx="2"/>
           </p:nvPr>
         </p:nvSpPr>
         <p:spPr/>
         <p:txBody>
-          <a:bodyPr/>
+          <a:bodyPr>
+            <a:normAutofit/>
+          </a:bodyPr>
           <a:lstStyle/>
           <a:p>
             <a:pPr marL="0" indent="0">
               <a:buNone/>
             </a:pPr>
             <a:r>
-              <a:rPr lang="pt-PT" dirty="0"/>
-              <a:t>Turma :  Lista de Aulas (as aulas associadas a uma determinada turma nunca vão mudar e como no máximo são 3 aulas diferentes, utilizamos uma estrutura linear fácil de aceder e percorrer/iterar)</a:t>
-            </a:r>
+              <a:rPr lang="pt-PT" sz="2000" dirty="0">
+                <a:solidFill>
+                  <a:schemeClr val="tx2"/>
+                </a:solidFill>
+                <a:latin typeface="Tilda Sans" panose="020B0502020204020303" pitchFamily="34" charset="0"/>
+              </a:rPr>
+              <a:t>Estrutura de Dados: </a:t>
+            </a:r>
+            <a:r>
+              <a:rPr lang="pt-PT" sz="1800" dirty="0" err="1">
+                <a:latin typeface="Tilda Sans" panose="020B0502020204020303" pitchFamily="34" charset="0"/>
+              </a:rPr>
+              <a:t>stl</a:t>
+            </a:r>
+            <a:r>
+              <a:rPr lang="pt-PT" sz="1800" dirty="0">
+                <a:latin typeface="Tilda Sans" panose="020B0502020204020303" pitchFamily="34" charset="0"/>
+              </a:rPr>
+              <a:t>::</a:t>
+            </a:r>
+            <a:r>
+              <a:rPr lang="pt-PT" sz="1800" dirty="0" err="1">
+                <a:latin typeface="Tilda Sans" panose="020B0502020204020303" pitchFamily="34" charset="0"/>
+              </a:rPr>
+              <a:t>list</a:t>
+            </a:r>
+            <a:endParaRPr lang="pt-PT" sz="1800" dirty="0">
+              <a:latin typeface="Tilda Sans" panose="020B0502020204020303" pitchFamily="34" charset="0"/>
+            </a:endParaRPr>
           </a:p>
           <a:p>
             <a:pPr marL="0" indent="0">
               <a:buNone/>
             </a:pPr>
             <a:r>
-              <a:rPr lang="pt-PT" dirty="0"/>
-              <a:t>Estudante: Lista de Turmas (um estudante está associado a um número variável de turmas [0-7], como estas não necessitam de estar ordenadas, mas precisam de suportar fácil inserção e remoção, além de acesso e iteração, utilizamos também uma lista)</a:t>
+              <a:rPr lang="pt-PT" sz="2000" dirty="0">
+                <a:solidFill>
+                  <a:schemeClr val="tx2"/>
+                </a:solidFill>
+                <a:latin typeface="Tilda Sans" panose="020B0502020204020303" pitchFamily="34" charset="0"/>
+              </a:rPr>
+              <a:t>Ficheiro/Classes: </a:t>
+            </a:r>
+            <a:r>
+              <a:rPr lang="pt-PT" sz="1800" dirty="0">
+                <a:latin typeface="Tilda Sans" panose="020B0502020204020303" pitchFamily="34" charset="0"/>
+              </a:rPr>
+              <a:t>Estudante</a:t>
+            </a:r>
+          </a:p>
+          <a:p>
+            <a:pPr marL="0" indent="0">
+              <a:buNone/>
+            </a:pPr>
+            <a:r>
+              <a:rPr lang="pt-PT" sz="2000" dirty="0">
+                <a:solidFill>
+                  <a:schemeClr val="tx2"/>
+                </a:solidFill>
+                <a:latin typeface="Tilda Sans" panose="020B0502020204020303" pitchFamily="34" charset="0"/>
+              </a:rPr>
+              <a:t>Aplicação: </a:t>
+            </a:r>
+            <a:r>
+              <a:rPr lang="pt-PT" dirty="0">
+                <a:latin typeface="Tilda Sans" panose="020B0502020204020303" pitchFamily="34" charset="0"/>
+              </a:rPr>
+              <a:t>Lista de Turmas </a:t>
+            </a:r>
+          </a:p>
+          <a:p>
+            <a:pPr marL="0" indent="0">
+              <a:buNone/>
+            </a:pPr>
+            <a:r>
+              <a:rPr lang="pt-PT" sz="2000" dirty="0">
+                <a:solidFill>
+                  <a:schemeClr val="tx2"/>
+                </a:solidFill>
+                <a:latin typeface="Tilda Sans" panose="020B0502020204020303" pitchFamily="34" charset="0"/>
+              </a:rPr>
+              <a:t>Justificação: </a:t>
+            </a:r>
+            <a:r>
+              <a:rPr lang="pt-PT" dirty="0">
+                <a:latin typeface="Tilda Sans" panose="020B0502020204020303" pitchFamily="34" charset="0"/>
+              </a:rPr>
+              <a:t>um estudante está associado a um número variável de turmas [0-7]; como estas não necessitam de estar ordenadas, mas precisam de suportar fácil inserção e remoção (para realizar os pedidos), além de acesso e iteração (para apresentar output), utilizamos também uma lista</a:t>
+            </a:r>
+          </a:p>
+          <a:p>
+            <a:pPr marL="0" indent="0">
+              <a:buNone/>
+            </a:pPr>
+            <a:endParaRPr lang="pt-PT" dirty="0">
+              <a:latin typeface="Tilda Sans" panose="020B0502020204020303" pitchFamily="34" charset="0"/>
+            </a:endParaRPr>
+          </a:p>
+        </p:txBody>
+      </p:sp>
+      <p:sp>
+        <p:nvSpPr>
+          <p:cNvPr id="5" name="Título 1">
+            <a:extLst>
+              <a:ext uri="{FF2B5EF4-FFF2-40B4-BE49-F238E27FC236}">
+                <a16:creationId xmlns:a16="http://schemas.microsoft.com/office/drawing/2014/main" id="{2B9AD018-822E-49C9-8560-F35AF4812D06}"/>
+              </a:ext>
+            </a:extLst>
+          </p:cNvPr>
+          <p:cNvSpPr txBox="1">
+            <a:spLocks/>
+          </p:cNvSpPr>
+          <p:nvPr/>
+        </p:nvSpPr>
+        <p:spPr>
+          <a:xfrm>
+            <a:off x="730249" y="446445"/>
+            <a:ext cx="10058400" cy="999859"/>
+          </a:xfrm>
+          <a:prstGeom prst="rect">
+            <a:avLst/>
+          </a:prstGeom>
+        </p:spPr>
+        <p:txBody>
+          <a:bodyPr vert="horz" lIns="91440" tIns="45720" rIns="91440" bIns="45720" rtlCol="0" anchor="b">
+            <a:noAutofit/>
+          </a:bodyPr>
+          <a:lstStyle>
+            <a:lvl1pPr algn="l" defTabSz="914400" rtl="0" eaLnBrk="1" latinLnBrk="0" hangingPunct="1">
+              <a:lnSpc>
+                <a:spcPct val="90000"/>
+              </a:lnSpc>
+              <a:spcBef>
+                <a:spcPct val="0"/>
+              </a:spcBef>
+              <a:buNone/>
+              <a:defRPr sz="4400" kern="1200" spc="-50" baseline="0">
+                <a:solidFill>
+                  <a:schemeClr val="tx1"/>
+                </a:solidFill>
+                <a:latin typeface="+mj-lt"/>
+                <a:ea typeface="+mj-ea"/>
+                <a:cs typeface="+mj-cs"/>
+              </a:defRPr>
+            </a:lvl1pPr>
+          </a:lstStyle>
+          <a:p>
+            <a:pPr>
+              <a:lnSpc>
+                <a:spcPct val="85000"/>
+              </a:lnSpc>
+            </a:pPr>
+            <a:r>
+              <a:rPr lang="pt-PT" sz="5400" cap="small" dirty="0">
+                <a:latin typeface="Rokkitt" pitchFamily="2" charset="0"/>
+                <a:ea typeface="JetBrains Mono" panose="02000009000000000000" pitchFamily="49" charset="0"/>
+                <a:cs typeface="JetBrains Mono" panose="02000009000000000000" pitchFamily="49" charset="0"/>
+              </a:rPr>
+              <a:t>Estruturas de Dados Utilizadas</a:t>
             </a:r>
           </a:p>
         </p:txBody>
@@ -4371,7 +5612,7 @@
     </p:spTree>
     <p:extLst>
       <p:ext uri="{BB962C8B-B14F-4D97-AF65-F5344CB8AC3E}">
-        <p14:creationId xmlns:p14="http://schemas.microsoft.com/office/powerpoint/2010/main" val="447326534"/>
+        <p14:creationId xmlns:p14="http://schemas.microsoft.com/office/powerpoint/2010/main" val="773534218"/>
       </p:ext>
     </p:extLst>
   </p:cSld>
@@ -4400,10 +5641,10 @@
       </p:grpSpPr>
       <p:sp>
         <p:nvSpPr>
-          <p:cNvPr id="2" name="Título 1">
+          <p:cNvPr id="3" name="Marcador de Posição de Conteúdo 2">
             <a:extLst>
               <a:ext uri="{FF2B5EF4-FFF2-40B4-BE49-F238E27FC236}">
-                <a16:creationId xmlns:a16="http://schemas.microsoft.com/office/drawing/2014/main" id="{3EF8A385-0CB9-4254-A959-A6E353027E0B}"/>
+                <a16:creationId xmlns:a16="http://schemas.microsoft.com/office/drawing/2014/main" id="{AC7FFF11-5276-4E7D-8DB1-3F95B22B2B02}"/>
               </a:ext>
             </a:extLst>
           </p:cNvPr>
@@ -4411,27 +5652,126 @@
             <a:spLocks noGrp="1"/>
           </p:cNvSpPr>
           <p:nvPr>
-            <p:ph type="title"/>
+            <p:ph sz="half" idx="1"/>
           </p:nvPr>
         </p:nvSpPr>
         <p:spPr/>
         <p:txBody>
-          <a:bodyPr/>
+          <a:bodyPr>
+            <a:normAutofit/>
+          </a:bodyPr>
           <a:lstStyle/>
           <a:p>
-            <a:r>
-              <a:rPr lang="pt-PT" dirty="0"/>
-              <a:t>Estruturas de Dados Utilizadas</a:t>
-            </a:r>
-          </a:p>
-        </p:txBody>
-      </p:sp>
-      <p:sp>
-        <p:nvSpPr>
-          <p:cNvPr id="3" name="Marcador de Posição de Conteúdo 2">
+            <a:pPr marL="0" indent="0">
+              <a:buNone/>
+            </a:pPr>
+            <a:r>
+              <a:rPr lang="pt-PT" sz="2000" dirty="0">
+                <a:solidFill>
+                  <a:schemeClr val="tx2"/>
+                </a:solidFill>
+                <a:latin typeface="Tilda Sans" panose="020B0502020204020303" pitchFamily="34" charset="0"/>
+              </a:rPr>
+              <a:t>Estrutura de Dados: </a:t>
+            </a:r>
+            <a:r>
+              <a:rPr lang="pt-PT" dirty="0" err="1">
+                <a:latin typeface="Tilda Sans" panose="020B0502020204020303" pitchFamily="34" charset="0"/>
+              </a:rPr>
+              <a:t>stl</a:t>
+            </a:r>
+            <a:r>
+              <a:rPr lang="pt-PT" dirty="0">
+                <a:latin typeface="Tilda Sans" panose="020B0502020204020303" pitchFamily="34" charset="0"/>
+              </a:rPr>
+              <a:t>::</a:t>
+            </a:r>
+            <a:r>
+              <a:rPr lang="pt-PT" dirty="0" err="1">
+                <a:latin typeface="Tilda Sans" panose="020B0502020204020303" pitchFamily="34" charset="0"/>
+              </a:rPr>
+              <a:t>vector</a:t>
+            </a:r>
+            <a:endParaRPr lang="pt-PT" dirty="0">
+              <a:latin typeface="Tilda Sans" panose="020B0502020204020303" pitchFamily="34" charset="0"/>
+            </a:endParaRPr>
+          </a:p>
+          <a:p>
+            <a:pPr marL="0" indent="0">
+              <a:buNone/>
+            </a:pPr>
+            <a:r>
+              <a:rPr lang="pt-PT" sz="2000" dirty="0">
+                <a:solidFill>
+                  <a:schemeClr val="tx2"/>
+                </a:solidFill>
+                <a:latin typeface="Tilda Sans" panose="020B0502020204020303" pitchFamily="34" charset="0"/>
+              </a:rPr>
+              <a:t>Ficheiro/Classes: </a:t>
+            </a:r>
+            <a:r>
+              <a:rPr lang="pt-PT" dirty="0">
+                <a:latin typeface="Tilda Sans" panose="020B0502020204020303" pitchFamily="34" charset="0"/>
+              </a:rPr>
+              <a:t>Gestor</a:t>
+            </a:r>
+          </a:p>
+          <a:p>
+            <a:pPr marL="0" indent="0">
+              <a:buNone/>
+            </a:pPr>
+            <a:r>
+              <a:rPr lang="pt-PT" sz="2000" dirty="0">
+                <a:solidFill>
+                  <a:schemeClr val="tx2"/>
+                </a:solidFill>
+                <a:latin typeface="Tilda Sans" panose="020B0502020204020303" pitchFamily="34" charset="0"/>
+              </a:rPr>
+              <a:t>Aplicação: </a:t>
+            </a:r>
+            <a:r>
+              <a:rPr lang="pt-PT" dirty="0">
+                <a:latin typeface="Tilda Sans" panose="020B0502020204020303" pitchFamily="34" charset="0"/>
+              </a:rPr>
+              <a:t>vetor de Turmas e Estudantes </a:t>
+            </a:r>
+          </a:p>
+          <a:p>
+            <a:pPr marL="0" indent="0">
+              <a:buNone/>
+            </a:pPr>
+            <a:r>
+              <a:rPr lang="pt-PT" sz="2000" dirty="0">
+                <a:solidFill>
+                  <a:schemeClr val="tx2"/>
+                </a:solidFill>
+                <a:latin typeface="Tilda Sans" panose="020B0502020204020303" pitchFamily="34" charset="0"/>
+              </a:rPr>
+              <a:t>Justificação: </a:t>
+            </a:r>
+            <a:r>
+              <a:rPr lang="pt-PT" dirty="0">
+                <a:latin typeface="Tilda Sans" panose="020B0502020204020303" pitchFamily="34" charset="0"/>
+              </a:rPr>
+              <a:t>uma vez que vão ser guardadas todas as turmas e estudantes carregadas no sistema dentro do gestor, necessitamos de uma estrutura de dados mais versátil e que permita a realização de praticamente todo o tipo de operações (pesquisa, ordenação e acesso) e iterações (normal e invertida), assim sendo, optamos pelos vetores para estruturar o gestor</a:t>
+            </a:r>
+          </a:p>
+          <a:p>
+            <a:pPr marL="0" indent="0">
+              <a:buNone/>
+            </a:pPr>
+            <a:endParaRPr lang="pt-PT" dirty="0">
+              <a:latin typeface="Tilda Sans" panose="020B0502020204020303" pitchFamily="34" charset="0"/>
+            </a:endParaRPr>
+          </a:p>
+        </p:txBody>
+      </p:sp>
+      <p:sp>
+        <p:nvSpPr>
+          <p:cNvPr id="4" name="Marcador de Posição de Conteúdo 3">
             <a:extLst>
               <a:ext uri="{FF2B5EF4-FFF2-40B4-BE49-F238E27FC236}">
-                <a16:creationId xmlns:a16="http://schemas.microsoft.com/office/drawing/2014/main" id="{59040012-7382-4ED9-ADF6-DD4A5A8CAEBA}"/>
+                <a16:creationId xmlns:a16="http://schemas.microsoft.com/office/drawing/2014/main" id="{9B98412B-4E7B-46A0-9D32-0F731C965D5A}"/>
               </a:ext>
             </a:extLst>
           </p:cNvPr>
@@ -4439,61 +5779,214 @@
             <a:spLocks noGrp="1"/>
           </p:cNvSpPr>
           <p:nvPr>
-            <p:ph idx="1"/>
+            <p:ph sz="half" idx="2"/>
           </p:nvPr>
         </p:nvSpPr>
         <p:spPr/>
         <p:txBody>
-          <a:bodyPr/>
+          <a:bodyPr>
+            <a:normAutofit/>
+          </a:bodyPr>
           <a:lstStyle/>
           <a:p>
             <a:pPr marL="0" indent="0">
               <a:buNone/>
             </a:pPr>
             <a:r>
-              <a:rPr lang="pt-PT" dirty="0"/>
-              <a:t>Gestor: </a:t>
-            </a:r>
-            <a:r>
-              <a:rPr lang="pt-PT" dirty="0" err="1"/>
-              <a:t>vector</a:t>
-            </a:r>
-            <a:r>
-              <a:rPr lang="pt-PT" dirty="0"/>
-              <a:t> de Turmas e Estudantes (uma vez que vão ser guardadas todas as turmas e estudantes carregadas no sistema dentro do gestor, necessitamos de uma estrutura de dados mais versátil e que permita a realização de praticamente todo o tipo de operações (pesquisa, ordenação e acesso) e iterações (normal e invertida))</a:t>
-            </a:r>
+              <a:rPr lang="pt-PT" sz="2000" dirty="0">
+                <a:solidFill>
+                  <a:schemeClr val="tx2"/>
+                </a:solidFill>
+                <a:latin typeface="Tilda Sans" panose="020B0502020204020303" pitchFamily="34" charset="0"/>
+              </a:rPr>
+              <a:t>Estrutura de Dados: </a:t>
+            </a:r>
+            <a:r>
+              <a:rPr lang="pt-PT" sz="1800" dirty="0" err="1">
+                <a:latin typeface="Tilda Sans" panose="020B0502020204020303" pitchFamily="34" charset="0"/>
+              </a:rPr>
+              <a:t>stl</a:t>
+            </a:r>
+            <a:r>
+              <a:rPr lang="pt-PT" sz="1800" dirty="0">
+                <a:latin typeface="Tilda Sans" panose="020B0502020204020303" pitchFamily="34" charset="0"/>
+              </a:rPr>
+              <a:t>::</a:t>
+            </a:r>
+            <a:r>
+              <a:rPr lang="pt-PT" sz="1800" dirty="0" err="1">
+                <a:latin typeface="Tilda Sans" panose="020B0502020204020303" pitchFamily="34" charset="0"/>
+              </a:rPr>
+              <a:t>map</a:t>
+            </a:r>
+            <a:endParaRPr lang="pt-PT" sz="1800" dirty="0">
+              <a:latin typeface="Tilda Sans" panose="020B0502020204020303" pitchFamily="34" charset="0"/>
+            </a:endParaRPr>
           </a:p>
           <a:p>
             <a:pPr marL="0" indent="0">
               <a:buNone/>
             </a:pPr>
             <a:r>
-              <a:rPr lang="pt-PT" dirty="0"/>
-              <a:t>Gestor: mapas entre dias da semana e números (para facilitar o armazenamento desta informação, as aulas guardam um id associado ao dia da semana me vez de uma </a:t>
-            </a:r>
-            <a:r>
-              <a:rPr lang="pt-PT" dirty="0" err="1"/>
+              <a:rPr lang="pt-PT" sz="2000" dirty="0">
+                <a:solidFill>
+                  <a:schemeClr val="tx2"/>
+                </a:solidFill>
+                <a:latin typeface="Tilda Sans" panose="020B0502020204020303" pitchFamily="34" charset="0"/>
+              </a:rPr>
+              <a:t>Ficheiro/Classes: </a:t>
+            </a:r>
+            <a:r>
+              <a:rPr lang="pt-PT" sz="1800" dirty="0">
+                <a:latin typeface="Tilda Sans" panose="020B0502020204020303" pitchFamily="34" charset="0"/>
+              </a:rPr>
+              <a:t>Gestor</a:t>
+            </a:r>
+          </a:p>
+          <a:p>
+            <a:pPr marL="0" indent="0">
+              <a:buNone/>
+            </a:pPr>
+            <a:r>
+              <a:rPr lang="pt-PT" sz="2000" dirty="0">
+                <a:solidFill>
+                  <a:schemeClr val="tx2"/>
+                </a:solidFill>
+                <a:latin typeface="Tilda Sans" panose="020B0502020204020303" pitchFamily="34" charset="0"/>
+              </a:rPr>
+              <a:t>Aplicação: </a:t>
+            </a:r>
+            <a:r>
+              <a:rPr lang="pt-PT" dirty="0">
+                <a:latin typeface="Tilda Sans" panose="020B0502020204020303" pitchFamily="34" charset="0"/>
+              </a:rPr>
+              <a:t>mapas entre dias da semana e números </a:t>
+            </a:r>
+          </a:p>
+          <a:p>
+            <a:pPr marL="0" indent="0">
+              <a:buNone/>
+            </a:pPr>
+            <a:r>
+              <a:rPr lang="pt-PT" sz="2000" dirty="0">
+                <a:solidFill>
+                  <a:schemeClr val="tx2"/>
+                </a:solidFill>
+                <a:latin typeface="Tilda Sans" panose="020B0502020204020303" pitchFamily="34" charset="0"/>
+              </a:rPr>
+              <a:t>Justificação: </a:t>
+            </a:r>
+            <a:r>
+              <a:rPr lang="pt-PT" dirty="0">
+                <a:latin typeface="Tilda Sans" panose="020B0502020204020303" pitchFamily="34" charset="0"/>
+              </a:rPr>
+              <a:t>para facilitar o armazenamento dos dias associados a cada aula, as aulas guardam apenas um id associado ao dia da semana ao invés de uma </a:t>
+            </a:r>
+            <a:r>
+              <a:rPr lang="pt-PT" dirty="0" err="1">
+                <a:latin typeface="Tilda Sans" panose="020B0502020204020303" pitchFamily="34" charset="0"/>
+              </a:rPr>
               <a:t>string</a:t>
             </a:r>
             <a:r>
-              <a:rPr lang="pt-PT" dirty="0"/>
+              <a:rPr lang="pt-PT" dirty="0">
+                <a:latin typeface="Tilda Sans" panose="020B0502020204020303" pitchFamily="34" charset="0"/>
+              </a:rPr>
               <a:t>; na abertura dos ficheiros há conversão de </a:t>
             </a:r>
             <a:r>
-              <a:rPr lang="pt-PT" dirty="0" err="1"/>
-              <a:t>string-int</a:t>
-            </a:r>
-            <a:r>
-              <a:rPr lang="pt-PT" dirty="0"/>
+              <a:rPr lang="pt-PT" dirty="0" err="1">
+                <a:latin typeface="Tilda Sans" panose="020B0502020204020303" pitchFamily="34" charset="0"/>
+              </a:rPr>
+              <a:t>string→int</a:t>
+            </a:r>
+            <a:r>
+              <a:rPr lang="pt-PT" dirty="0">
+                <a:latin typeface="Tilda Sans" panose="020B0502020204020303" pitchFamily="34" charset="0"/>
+              </a:rPr>
               <a:t> e quando é para apresentar output há conversão de </a:t>
             </a:r>
             <a:r>
-              <a:rPr lang="pt-PT" dirty="0" err="1"/>
-              <a:t>int-string</a:t>
-            </a:r>
-            <a:r>
-              <a:rPr lang="pt-PT" dirty="0"/>
-              <a:t>)</a:t>
+              <a:rPr lang="pt-PT" dirty="0" err="1">
+                <a:latin typeface="Tilda Sans" panose="020B0502020204020303" pitchFamily="34" charset="0"/>
+              </a:rPr>
+              <a:t>int</a:t>
+            </a:r>
+            <a:r>
+              <a:rPr lang="pt-PT" b="1" dirty="0" err="1"/>
+              <a:t>→</a:t>
+            </a:r>
+            <a:r>
+              <a:rPr lang="pt-PT" dirty="0" err="1">
+                <a:latin typeface="Tilda Sans" panose="020B0502020204020303" pitchFamily="34" charset="0"/>
+              </a:rPr>
+              <a:t>string</a:t>
+            </a:r>
+            <a:endParaRPr lang="pt-PT" dirty="0">
+              <a:latin typeface="Tilda Sans" panose="020B0502020204020303" pitchFamily="34" charset="0"/>
+            </a:endParaRPr>
+          </a:p>
+        </p:txBody>
+      </p:sp>
+      <p:sp>
+        <p:nvSpPr>
+          <p:cNvPr id="5" name="Título 1">
+            <a:extLst>
+              <a:ext uri="{FF2B5EF4-FFF2-40B4-BE49-F238E27FC236}">
+                <a16:creationId xmlns:a16="http://schemas.microsoft.com/office/drawing/2014/main" id="{2B9AD018-822E-49C9-8560-F35AF4812D06}"/>
+              </a:ext>
+            </a:extLst>
+          </p:cNvPr>
+          <p:cNvSpPr txBox="1">
+            <a:spLocks/>
+          </p:cNvSpPr>
+          <p:nvPr/>
+        </p:nvSpPr>
+        <p:spPr>
+          <a:xfrm>
+            <a:off x="730249" y="446445"/>
+            <a:ext cx="10058400" cy="999859"/>
+          </a:xfrm>
+          <a:prstGeom prst="rect">
+            <a:avLst/>
+          </a:prstGeom>
+        </p:spPr>
+        <p:txBody>
+          <a:bodyPr vert="horz" lIns="91440" tIns="45720" rIns="91440" bIns="45720" rtlCol="0" anchor="b">
+            <a:noAutofit/>
+          </a:bodyPr>
+          <a:lstStyle>
+            <a:lvl1pPr algn="l" defTabSz="914400" rtl="0" eaLnBrk="1" latinLnBrk="0" hangingPunct="1">
+              <a:lnSpc>
+                <a:spcPct val="90000"/>
+              </a:lnSpc>
+              <a:spcBef>
+                <a:spcPct val="0"/>
+              </a:spcBef>
+              <a:buNone/>
+              <a:defRPr sz="4400" kern="1200" spc="-50" baseline="0">
+                <a:solidFill>
+                  <a:schemeClr val="tx1"/>
+                </a:solidFill>
+                <a:latin typeface="+mj-lt"/>
+                <a:ea typeface="+mj-ea"/>
+                <a:cs typeface="+mj-cs"/>
+              </a:defRPr>
+            </a:lvl1pPr>
+          </a:lstStyle>
+          <a:p>
+            <a:pPr>
+              <a:lnSpc>
+                <a:spcPct val="85000"/>
+              </a:lnSpc>
+            </a:pPr>
+            <a:r>
+              <a:rPr lang="pt-PT" sz="5400" cap="small" dirty="0">
+                <a:latin typeface="Rokkitt" pitchFamily="2" charset="0"/>
+                <a:ea typeface="JetBrains Mono" panose="02000009000000000000" pitchFamily="49" charset="0"/>
+                <a:cs typeface="JetBrains Mono" panose="02000009000000000000" pitchFamily="49" charset="0"/>
+              </a:rPr>
+              <a:t>Estruturas de Dados Utilizadas</a:t>
             </a:r>
           </a:p>
         </p:txBody>
@@ -4501,7 +5994,7 @@
     </p:spTree>
     <p:extLst>
       <p:ext uri="{BB962C8B-B14F-4D97-AF65-F5344CB8AC3E}">
-        <p14:creationId xmlns:p14="http://schemas.microsoft.com/office/powerpoint/2010/main" val="6444874"/>
+        <p14:creationId xmlns:p14="http://schemas.microsoft.com/office/powerpoint/2010/main" val="3830978924"/>
       </p:ext>
     </p:extLst>
   </p:cSld>
@@ -4530,10 +6023,10 @@
       </p:grpSpPr>
       <p:sp>
         <p:nvSpPr>
-          <p:cNvPr id="2" name="Título 1">
+          <p:cNvPr id="3" name="Marcador de Posição de Conteúdo 2">
             <a:extLst>
               <a:ext uri="{FF2B5EF4-FFF2-40B4-BE49-F238E27FC236}">
-                <a16:creationId xmlns:a16="http://schemas.microsoft.com/office/drawing/2014/main" id="{3173C626-23E3-4088-A501-68385B15BD46}"/>
+                <a16:creationId xmlns:a16="http://schemas.microsoft.com/office/drawing/2014/main" id="{AC7FFF11-5276-4E7D-8DB1-3F95B22B2B02}"/>
               </a:ext>
             </a:extLst>
           </p:cNvPr>
@@ -4541,27 +6034,157 @@
             <a:spLocks noGrp="1"/>
           </p:cNvSpPr>
           <p:nvPr>
-            <p:ph type="title"/>
+            <p:ph sz="half" idx="1"/>
           </p:nvPr>
         </p:nvSpPr>
         <p:spPr/>
         <p:txBody>
-          <a:bodyPr/>
+          <a:bodyPr>
+            <a:normAutofit/>
+          </a:bodyPr>
           <a:lstStyle/>
           <a:p>
-            <a:r>
-              <a:rPr lang="pt-PT" dirty="0"/>
-              <a:t>Estruturas de Dados Utilizadas</a:t>
-            </a:r>
-          </a:p>
-        </p:txBody>
-      </p:sp>
-      <p:sp>
-        <p:nvSpPr>
-          <p:cNvPr id="3" name="Marcador de Posição de Conteúdo 2">
+            <a:pPr marL="0" indent="0">
+              <a:buNone/>
+            </a:pPr>
+            <a:r>
+              <a:rPr lang="pt-PT" sz="2000" dirty="0">
+                <a:solidFill>
+                  <a:schemeClr val="tx2"/>
+                </a:solidFill>
+                <a:latin typeface="Tilda Sans" panose="020B0502020204020303" pitchFamily="34" charset="0"/>
+                <a:cs typeface="Segoe UI" panose="020B0502040204020203" pitchFamily="34" charset="0"/>
+              </a:rPr>
+              <a:t>Estrutura de Dados: </a:t>
+            </a:r>
+            <a:r>
+              <a:rPr lang="pt-PT" dirty="0" err="1">
+                <a:latin typeface="Tilda Sans" panose="020B0502020204020303" pitchFamily="34" charset="0"/>
+                <a:cs typeface="Segoe UI" panose="020B0502040204020203" pitchFamily="34" charset="0"/>
+              </a:rPr>
+              <a:t>stl</a:t>
+            </a:r>
+            <a:r>
+              <a:rPr lang="pt-PT" dirty="0">
+                <a:latin typeface="Tilda Sans" panose="020B0502020204020303" pitchFamily="34" charset="0"/>
+                <a:cs typeface="Segoe UI" panose="020B0502040204020203" pitchFamily="34" charset="0"/>
+              </a:rPr>
+              <a:t>::</a:t>
+            </a:r>
+            <a:r>
+              <a:rPr lang="pt-PT" dirty="0" err="1">
+                <a:latin typeface="Tilda Sans" panose="020B0502020204020303" pitchFamily="34" charset="0"/>
+                <a:cs typeface="Segoe UI" panose="020B0502040204020203" pitchFamily="34" charset="0"/>
+              </a:rPr>
+              <a:t>queue</a:t>
+            </a:r>
+            <a:endParaRPr lang="pt-PT" dirty="0">
+              <a:latin typeface="Tilda Sans" panose="020B0502020204020303" pitchFamily="34" charset="0"/>
+              <a:cs typeface="Segoe UI" panose="020B0502040204020203" pitchFamily="34" charset="0"/>
+            </a:endParaRPr>
+          </a:p>
+          <a:p>
+            <a:pPr marL="0" indent="0">
+              <a:buNone/>
+            </a:pPr>
+            <a:r>
+              <a:rPr lang="pt-PT" sz="2000" dirty="0">
+                <a:solidFill>
+                  <a:schemeClr val="tx2"/>
+                </a:solidFill>
+                <a:latin typeface="Tilda Sans" panose="020B0502020204020303" pitchFamily="34" charset="0"/>
+                <a:cs typeface="Segoe UI" panose="020B0502040204020203" pitchFamily="34" charset="0"/>
+              </a:rPr>
+              <a:t>Ficheiro/Classes: </a:t>
+            </a:r>
+            <a:r>
+              <a:rPr lang="pt-PT" dirty="0">
+                <a:latin typeface="Tilda Sans" panose="020B0502020204020303" pitchFamily="34" charset="0"/>
+                <a:cs typeface="Segoe UI" panose="020B0502040204020203" pitchFamily="34" charset="0"/>
+              </a:rPr>
+              <a:t>Gestor</a:t>
+            </a:r>
+          </a:p>
+          <a:p>
+            <a:pPr marL="0" indent="0">
+              <a:buNone/>
+            </a:pPr>
+            <a:r>
+              <a:rPr lang="pt-PT" sz="2000" dirty="0">
+                <a:solidFill>
+                  <a:schemeClr val="tx2"/>
+                </a:solidFill>
+                <a:latin typeface="Tilda Sans" panose="020B0502020204020303" pitchFamily="34" charset="0"/>
+                <a:cs typeface="Segoe UI" panose="020B0502040204020203" pitchFamily="34" charset="0"/>
+              </a:rPr>
+              <a:t>Aplicação: </a:t>
+            </a:r>
+            <a:r>
+              <a:rPr lang="pt-PT" dirty="0">
+                <a:latin typeface="Tilda Sans" panose="020B0502020204020303" pitchFamily="34" charset="0"/>
+                <a:cs typeface="Segoe UI" panose="020B0502040204020203" pitchFamily="34" charset="0"/>
+              </a:rPr>
+              <a:t>Fila de Pedidos e Pedidos Inválidos</a:t>
+            </a:r>
+          </a:p>
+          <a:p>
+            <a:pPr marL="0" indent="0">
+              <a:buNone/>
+            </a:pPr>
+            <a:r>
+              <a:rPr lang="pt-PT" sz="2000" dirty="0">
+                <a:solidFill>
+                  <a:schemeClr val="tx2"/>
+                </a:solidFill>
+                <a:latin typeface="Tilda Sans" panose="020B0502020204020303" pitchFamily="34" charset="0"/>
+                <a:cs typeface="Segoe UI" panose="020B0502040204020203" pitchFamily="34" charset="0"/>
+              </a:rPr>
+              <a:t>Justificação: </a:t>
+            </a:r>
+            <a:r>
+              <a:rPr lang="pt-PT" dirty="0">
+                <a:latin typeface="Tilda Sans" panose="020B0502020204020303" pitchFamily="34" charset="0"/>
+                <a:cs typeface="Segoe UI" panose="020B0502040204020203" pitchFamily="34" charset="0"/>
+              </a:rPr>
+              <a:t>já que uma fila é baseada na ideia de FIFO (</a:t>
+            </a:r>
+            <a:r>
+              <a:rPr lang="pt-PT" dirty="0" err="1">
+                <a:latin typeface="Tilda Sans" panose="020B0502020204020303" pitchFamily="34" charset="0"/>
+                <a:cs typeface="Segoe UI" panose="020B0502040204020203" pitchFamily="34" charset="0"/>
+              </a:rPr>
+              <a:t>first</a:t>
+            </a:r>
+            <a:r>
+              <a:rPr lang="pt-PT" dirty="0">
+                <a:latin typeface="Tilda Sans" panose="020B0502020204020303" pitchFamily="34" charset="0"/>
+                <a:cs typeface="Segoe UI" panose="020B0502040204020203" pitchFamily="34" charset="0"/>
+              </a:rPr>
+              <a:t>-in </a:t>
+            </a:r>
+            <a:r>
+              <a:rPr lang="pt-PT" dirty="0" err="1">
+                <a:latin typeface="Tilda Sans" panose="020B0502020204020303" pitchFamily="34" charset="0"/>
+                <a:cs typeface="Segoe UI" panose="020B0502040204020203" pitchFamily="34" charset="0"/>
+              </a:rPr>
+              <a:t>first</a:t>
+            </a:r>
+            <a:r>
+              <a:rPr lang="pt-PT" dirty="0">
+                <a:latin typeface="Tilda Sans" panose="020B0502020204020303" pitchFamily="34" charset="0"/>
+                <a:cs typeface="Segoe UI" panose="020B0502040204020203" pitchFamily="34" charset="0"/>
+              </a:rPr>
+              <a:t>-out), utilizamo-la para armazenar os pedidos que são, por ordem da sua  emissão, para serem processados cronologicamente; do mesmo modo os pedidos inválidos são guardados cronologicamente para no fim de execução serem guardados num ficheiro de forma sequencial</a:t>
+            </a:r>
+          </a:p>
+        </p:txBody>
+      </p:sp>
+      <p:sp>
+        <p:nvSpPr>
+          <p:cNvPr id="4" name="Marcador de Posição de Conteúdo 3">
             <a:extLst>
               <a:ext uri="{FF2B5EF4-FFF2-40B4-BE49-F238E27FC236}">
-                <a16:creationId xmlns:a16="http://schemas.microsoft.com/office/drawing/2014/main" id="{C3FEBA57-7737-420A-81FC-3D2030E921AD}"/>
+                <a16:creationId xmlns:a16="http://schemas.microsoft.com/office/drawing/2014/main" id="{9B98412B-4E7B-46A0-9D32-0F731C965D5A}"/>
               </a:ext>
             </a:extLst>
           </p:cNvPr>
@@ -4569,77 +6192,203 @@
             <a:spLocks noGrp="1"/>
           </p:cNvSpPr>
           <p:nvPr>
-            <p:ph idx="1"/>
+            <p:ph sz="half" idx="2"/>
           </p:nvPr>
         </p:nvSpPr>
         <p:spPr/>
         <p:txBody>
-          <a:bodyPr/>
+          <a:bodyPr>
+            <a:normAutofit/>
+          </a:bodyPr>
           <a:lstStyle/>
           <a:p>
             <a:pPr marL="0" indent="0">
               <a:buNone/>
             </a:pPr>
             <a:r>
-              <a:rPr lang="pt-PT" dirty="0"/>
-              <a:t>Gestor: </a:t>
-            </a:r>
-            <a:r>
-              <a:rPr lang="pt-PT" dirty="0" err="1"/>
-              <a:t>Queue</a:t>
-            </a:r>
-            <a:r>
-              <a:rPr lang="pt-PT" dirty="0"/>
-              <a:t> de Pedidos e Pedidos Inválidos (utilizando a ideia de FIFO (</a:t>
-            </a:r>
-            <a:r>
-              <a:rPr lang="pt-PT" dirty="0" err="1"/>
+              <a:rPr lang="pt-PT" sz="1800" dirty="0">
+                <a:solidFill>
+                  <a:schemeClr val="tx2"/>
+                </a:solidFill>
+                <a:latin typeface="Tilda Sans" panose="020B0502020204020303" pitchFamily="34" charset="0"/>
+              </a:rPr>
+              <a:t>Estrutura de Dados: </a:t>
+            </a:r>
+            <a:r>
+              <a:rPr lang="pt-PT" sz="1800" dirty="0" err="1">
+                <a:latin typeface="Tilda Sans" panose="020B0502020204020303" pitchFamily="34" charset="0"/>
+              </a:rPr>
+              <a:t>stl</a:t>
+            </a:r>
+            <a:r>
+              <a:rPr lang="pt-PT" sz="1800" dirty="0">
+                <a:latin typeface="Tilda Sans" panose="020B0502020204020303" pitchFamily="34" charset="0"/>
+              </a:rPr>
+              <a:t>::</a:t>
+            </a:r>
+            <a:r>
+              <a:rPr lang="pt-PT" sz="1800" dirty="0" err="1">
+                <a:latin typeface="Tilda Sans" panose="020B0502020204020303" pitchFamily="34" charset="0"/>
+              </a:rPr>
+              <a:t>stack</a:t>
+            </a:r>
+            <a:endParaRPr lang="pt-PT" sz="1800" dirty="0">
+              <a:latin typeface="Tilda Sans" panose="020B0502020204020303" pitchFamily="34" charset="0"/>
+            </a:endParaRPr>
+          </a:p>
+          <a:p>
+            <a:pPr marL="0" indent="0">
+              <a:buNone/>
+            </a:pPr>
+            <a:r>
+              <a:rPr lang="pt-PT" sz="1800" dirty="0">
+                <a:solidFill>
+                  <a:schemeClr val="tx2"/>
+                </a:solidFill>
+                <a:latin typeface="Tilda Sans" panose="020B0502020204020303" pitchFamily="34" charset="0"/>
+              </a:rPr>
+              <a:t>Ficheiro/Classes: </a:t>
+            </a:r>
+            <a:r>
+              <a:rPr lang="pt-PT" sz="1800" dirty="0">
+                <a:latin typeface="Tilda Sans" panose="020B0502020204020303" pitchFamily="34" charset="0"/>
+              </a:rPr>
+              <a:t>Gestor</a:t>
+            </a:r>
+          </a:p>
+          <a:p>
+            <a:pPr marL="0" indent="0">
+              <a:buNone/>
+            </a:pPr>
+            <a:r>
+              <a:rPr lang="pt-PT" sz="1800" dirty="0">
+                <a:solidFill>
+                  <a:schemeClr val="tx2"/>
+                </a:solidFill>
+                <a:latin typeface="Tilda Sans" panose="020B0502020204020303" pitchFamily="34" charset="0"/>
+              </a:rPr>
+              <a:t>Aplicação: </a:t>
+            </a:r>
+            <a:r>
+              <a:rPr lang="pt-PT" dirty="0">
+                <a:latin typeface="Tilda Sans" panose="020B0502020204020303" pitchFamily="34" charset="0"/>
+              </a:rPr>
+              <a:t>Pilha de Pedidos Realizados </a:t>
+            </a:r>
+          </a:p>
+          <a:p>
+            <a:pPr marL="0" indent="0">
+              <a:buNone/>
+            </a:pPr>
+            <a:r>
+              <a:rPr lang="pt-PT" dirty="0">
+                <a:solidFill>
+                  <a:schemeClr val="tx2"/>
+                </a:solidFill>
+                <a:latin typeface="Tilda Sans" panose="020B0502020204020303" pitchFamily="34" charset="0"/>
+              </a:rPr>
+              <a:t>Justificação: </a:t>
+            </a:r>
+            <a:r>
+              <a:rPr lang="pt-PT" dirty="0">
+                <a:latin typeface="Tilda Sans" panose="020B0502020204020303" pitchFamily="34" charset="0"/>
+              </a:rPr>
+              <a:t>uma vez que uma das funcionalidades mencionadas é a de desfazer o último pedido realizado, os pedidos realizados com sucesso são colocados numa estrutura de LIFO (</a:t>
+            </a:r>
+            <a:r>
+              <a:rPr lang="pt-PT" dirty="0" err="1">
+                <a:latin typeface="Tilda Sans" panose="020B0502020204020303" pitchFamily="34" charset="0"/>
+              </a:rPr>
+              <a:t>last</a:t>
+            </a:r>
+            <a:r>
+              <a:rPr lang="pt-PT" dirty="0">
+                <a:latin typeface="Tilda Sans" panose="020B0502020204020303" pitchFamily="34" charset="0"/>
+              </a:rPr>
+              <a:t>-in </a:t>
+            </a:r>
+            <a:r>
+              <a:rPr lang="pt-PT" dirty="0" err="1">
+                <a:latin typeface="Tilda Sans" panose="020B0502020204020303" pitchFamily="34" charset="0"/>
+              </a:rPr>
               <a:t>first</a:t>
             </a:r>
             <a:r>
-              <a:rPr lang="pt-PT" dirty="0"/>
-              <a:t>-in </a:t>
-            </a:r>
-            <a:r>
-              <a:rPr lang="pt-PT" dirty="0" err="1"/>
-              <a:t>first</a:t>
-            </a:r>
-            <a:r>
-              <a:rPr lang="pt-PT" dirty="0"/>
-              <a:t>-out), os pedidos que são criado são armazenados por ordem de emissão para serem processados cronologicamente; do mesmo modo os pedidos inválidos são guardados assim para no fim de execução serem guardados por ordem de criação)</a:t>
+              <a:rPr lang="pt-PT" dirty="0">
+                <a:latin typeface="Tilda Sans" panose="020B0502020204020303" pitchFamily="34" charset="0"/>
+              </a:rPr>
+              <a:t>-out) para que seja possível aceder ao mais recente e, de seguida, desfazer a ação de acordo com o tipo de pedido em questão</a:t>
             </a:r>
           </a:p>
           <a:p>
             <a:pPr marL="0" indent="0">
               <a:buNone/>
             </a:pPr>
-            <a:r>
-              <a:rPr lang="pt-PT" dirty="0"/>
-              <a:t>Gestor: </a:t>
-            </a:r>
-            <a:r>
-              <a:rPr lang="pt-PT" dirty="0" err="1"/>
-              <a:t>Stack</a:t>
-            </a:r>
-            <a:r>
-              <a:rPr lang="pt-PT" dirty="0"/>
-              <a:t> de Pedidos Realizados (uma vez que é possível desfazer o último pedido realizado, os pedidos realizados com sucesso são colocados numa estrutura de LIFO (</a:t>
-            </a:r>
-            <a:r>
-              <a:rPr lang="pt-PT" dirty="0" err="1"/>
-              <a:t>last</a:t>
-            </a:r>
-            <a:r>
-              <a:rPr lang="pt-PT" dirty="0"/>
-              <a:t>-in </a:t>
-            </a:r>
-            <a:r>
-              <a:rPr lang="pt-PT" dirty="0" err="1"/>
-              <a:t>first</a:t>
-            </a:r>
-            <a:r>
-              <a:rPr lang="pt-PT" dirty="0"/>
-              <a:t>-out) para que seja possível aceder ao mais recente e desfazer a ação de acordo com o tipo de pedido em questão)</a:t>
+            <a:endParaRPr lang="pt-PT" dirty="0">
+              <a:latin typeface="Tilda Sans" panose="020B0502020204020303" pitchFamily="34" charset="0"/>
+            </a:endParaRPr>
+          </a:p>
+        </p:txBody>
+      </p:sp>
+      <p:sp>
+        <p:nvSpPr>
+          <p:cNvPr id="5" name="Título 1">
+            <a:extLst>
+              <a:ext uri="{FF2B5EF4-FFF2-40B4-BE49-F238E27FC236}">
+                <a16:creationId xmlns:a16="http://schemas.microsoft.com/office/drawing/2014/main" id="{2B9AD018-822E-49C9-8560-F35AF4812D06}"/>
+              </a:ext>
+            </a:extLst>
+          </p:cNvPr>
+          <p:cNvSpPr txBox="1">
+            <a:spLocks/>
+          </p:cNvSpPr>
+          <p:nvPr/>
+        </p:nvSpPr>
+        <p:spPr>
+          <a:xfrm>
+            <a:off x="730249" y="446445"/>
+            <a:ext cx="10058400" cy="999859"/>
+          </a:xfrm>
+          <a:prstGeom prst="rect">
+            <a:avLst/>
+          </a:prstGeom>
+        </p:spPr>
+        <p:txBody>
+          <a:bodyPr vert="horz" lIns="91440" tIns="45720" rIns="91440" bIns="45720" rtlCol="0" anchor="b">
+            <a:noAutofit/>
+          </a:bodyPr>
+          <a:lstStyle>
+            <a:lvl1pPr algn="l" defTabSz="914400" rtl="0" eaLnBrk="1" latinLnBrk="0" hangingPunct="1">
+              <a:lnSpc>
+                <a:spcPct val="90000"/>
+              </a:lnSpc>
+              <a:spcBef>
+                <a:spcPct val="0"/>
+              </a:spcBef>
+              <a:buNone/>
+              <a:defRPr sz="4400" kern="1200" spc="-50" baseline="0">
+                <a:solidFill>
+                  <a:schemeClr val="tx1"/>
+                </a:solidFill>
+                <a:latin typeface="+mj-lt"/>
+                <a:ea typeface="+mj-ea"/>
+                <a:cs typeface="+mj-cs"/>
+              </a:defRPr>
+            </a:lvl1pPr>
+          </a:lstStyle>
+          <a:p>
+            <a:pPr>
+              <a:lnSpc>
+                <a:spcPct val="85000"/>
+              </a:lnSpc>
+            </a:pPr>
+            <a:r>
+              <a:rPr lang="pt-PT" sz="5400" cap="small" dirty="0">
+                <a:latin typeface="Rokkitt" pitchFamily="2" charset="0"/>
+                <a:ea typeface="JetBrains Mono" panose="02000009000000000000" pitchFamily="49" charset="0"/>
+                <a:cs typeface="JetBrains Mono" panose="02000009000000000000" pitchFamily="49" charset="0"/>
+              </a:rPr>
+              <a:t>Estruturas de Dados Utilizadas</a:t>
             </a:r>
           </a:p>
         </p:txBody>
@@ -4647,7 +6396,7 @@
     </p:spTree>
     <p:extLst>
       <p:ext uri="{BB962C8B-B14F-4D97-AF65-F5344CB8AC3E}">
-        <p14:creationId xmlns:p14="http://schemas.microsoft.com/office/powerpoint/2010/main" val="3011985987"/>
+        <p14:creationId xmlns:p14="http://schemas.microsoft.com/office/powerpoint/2010/main" val="896449791"/>
       </p:ext>
     </p:extLst>
   </p:cSld>
@@ -4676,10 +6425,10 @@
       </p:grpSpPr>
       <p:sp>
         <p:nvSpPr>
-          <p:cNvPr id="2" name="Título 1">
+          <p:cNvPr id="3" name="Marcador de Posição de Conteúdo 2">
             <a:extLst>
               <a:ext uri="{FF2B5EF4-FFF2-40B4-BE49-F238E27FC236}">
-                <a16:creationId xmlns:a16="http://schemas.microsoft.com/office/drawing/2014/main" id="{1F93443D-6990-4DD3-A6FD-788E7E0DF31A}"/>
+                <a16:creationId xmlns:a16="http://schemas.microsoft.com/office/drawing/2014/main" id="{AC7FFF11-5276-4E7D-8DB1-3F95B22B2B02}"/>
               </a:ext>
             </a:extLst>
           </p:cNvPr>
@@ -4687,27 +6436,117 @@
             <a:spLocks noGrp="1"/>
           </p:cNvSpPr>
           <p:nvPr>
-            <p:ph type="title"/>
+            <p:ph sz="half" idx="1"/>
           </p:nvPr>
         </p:nvSpPr>
-        <p:spPr/>
-        <p:txBody>
-          <a:bodyPr/>
+        <p:spPr>
+          <a:xfrm>
+            <a:off x="1261872" y="1828800"/>
+            <a:ext cx="4480560" cy="4351337"/>
+          </a:xfrm>
+        </p:spPr>
+        <p:txBody>
+          <a:bodyPr>
+            <a:normAutofit fontScale="92500" lnSpcReduction="10000"/>
+          </a:bodyPr>
           <a:lstStyle/>
           <a:p>
-            <a:r>
-              <a:rPr lang="pt-PT" dirty="0"/>
-              <a:t>Estruturas de Dados Utilizadas</a:t>
-            </a:r>
-          </a:p>
-        </p:txBody>
-      </p:sp>
-      <p:sp>
-        <p:nvSpPr>
-          <p:cNvPr id="3" name="Marcador de Posição de Conteúdo 2">
+            <a:pPr marL="0" indent="0">
+              <a:buNone/>
+            </a:pPr>
+            <a:r>
+              <a:rPr lang="pt-PT" sz="2000" dirty="0">
+                <a:solidFill>
+                  <a:schemeClr val="tx2"/>
+                </a:solidFill>
+                <a:latin typeface="Tilda Sans" panose="020B0502020204020303" pitchFamily="34" charset="0"/>
+              </a:rPr>
+              <a:t>Estrutura de Dados: </a:t>
+            </a:r>
+            <a:r>
+              <a:rPr lang="pt-PT" dirty="0" err="1">
+                <a:latin typeface="Tilda Sans" panose="020B0502020204020303" pitchFamily="34" charset="0"/>
+              </a:rPr>
+              <a:t>stl</a:t>
+            </a:r>
+            <a:r>
+              <a:rPr lang="pt-PT" dirty="0">
+                <a:latin typeface="Tilda Sans" panose="020B0502020204020303" pitchFamily="34" charset="0"/>
+              </a:rPr>
+              <a:t>::set</a:t>
+            </a:r>
+          </a:p>
+          <a:p>
+            <a:pPr marL="0" indent="0">
+              <a:buNone/>
+            </a:pPr>
+            <a:r>
+              <a:rPr lang="pt-PT" sz="2000" dirty="0">
+                <a:solidFill>
+                  <a:schemeClr val="tx2"/>
+                </a:solidFill>
+                <a:latin typeface="Tilda Sans" panose="020B0502020204020303" pitchFamily="34" charset="0"/>
+              </a:rPr>
+              <a:t>Ficheiro/Classes: </a:t>
+            </a:r>
+            <a:r>
+              <a:rPr lang="pt-PT" dirty="0">
+                <a:latin typeface="Tilda Sans" panose="020B0502020204020303" pitchFamily="34" charset="0"/>
+              </a:rPr>
+              <a:t>Gestor</a:t>
+            </a:r>
+          </a:p>
+          <a:p>
+            <a:pPr marL="0" indent="0">
+              <a:buNone/>
+            </a:pPr>
+            <a:r>
+              <a:rPr lang="pt-PT" sz="2000" dirty="0">
+                <a:solidFill>
+                  <a:schemeClr val="tx2"/>
+                </a:solidFill>
+                <a:latin typeface="Tilda Sans" panose="020B0502020204020303" pitchFamily="34" charset="0"/>
+              </a:rPr>
+              <a:t>Aplicação: S</a:t>
+            </a:r>
+            <a:r>
+              <a:rPr lang="pt-PT" dirty="0">
+                <a:latin typeface="Tilda Sans" panose="020B0502020204020303" pitchFamily="34" charset="0"/>
+              </a:rPr>
+              <a:t>et (BST) de Par(Aula, Turma) e Set de Estudantes </a:t>
+            </a:r>
+          </a:p>
+          <a:p>
+            <a:pPr marL="0" indent="0">
+              <a:buNone/>
+            </a:pPr>
+            <a:r>
+              <a:rPr lang="pt-PT" sz="2000" dirty="0">
+                <a:solidFill>
+                  <a:schemeClr val="tx2"/>
+                </a:solidFill>
+                <a:latin typeface="Tilda Sans" panose="020B0502020204020303" pitchFamily="34" charset="0"/>
+              </a:rPr>
+              <a:t>Justificação: </a:t>
+            </a:r>
+            <a:r>
+              <a:rPr lang="pt-PT" dirty="0">
+                <a:latin typeface="Tilda Sans" panose="020B0502020204020303" pitchFamily="34" charset="0"/>
+              </a:rPr>
+              <a:t>Recorremos a árvores binárias para as funcionalidades que implicam a apresentação de dados filtrados e ordenados, uma vez que a construção destas estruturas de dados é baseada numa ordem específica, na inserção sucessiva de novos elementos e a sua iteração é apresentada por essa ordem, utilizamos esta estrutura nas funções de apresentação de horários e nas listagens de alunos</a:t>
+            </a:r>
+            <a:endParaRPr lang="pt-PT" sz="2100" dirty="0">
+              <a:latin typeface="Tilda Sans" panose="020B0502020204020303" pitchFamily="34" charset="0"/>
+            </a:endParaRPr>
+          </a:p>
+        </p:txBody>
+      </p:sp>
+      <p:sp>
+        <p:nvSpPr>
+          <p:cNvPr id="4" name="Marcador de Posição de Conteúdo 3">
             <a:extLst>
               <a:ext uri="{FF2B5EF4-FFF2-40B4-BE49-F238E27FC236}">
-                <a16:creationId xmlns:a16="http://schemas.microsoft.com/office/drawing/2014/main" id="{E75BC440-E0BC-429C-A309-5F3AF3F0EBE7}"/>
+                <a16:creationId xmlns:a16="http://schemas.microsoft.com/office/drawing/2014/main" id="{9B98412B-4E7B-46A0-9D32-0F731C965D5A}"/>
               </a:ext>
             </a:extLst>
           </p:cNvPr>
@@ -4715,28 +6554,191 @@
             <a:spLocks noGrp="1"/>
           </p:cNvSpPr>
           <p:nvPr>
-            <p:ph idx="1"/>
+            <p:ph sz="half" idx="2"/>
           </p:nvPr>
         </p:nvSpPr>
         <p:spPr/>
         <p:txBody>
-          <a:bodyPr/>
+          <a:bodyPr>
+            <a:normAutofit fontScale="92500" lnSpcReduction="10000"/>
+          </a:bodyPr>
           <a:lstStyle/>
           <a:p>
+            <a:pPr marL="0" indent="0" algn="ctr">
+              <a:buNone/>
+            </a:pPr>
+            <a:r>
+              <a:rPr lang="pt-PT" sz="2400" b="1" dirty="0">
+                <a:solidFill>
+                  <a:schemeClr val="tx2"/>
+                </a:solidFill>
+                <a:latin typeface="Tilda Sans Bold" panose="020B0702020204020303" pitchFamily="34" charset="0"/>
+              </a:rPr>
+              <a:t>Algoritmos Usados</a:t>
+            </a:r>
+            <a:endParaRPr lang="pt-PT" sz="2400" b="1" dirty="0">
+              <a:latin typeface="Tilda Sans Bold" panose="020B0702020204020303" pitchFamily="34" charset="0"/>
+            </a:endParaRPr>
+          </a:p>
+          <a:p>
             <a:pPr marL="0" indent="0">
               <a:buNone/>
             </a:pPr>
             <a:r>
-              <a:rPr lang="pt-PT" dirty="0"/>
-              <a:t>Gestor: set (BST) de </a:t>
-            </a:r>
-            <a:r>
-              <a:rPr lang="pt-PT" dirty="0" err="1"/>
-              <a:t>Aulas+Turma</a:t>
-            </a:r>
-            <a:r>
-              <a:rPr lang="pt-PT" dirty="0"/>
-              <a:t> e Estudantes (recorremos a árvores binárias para as funcionalidades que implicam a apresentação de dados filtrados e ordenados. Uma vez que a construção destas estruturas de dados baseia-se numa ordenação de específica e na inserção sucessiva de novos elementos e a sua iteração é apresentada por essa ordem, utilizamos esta estrutura nas funções de apresentação de horários e nas listagens de alunos)</a:t>
+              <a:rPr lang="pt-PT" dirty="0">
+                <a:latin typeface="Tilda Sans" panose="020B0502020204020303" pitchFamily="34" charset="0"/>
+              </a:rPr>
+              <a:t>	Em várias funções do Gestor, recorremos também ao uso de algoritmos de pesquisa e ordenação, tanto existentes na STL como implementados por nós no sentido do projeto.</a:t>
+            </a:r>
+          </a:p>
+          <a:p>
+            <a:pPr marL="0" indent="0">
+              <a:buNone/>
+            </a:pPr>
+            <a:r>
+              <a:rPr lang="pt-PT" dirty="0">
+                <a:latin typeface="Tilda Sans" panose="020B0502020204020303" pitchFamily="34" charset="0"/>
+              </a:rPr>
+              <a:t>	Estes algoritmos foram usados para permitir uma maior otimização do código e formatação de output correta e ordenada.</a:t>
+            </a:r>
+          </a:p>
+          <a:p>
+            <a:pPr marL="0" indent="0">
+              <a:spcBef>
+                <a:spcPts val="600"/>
+              </a:spcBef>
+              <a:buNone/>
+            </a:pPr>
+            <a:r>
+              <a:rPr lang="pt-PT" dirty="0">
+                <a:latin typeface="Tilda Sans" panose="020B0502020204020303" pitchFamily="34" charset="0"/>
+              </a:rPr>
+              <a:t>Exemplos:</a:t>
+            </a:r>
+          </a:p>
+          <a:p>
+            <a:pPr>
+              <a:spcBef>
+                <a:spcPts val="600"/>
+              </a:spcBef>
+            </a:pPr>
+            <a:r>
+              <a:rPr lang="pt-PT" dirty="0" err="1">
+                <a:latin typeface="Tilda Sans" panose="020B0502020204020303" pitchFamily="34" charset="0"/>
+              </a:rPr>
+              <a:t>Binary_search</a:t>
+            </a:r>
+            <a:r>
+              <a:rPr lang="pt-PT" dirty="0">
+                <a:latin typeface="Tilda Sans" panose="020B0502020204020303" pitchFamily="34" charset="0"/>
+              </a:rPr>
+              <a:t> dentro do vetor de estudantes a fim de determinar o seu </a:t>
+            </a:r>
+            <a:r>
+              <a:rPr lang="pt-PT" dirty="0" err="1">
+                <a:latin typeface="Tilda Sans" panose="020B0502020204020303" pitchFamily="34" charset="0"/>
+              </a:rPr>
+              <a:t>index</a:t>
+            </a:r>
+            <a:r>
+              <a:rPr lang="pt-PT" dirty="0">
+                <a:latin typeface="Tilda Sans" panose="020B0502020204020303" pitchFamily="34" charset="0"/>
+              </a:rPr>
+              <a:t>, dado o código</a:t>
+            </a:r>
+          </a:p>
+          <a:p>
+            <a:pPr>
+              <a:spcBef>
+                <a:spcPts val="600"/>
+              </a:spcBef>
+            </a:pPr>
+            <a:r>
+              <a:rPr lang="pt-PT" dirty="0" err="1">
+                <a:latin typeface="Tilda Sans" panose="020B0502020204020303" pitchFamily="34" charset="0"/>
+              </a:rPr>
+              <a:t>stl</a:t>
+            </a:r>
+            <a:r>
+              <a:rPr lang="pt-PT" dirty="0">
+                <a:latin typeface="Tilda Sans" panose="020B0502020204020303" pitchFamily="34" charset="0"/>
+              </a:rPr>
+              <a:t>::</a:t>
+            </a:r>
+            <a:r>
+              <a:rPr lang="pt-PT" dirty="0" err="1">
+                <a:latin typeface="Tilda Sans" panose="020B0502020204020303" pitchFamily="34" charset="0"/>
+              </a:rPr>
+              <a:t>sort</a:t>
+            </a:r>
+            <a:r>
+              <a:rPr lang="pt-PT" dirty="0">
+                <a:latin typeface="Tilda Sans" panose="020B0502020204020303" pitchFamily="34" charset="0"/>
+              </a:rPr>
+              <a:t> aplicado ao vetor de turmas e estudantes no interior do gestor</a:t>
+            </a:r>
+          </a:p>
+        </p:txBody>
+      </p:sp>
+      <p:sp>
+        <p:nvSpPr>
+          <p:cNvPr id="5" name="Título 1">
+            <a:extLst>
+              <a:ext uri="{FF2B5EF4-FFF2-40B4-BE49-F238E27FC236}">
+                <a16:creationId xmlns:a16="http://schemas.microsoft.com/office/drawing/2014/main" id="{2B9AD018-822E-49C9-8560-F35AF4812D06}"/>
+              </a:ext>
+            </a:extLst>
+          </p:cNvPr>
+          <p:cNvSpPr txBox="1">
+            <a:spLocks/>
+          </p:cNvSpPr>
+          <p:nvPr/>
+        </p:nvSpPr>
+        <p:spPr>
+          <a:xfrm>
+            <a:off x="730249" y="446445"/>
+            <a:ext cx="10058400" cy="999859"/>
+          </a:xfrm>
+          <a:prstGeom prst="rect">
+            <a:avLst/>
+          </a:prstGeom>
+        </p:spPr>
+        <p:txBody>
+          <a:bodyPr vert="horz" lIns="91440" tIns="45720" rIns="91440" bIns="45720" rtlCol="0" anchor="b">
+            <a:noAutofit/>
+          </a:bodyPr>
+          <a:lstStyle>
+            <a:lvl1pPr algn="l" defTabSz="914400" rtl="0" eaLnBrk="1" latinLnBrk="0" hangingPunct="1">
+              <a:lnSpc>
+                <a:spcPct val="90000"/>
+              </a:lnSpc>
+              <a:spcBef>
+                <a:spcPct val="0"/>
+              </a:spcBef>
+              <a:buNone/>
+              <a:defRPr sz="4400" kern="1200" spc="-50" baseline="0">
+                <a:solidFill>
+                  <a:schemeClr val="tx1"/>
+                </a:solidFill>
+                <a:latin typeface="+mj-lt"/>
+                <a:ea typeface="+mj-ea"/>
+                <a:cs typeface="+mj-cs"/>
+              </a:defRPr>
+            </a:lvl1pPr>
+          </a:lstStyle>
+          <a:p>
+            <a:pPr>
+              <a:lnSpc>
+                <a:spcPct val="85000"/>
+              </a:lnSpc>
+            </a:pPr>
+            <a:r>
+              <a:rPr lang="pt-PT" sz="5400" cap="small" dirty="0">
+                <a:latin typeface="Rokkitt" pitchFamily="2" charset="0"/>
+                <a:ea typeface="JetBrains Mono" panose="02000009000000000000" pitchFamily="49" charset="0"/>
+                <a:cs typeface="JetBrains Mono" panose="02000009000000000000" pitchFamily="49" charset="0"/>
+              </a:rPr>
+              <a:t>Estruturas de Dados Utilizadas</a:t>
             </a:r>
           </a:p>
         </p:txBody>
@@ -4744,7 +6746,812 @@
     </p:spTree>
     <p:extLst>
       <p:ext uri="{BB962C8B-B14F-4D97-AF65-F5344CB8AC3E}">
-        <p14:creationId xmlns:p14="http://schemas.microsoft.com/office/powerpoint/2010/main" val="2140139116"/>
+        <p14:creationId xmlns:p14="http://schemas.microsoft.com/office/powerpoint/2010/main" val="3201467750"/>
+      </p:ext>
+    </p:extLst>
+  </p:cSld>
+  <p:clrMapOvr>
+    <a:masterClrMapping/>
+  </p:clrMapOvr>
+</p:sld>
+</file>
+
+<file path=ppt/slides/slide8.xml><?xml version="1.0" encoding="utf-8"?>
+<p:sld xmlns:a="http://schemas.openxmlformats.org/drawingml/2006/main" xmlns:r="http://schemas.openxmlformats.org/officeDocument/2006/relationships" xmlns:p="http://schemas.openxmlformats.org/presentationml/2006/main">
+  <p:cSld>
+    <p:spTree>
+      <p:nvGrpSpPr>
+        <p:cNvPr id="1" name=""/>
+        <p:cNvGrpSpPr/>
+        <p:nvPr/>
+      </p:nvGrpSpPr>
+      <p:grpSpPr>
+        <a:xfrm>
+          <a:off x="0" y="0"/>
+          <a:ext cx="0" cy="0"/>
+          <a:chOff x="0" y="0"/>
+          <a:chExt cx="0" cy="0"/>
+        </a:xfrm>
+      </p:grpSpPr>
+      <p:sp>
+        <p:nvSpPr>
+          <p:cNvPr id="3" name="Marcador de Posição de Conteúdo 2">
+            <a:extLst>
+              <a:ext uri="{FF2B5EF4-FFF2-40B4-BE49-F238E27FC236}">
+                <a16:creationId xmlns:a16="http://schemas.microsoft.com/office/drawing/2014/main" id="{AC7FFF11-5276-4E7D-8DB1-3F95B22B2B02}"/>
+              </a:ext>
+            </a:extLst>
+          </p:cNvPr>
+          <p:cNvSpPr>
+            <a:spLocks noGrp="1"/>
+          </p:cNvSpPr>
+          <p:nvPr>
+            <p:ph sz="half" idx="1"/>
+          </p:nvPr>
+        </p:nvSpPr>
+        <p:spPr>
+          <a:xfrm>
+            <a:off x="1261871" y="1828800"/>
+            <a:ext cx="8830711" cy="4351337"/>
+          </a:xfrm>
+        </p:spPr>
+        <p:txBody>
+          <a:bodyPr>
+            <a:normAutofit/>
+          </a:bodyPr>
+          <a:lstStyle/>
+          <a:p>
+            <a:pPr marL="0" indent="0">
+              <a:buNone/>
+            </a:pPr>
+            <a:r>
+              <a:rPr lang="pt-PT" sz="2000" dirty="0">
+                <a:latin typeface="Tilda Sans" panose="020B0502020204020303" pitchFamily="34" charset="0"/>
+              </a:rPr>
+              <a:t>	No que toca à documentação, a mesma foi gerada usando o </a:t>
+            </a:r>
+            <a:r>
+              <a:rPr lang="pt-PT" sz="2000" dirty="0" err="1">
+                <a:latin typeface="Tilda Sans" panose="020B0502020204020303" pitchFamily="34" charset="0"/>
+              </a:rPr>
+              <a:t>Doxygen</a:t>
+            </a:r>
+            <a:r>
+              <a:rPr lang="pt-PT" sz="2000" dirty="0">
+                <a:latin typeface="Tilda Sans" panose="020B0502020204020303" pitchFamily="34" charset="0"/>
+              </a:rPr>
+              <a:t>, tal como era pedido na descrição do projeto. Desta faz parte:</a:t>
+            </a:r>
+          </a:p>
+          <a:p>
+            <a:pPr>
+              <a:buFont typeface="Wingdings" panose="05000000000000000000" pitchFamily="2" charset="2"/>
+              <a:buChar char="q"/>
+            </a:pPr>
+            <a:r>
+              <a:rPr lang="pt-PT" sz="2000" dirty="0">
+                <a:latin typeface="Tilda Sans" panose="020B0502020204020303" pitchFamily="34" charset="0"/>
+              </a:rPr>
+              <a:t>  Descrição simples das classes usadas no projeto e da sua função</a:t>
+            </a:r>
+          </a:p>
+          <a:p>
+            <a:pPr>
+              <a:buFont typeface="Wingdings" panose="05000000000000000000" pitchFamily="2" charset="2"/>
+              <a:buChar char="q"/>
+            </a:pPr>
+            <a:r>
+              <a:rPr lang="pt-PT" sz="2000" dirty="0">
+                <a:latin typeface="Tilda Sans" panose="020B0502020204020303" pitchFamily="34" charset="0"/>
+              </a:rPr>
+              <a:t>  Atributos e funções membro de todas as classes da função</a:t>
+            </a:r>
+          </a:p>
+          <a:p>
+            <a:pPr>
+              <a:buFont typeface="Wingdings" panose="05000000000000000000" pitchFamily="2" charset="2"/>
+              <a:buChar char="q"/>
+            </a:pPr>
+            <a:r>
+              <a:rPr lang="pt-PT" sz="2000" dirty="0">
+                <a:latin typeface="Tilda Sans" panose="020B0502020204020303" pitchFamily="34" charset="0"/>
+              </a:rPr>
+              <a:t>  Descrição detalhada das funções e algoritmos mais importantes da classe Gestor, assim como a sua complexidade temporal associada</a:t>
+            </a:r>
+          </a:p>
+          <a:p>
+            <a:pPr marL="0" indent="0">
+              <a:buNone/>
+            </a:pPr>
+            <a:endParaRPr lang="pt-PT" sz="2000" dirty="0">
+              <a:latin typeface="Tilda Sans" panose="020B0502020204020303" pitchFamily="34" charset="0"/>
+            </a:endParaRPr>
+          </a:p>
+        </p:txBody>
+      </p:sp>
+      <p:sp>
+        <p:nvSpPr>
+          <p:cNvPr id="5" name="Título 1">
+            <a:extLst>
+              <a:ext uri="{FF2B5EF4-FFF2-40B4-BE49-F238E27FC236}">
+                <a16:creationId xmlns:a16="http://schemas.microsoft.com/office/drawing/2014/main" id="{2B9AD018-822E-49C9-8560-F35AF4812D06}"/>
+              </a:ext>
+            </a:extLst>
+          </p:cNvPr>
+          <p:cNvSpPr txBox="1">
+            <a:spLocks/>
+          </p:cNvSpPr>
+          <p:nvPr/>
+        </p:nvSpPr>
+        <p:spPr>
+          <a:xfrm>
+            <a:off x="730249" y="446445"/>
+            <a:ext cx="10058400" cy="999859"/>
+          </a:xfrm>
+          <a:prstGeom prst="rect">
+            <a:avLst/>
+          </a:prstGeom>
+        </p:spPr>
+        <p:txBody>
+          <a:bodyPr vert="horz" lIns="91440" tIns="45720" rIns="91440" bIns="45720" rtlCol="0" anchor="b">
+            <a:noAutofit/>
+          </a:bodyPr>
+          <a:lstStyle>
+            <a:lvl1pPr algn="l" defTabSz="914400" rtl="0" eaLnBrk="1" latinLnBrk="0" hangingPunct="1">
+              <a:lnSpc>
+                <a:spcPct val="90000"/>
+              </a:lnSpc>
+              <a:spcBef>
+                <a:spcPct val="0"/>
+              </a:spcBef>
+              <a:buNone/>
+              <a:defRPr sz="4400" kern="1200" spc="-50" baseline="0">
+                <a:solidFill>
+                  <a:schemeClr val="tx1"/>
+                </a:solidFill>
+                <a:latin typeface="+mj-lt"/>
+                <a:ea typeface="+mj-ea"/>
+                <a:cs typeface="+mj-cs"/>
+              </a:defRPr>
+            </a:lvl1pPr>
+          </a:lstStyle>
+          <a:p>
+            <a:pPr>
+              <a:lnSpc>
+                <a:spcPct val="85000"/>
+              </a:lnSpc>
+            </a:pPr>
+            <a:r>
+              <a:rPr lang="pt-PT" sz="5400" cap="small" dirty="0">
+                <a:latin typeface="Rokkitt" pitchFamily="2" charset="0"/>
+                <a:ea typeface="JetBrains Mono" panose="02000009000000000000" pitchFamily="49" charset="0"/>
+                <a:cs typeface="JetBrains Mono" panose="02000009000000000000" pitchFamily="49" charset="0"/>
+              </a:rPr>
+              <a:t>Documentação do Código</a:t>
+            </a:r>
+          </a:p>
+        </p:txBody>
+      </p:sp>
+      <p:pic>
+        <p:nvPicPr>
+          <p:cNvPr id="1026" name="Picture 2">
+            <a:extLst>
+              <a:ext uri="{FF2B5EF4-FFF2-40B4-BE49-F238E27FC236}">
+                <a16:creationId xmlns:a16="http://schemas.microsoft.com/office/drawing/2014/main" id="{F40F86D4-C640-470F-9871-0844B1C7AF9E}"/>
+              </a:ext>
+            </a:extLst>
+          </p:cNvPr>
+          <p:cNvPicPr>
+            <a:picLocks noChangeAspect="1" noChangeArrowheads="1"/>
+          </p:cNvPicPr>
+          <p:nvPr/>
+        </p:nvPicPr>
+        <p:blipFill>
+          <a:blip r:embed="rId2">
+            <a:extLst>
+              <a:ext uri="{28A0092B-C50C-407E-A947-70E740481C1C}">
+                <a14:useLocalDpi xmlns:a14="http://schemas.microsoft.com/office/drawing/2010/main" val="0"/>
+              </a:ext>
+            </a:extLst>
+          </a:blip>
+          <a:srcRect/>
+          <a:stretch>
+            <a:fillRect/>
+          </a:stretch>
+        </p:blipFill>
+        <p:spPr bwMode="auto">
+          <a:xfrm>
+            <a:off x="534683" y="4702926"/>
+            <a:ext cx="5365751" cy="1393500"/>
+          </a:xfrm>
+          <a:prstGeom prst="rect">
+            <a:avLst/>
+          </a:prstGeom>
+          <a:noFill/>
+          <a:extLst>
+            <a:ext uri="{909E8E84-426E-40DD-AFC4-6F175D3DCCD1}">
+              <a14:hiddenFill xmlns:a14="http://schemas.microsoft.com/office/drawing/2010/main">
+                <a:solidFill>
+                  <a:srgbClr val="FFFFFF"/>
+                </a:solidFill>
+              </a14:hiddenFill>
+            </a:ext>
+          </a:extLst>
+        </p:spPr>
+      </p:pic>
+      <p:pic>
+        <p:nvPicPr>
+          <p:cNvPr id="1028" name="Picture 4">
+            <a:extLst>
+              <a:ext uri="{FF2B5EF4-FFF2-40B4-BE49-F238E27FC236}">
+                <a16:creationId xmlns:a16="http://schemas.microsoft.com/office/drawing/2014/main" id="{59F3257E-E084-47F9-B8C6-0791C9163FAD}"/>
+              </a:ext>
+            </a:extLst>
+          </p:cNvPr>
+          <p:cNvPicPr>
+            <a:picLocks noChangeAspect="1" noChangeArrowheads="1"/>
+          </p:cNvPicPr>
+          <p:nvPr/>
+        </p:nvPicPr>
+        <p:blipFill rotWithShape="1">
+          <a:blip r:embed="rId3">
+            <a:extLst>
+              <a:ext uri="{28A0092B-C50C-407E-A947-70E740481C1C}">
+                <a14:useLocalDpi xmlns:a14="http://schemas.microsoft.com/office/drawing/2010/main" val="0"/>
+              </a:ext>
+            </a:extLst>
+          </a:blip>
+          <a:srcRect r="52770"/>
+          <a:stretch/>
+        </p:blipFill>
+        <p:spPr bwMode="auto">
+          <a:xfrm>
+            <a:off x="6596501" y="4702924"/>
+            <a:ext cx="4072958" cy="1393501"/>
+          </a:xfrm>
+          <a:prstGeom prst="rect">
+            <a:avLst/>
+          </a:prstGeom>
+          <a:noFill/>
+          <a:extLst>
+            <a:ext uri="{909E8E84-426E-40DD-AFC4-6F175D3DCCD1}">
+              <a14:hiddenFill xmlns:a14="http://schemas.microsoft.com/office/drawing/2010/main">
+                <a:solidFill>
+                  <a:srgbClr val="FFFFFF"/>
+                </a:solidFill>
+              </a14:hiddenFill>
+            </a:ext>
+          </a:extLst>
+        </p:spPr>
+      </p:pic>
+    </p:spTree>
+    <p:extLst>
+      <p:ext uri="{BB962C8B-B14F-4D97-AF65-F5344CB8AC3E}">
+        <p14:creationId xmlns:p14="http://schemas.microsoft.com/office/powerpoint/2010/main" val="2288452711"/>
+      </p:ext>
+    </p:extLst>
+  </p:cSld>
+  <p:clrMapOvr>
+    <a:masterClrMapping/>
+  </p:clrMapOvr>
+</p:sld>
+</file>
+
+<file path=ppt/slides/slide9.xml><?xml version="1.0" encoding="utf-8"?>
+<p:sld xmlns:a="http://schemas.openxmlformats.org/drawingml/2006/main" xmlns:r="http://schemas.openxmlformats.org/officeDocument/2006/relationships" xmlns:p="http://schemas.openxmlformats.org/presentationml/2006/main">
+  <p:cSld>
+    <p:spTree>
+      <p:nvGrpSpPr>
+        <p:cNvPr id="1" name=""/>
+        <p:cNvGrpSpPr/>
+        <p:nvPr/>
+      </p:nvGrpSpPr>
+      <p:grpSpPr>
+        <a:xfrm>
+          <a:off x="0" y="0"/>
+          <a:ext cx="0" cy="0"/>
+          <a:chOff x="0" y="0"/>
+          <a:chExt cx="0" cy="0"/>
+        </a:xfrm>
+      </p:grpSpPr>
+      <p:sp>
+        <p:nvSpPr>
+          <p:cNvPr id="3" name="Marcador de Posição de Conteúdo 2">
+            <a:extLst>
+              <a:ext uri="{FF2B5EF4-FFF2-40B4-BE49-F238E27FC236}">
+                <a16:creationId xmlns:a16="http://schemas.microsoft.com/office/drawing/2014/main" id="{AC7FFF11-5276-4E7D-8DB1-3F95B22B2B02}"/>
+              </a:ext>
+            </a:extLst>
+          </p:cNvPr>
+          <p:cNvSpPr>
+            <a:spLocks noGrp="1"/>
+          </p:cNvSpPr>
+          <p:nvPr>
+            <p:ph sz="half" idx="1"/>
+          </p:nvPr>
+        </p:nvSpPr>
+        <p:spPr>
+          <a:xfrm>
+            <a:off x="1261871" y="1828800"/>
+            <a:ext cx="8830711" cy="4351337"/>
+          </a:xfrm>
+        </p:spPr>
+        <p:txBody>
+          <a:bodyPr>
+            <a:normAutofit lnSpcReduction="10000"/>
+          </a:bodyPr>
+          <a:lstStyle/>
+          <a:p>
+            <a:pPr marL="0" indent="0">
+              <a:buNone/>
+            </a:pPr>
+            <a:r>
+              <a:rPr lang="pt-PT" sz="2100" dirty="0">
+                <a:latin typeface="Tilda Sans" panose="020B0502020204020303" pitchFamily="34" charset="0"/>
+              </a:rPr>
+              <a:t>	</a:t>
+            </a:r>
+            <a:r>
+              <a:rPr lang="pt-PT" sz="2000" dirty="0">
+                <a:latin typeface="Tilda Sans" panose="020B0502020204020303" pitchFamily="34" charset="0"/>
+              </a:rPr>
+              <a:t>Em conclusão, podemos dizer que a realização deste projeto foi muito útil pois permitiu-nos consolidar os conhecimentos todos das aulas de Algoritmos e Estruturas de Dados, assim como trabalhar com as estruturas de dados e algoritmos já lecionados de uma maneira mais prática e aplicada à vida real.</a:t>
+            </a:r>
+          </a:p>
+          <a:p>
+            <a:pPr marL="0" indent="0">
+              <a:buNone/>
+            </a:pPr>
+            <a:r>
+              <a:rPr lang="pt-PT" sz="2000" dirty="0">
+                <a:latin typeface="Tilda Sans" panose="020B0502020204020303" pitchFamily="34" charset="0"/>
+              </a:rPr>
+              <a:t>	Por ser um projeto de maior dimensão, a dificuldade é claramente um pouco maior do que os exercícios semanais, mas mesmo assim consideramo-nos bastante satisfeitos com o resultado final que apresentamos. </a:t>
+            </a:r>
+          </a:p>
+          <a:p>
+            <a:pPr marL="0" indent="0">
+              <a:buNone/>
+            </a:pPr>
+            <a:r>
+              <a:rPr lang="pt-PT" sz="2000" dirty="0">
+                <a:latin typeface="Tilda Sans" panose="020B0502020204020303" pitchFamily="34" charset="0"/>
+              </a:rPr>
+              <a:t>	No final, a nossa solução tem todas as funcionalidades pedidas e ainda mais algumas implementadas e utiliza todas as estruturas de dados hierárquicas e lineares com que já trabalhamos, assim como alguns dos algoritmos de pesquisa e ordenação que já aprendemos.</a:t>
+            </a:r>
+          </a:p>
+          <a:p>
+            <a:pPr marL="0" indent="0">
+              <a:buNone/>
+            </a:pPr>
+            <a:r>
+              <a:rPr lang="pt-PT" sz="2000" dirty="0">
+                <a:latin typeface="Tilda Sans" panose="020B0502020204020303" pitchFamily="34" charset="0"/>
+              </a:rPr>
+              <a:t>	</a:t>
+            </a:r>
+          </a:p>
+        </p:txBody>
+      </p:sp>
+      <p:sp>
+        <p:nvSpPr>
+          <p:cNvPr id="5" name="Título 1">
+            <a:extLst>
+              <a:ext uri="{FF2B5EF4-FFF2-40B4-BE49-F238E27FC236}">
+                <a16:creationId xmlns:a16="http://schemas.microsoft.com/office/drawing/2014/main" id="{2B9AD018-822E-49C9-8560-F35AF4812D06}"/>
+              </a:ext>
+            </a:extLst>
+          </p:cNvPr>
+          <p:cNvSpPr txBox="1">
+            <a:spLocks/>
+          </p:cNvSpPr>
+          <p:nvPr/>
+        </p:nvSpPr>
+        <p:spPr>
+          <a:xfrm>
+            <a:off x="730249" y="446445"/>
+            <a:ext cx="10058400" cy="999859"/>
+          </a:xfrm>
+          <a:prstGeom prst="rect">
+            <a:avLst/>
+          </a:prstGeom>
+        </p:spPr>
+        <p:txBody>
+          <a:bodyPr vert="horz" lIns="91440" tIns="45720" rIns="91440" bIns="45720" rtlCol="0" anchor="b">
+            <a:noAutofit/>
+          </a:bodyPr>
+          <a:lstStyle>
+            <a:lvl1pPr algn="l" defTabSz="914400" rtl="0" eaLnBrk="1" latinLnBrk="0" hangingPunct="1">
+              <a:lnSpc>
+                <a:spcPct val="90000"/>
+              </a:lnSpc>
+              <a:spcBef>
+                <a:spcPct val="0"/>
+              </a:spcBef>
+              <a:buNone/>
+              <a:defRPr sz="4400" kern="1200" spc="-50" baseline="0">
+                <a:solidFill>
+                  <a:schemeClr val="tx1"/>
+                </a:solidFill>
+                <a:latin typeface="+mj-lt"/>
+                <a:ea typeface="+mj-ea"/>
+                <a:cs typeface="+mj-cs"/>
+              </a:defRPr>
+            </a:lvl1pPr>
+          </a:lstStyle>
+          <a:p>
+            <a:pPr>
+              <a:lnSpc>
+                <a:spcPct val="85000"/>
+              </a:lnSpc>
+            </a:pPr>
+            <a:r>
+              <a:rPr lang="pt-PT" sz="5400" cap="small" dirty="0">
+                <a:latin typeface="Rokkitt" pitchFamily="2" charset="0"/>
+                <a:ea typeface="JetBrains Mono" panose="02000009000000000000" pitchFamily="49" charset="0"/>
+                <a:cs typeface="JetBrains Mono" panose="02000009000000000000" pitchFamily="49" charset="0"/>
+              </a:rPr>
+              <a:t>Conclusão</a:t>
+            </a:r>
+          </a:p>
+        </p:txBody>
+      </p:sp>
+      <p:sp>
+        <p:nvSpPr>
+          <p:cNvPr id="4" name="Subtítulo 2">
+            <a:extLst>
+              <a:ext uri="{FF2B5EF4-FFF2-40B4-BE49-F238E27FC236}">
+                <a16:creationId xmlns:a16="http://schemas.microsoft.com/office/drawing/2014/main" id="{9A68359E-2D1C-4B37-A5A8-799D2B7527BB}"/>
+              </a:ext>
+            </a:extLst>
+          </p:cNvPr>
+          <p:cNvSpPr txBox="1">
+            <a:spLocks/>
+          </p:cNvSpPr>
+          <p:nvPr/>
+        </p:nvSpPr>
+        <p:spPr>
+          <a:xfrm>
+            <a:off x="7751035" y="5608763"/>
+            <a:ext cx="3401226" cy="1142747"/>
+          </a:xfrm>
+          <a:prstGeom prst="rect">
+            <a:avLst/>
+          </a:prstGeom>
+        </p:spPr>
+        <p:txBody>
+          <a:bodyPr vert="horz" lIns="91440" tIns="45720" rIns="91440" bIns="45720" rtlCol="0">
+            <a:noAutofit/>
+          </a:bodyPr>
+          <a:lstStyle>
+            <a:lvl1pPr marL="0" indent="0" algn="l" defTabSz="914400" rtl="0" eaLnBrk="1" latinLnBrk="0" hangingPunct="1">
+              <a:lnSpc>
+                <a:spcPct val="95000"/>
+              </a:lnSpc>
+              <a:spcBef>
+                <a:spcPts val="1400"/>
+              </a:spcBef>
+              <a:spcAft>
+                <a:spcPts val="200"/>
+              </a:spcAft>
+              <a:buClr>
+                <a:schemeClr val="accent1"/>
+              </a:buClr>
+              <a:buSzPct val="80000"/>
+              <a:buFont typeface="Arial" pitchFamily="34" charset="0"/>
+              <a:buNone/>
+              <a:defRPr sz="2200" kern="1200" spc="10" baseline="0">
+                <a:solidFill>
+                  <a:schemeClr val="tx1">
+                    <a:lumMod val="75000"/>
+                  </a:schemeClr>
+                </a:solidFill>
+                <a:latin typeface="+mn-lt"/>
+                <a:ea typeface="+mn-ea"/>
+                <a:cs typeface="+mn-cs"/>
+              </a:defRPr>
+            </a:lvl1pPr>
+            <a:lvl2pPr marL="457200" indent="0" algn="ctr" defTabSz="914400" rtl="0" eaLnBrk="1" latinLnBrk="0" hangingPunct="1">
+              <a:lnSpc>
+                <a:spcPct val="90000"/>
+              </a:lnSpc>
+              <a:spcBef>
+                <a:spcPts val="300"/>
+              </a:spcBef>
+              <a:spcAft>
+                <a:spcPts val="300"/>
+              </a:spcAft>
+              <a:buClr>
+                <a:schemeClr val="accent1"/>
+              </a:buClr>
+              <a:buFont typeface="Wingdings 2" pitchFamily="18" charset="2"/>
+              <a:buNone/>
+              <a:defRPr sz="2200" kern="1200">
+                <a:solidFill>
+                  <a:schemeClr val="tx1">
+                    <a:lumMod val="85000"/>
+                    <a:lumOff val="15000"/>
+                  </a:schemeClr>
+                </a:solidFill>
+                <a:latin typeface="+mn-lt"/>
+                <a:ea typeface="+mn-ea"/>
+                <a:cs typeface="+mn-cs"/>
+              </a:defRPr>
+            </a:lvl2pPr>
+            <a:lvl3pPr marL="914400" indent="0" algn="ctr" defTabSz="914400" rtl="0" eaLnBrk="1" latinLnBrk="0" hangingPunct="1">
+              <a:lnSpc>
+                <a:spcPct val="90000"/>
+              </a:lnSpc>
+              <a:spcBef>
+                <a:spcPts val="300"/>
+              </a:spcBef>
+              <a:spcAft>
+                <a:spcPts val="300"/>
+              </a:spcAft>
+              <a:buClr>
+                <a:schemeClr val="accent1"/>
+              </a:buClr>
+              <a:buFont typeface="Wingdings 2" pitchFamily="18" charset="2"/>
+              <a:buNone/>
+              <a:defRPr sz="2200" kern="1200">
+                <a:solidFill>
+                  <a:schemeClr val="tx1">
+                    <a:lumMod val="85000"/>
+                    <a:lumOff val="15000"/>
+                  </a:schemeClr>
+                </a:solidFill>
+                <a:latin typeface="+mn-lt"/>
+                <a:ea typeface="+mn-ea"/>
+                <a:cs typeface="+mn-cs"/>
+              </a:defRPr>
+            </a:lvl3pPr>
+            <a:lvl4pPr marL="1371600" indent="0" algn="ctr" defTabSz="914400" rtl="0" eaLnBrk="1" latinLnBrk="0" hangingPunct="1">
+              <a:lnSpc>
+                <a:spcPct val="90000"/>
+              </a:lnSpc>
+              <a:spcBef>
+                <a:spcPts val="300"/>
+              </a:spcBef>
+              <a:spcAft>
+                <a:spcPts val="300"/>
+              </a:spcAft>
+              <a:buClr>
+                <a:schemeClr val="accent1"/>
+              </a:buClr>
+              <a:buFont typeface="Wingdings 2" pitchFamily="18" charset="2"/>
+              <a:buNone/>
+              <a:defRPr sz="2000" kern="1200">
+                <a:solidFill>
+                  <a:schemeClr val="tx1">
+                    <a:lumMod val="85000"/>
+                    <a:lumOff val="15000"/>
+                  </a:schemeClr>
+                </a:solidFill>
+                <a:latin typeface="+mn-lt"/>
+                <a:ea typeface="+mn-ea"/>
+                <a:cs typeface="+mn-cs"/>
+              </a:defRPr>
+            </a:lvl4pPr>
+            <a:lvl5pPr marL="1828800" indent="0" algn="ctr" defTabSz="914400" rtl="0" eaLnBrk="1" latinLnBrk="0" hangingPunct="1">
+              <a:lnSpc>
+                <a:spcPct val="90000"/>
+              </a:lnSpc>
+              <a:spcBef>
+                <a:spcPts val="300"/>
+              </a:spcBef>
+              <a:spcAft>
+                <a:spcPts val="300"/>
+              </a:spcAft>
+              <a:buClr>
+                <a:schemeClr val="accent1"/>
+              </a:buClr>
+              <a:buFont typeface="Wingdings 2" pitchFamily="18" charset="2"/>
+              <a:buNone/>
+              <a:defRPr sz="2000" kern="1200">
+                <a:solidFill>
+                  <a:schemeClr val="tx1">
+                    <a:lumMod val="85000"/>
+                    <a:lumOff val="15000"/>
+                  </a:schemeClr>
+                </a:solidFill>
+                <a:latin typeface="+mn-lt"/>
+                <a:ea typeface="+mn-ea"/>
+                <a:cs typeface="+mn-cs"/>
+              </a:defRPr>
+            </a:lvl5pPr>
+            <a:lvl6pPr marL="2286000" indent="0" algn="ctr" defTabSz="914400" rtl="0" eaLnBrk="1" latinLnBrk="0" hangingPunct="1">
+              <a:lnSpc>
+                <a:spcPct val="90000"/>
+              </a:lnSpc>
+              <a:spcBef>
+                <a:spcPts val="300"/>
+              </a:spcBef>
+              <a:spcAft>
+                <a:spcPts val="300"/>
+              </a:spcAft>
+              <a:buClr>
+                <a:schemeClr val="accent1"/>
+              </a:buClr>
+              <a:buFont typeface="Wingdings 2" pitchFamily="18" charset="2"/>
+              <a:buNone/>
+              <a:defRPr sz="2000" kern="1200">
+                <a:solidFill>
+                  <a:schemeClr val="tx1">
+                    <a:lumMod val="85000"/>
+                    <a:lumOff val="15000"/>
+                  </a:schemeClr>
+                </a:solidFill>
+                <a:latin typeface="+mn-lt"/>
+                <a:ea typeface="+mn-ea"/>
+                <a:cs typeface="+mn-cs"/>
+              </a:defRPr>
+            </a:lvl6pPr>
+            <a:lvl7pPr marL="2743200" indent="0" algn="ctr" defTabSz="914400" rtl="0" eaLnBrk="1" latinLnBrk="0" hangingPunct="1">
+              <a:lnSpc>
+                <a:spcPct val="90000"/>
+              </a:lnSpc>
+              <a:spcBef>
+                <a:spcPts val="300"/>
+              </a:spcBef>
+              <a:spcAft>
+                <a:spcPts val="300"/>
+              </a:spcAft>
+              <a:buClr>
+                <a:schemeClr val="accent1"/>
+              </a:buClr>
+              <a:buFont typeface="Wingdings 2" pitchFamily="18" charset="2"/>
+              <a:buNone/>
+              <a:defRPr sz="2000" kern="1200">
+                <a:solidFill>
+                  <a:schemeClr val="tx1">
+                    <a:lumMod val="85000"/>
+                    <a:lumOff val="15000"/>
+                  </a:schemeClr>
+                </a:solidFill>
+                <a:latin typeface="+mn-lt"/>
+                <a:ea typeface="+mn-ea"/>
+                <a:cs typeface="+mn-cs"/>
+              </a:defRPr>
+            </a:lvl7pPr>
+            <a:lvl8pPr marL="3200400" indent="0" algn="ctr" defTabSz="914400" rtl="0" eaLnBrk="1" latinLnBrk="0" hangingPunct="1">
+              <a:lnSpc>
+                <a:spcPct val="90000"/>
+              </a:lnSpc>
+              <a:spcBef>
+                <a:spcPts val="300"/>
+              </a:spcBef>
+              <a:spcAft>
+                <a:spcPts val="300"/>
+              </a:spcAft>
+              <a:buClr>
+                <a:schemeClr val="accent1"/>
+              </a:buClr>
+              <a:buFont typeface="Wingdings 2" pitchFamily="18" charset="2"/>
+              <a:buNone/>
+              <a:defRPr sz="2000" kern="1200">
+                <a:solidFill>
+                  <a:schemeClr val="tx1">
+                    <a:lumMod val="85000"/>
+                    <a:lumOff val="15000"/>
+                  </a:schemeClr>
+                </a:solidFill>
+                <a:latin typeface="+mn-lt"/>
+                <a:ea typeface="+mn-ea"/>
+                <a:cs typeface="+mn-cs"/>
+              </a:defRPr>
+            </a:lvl8pPr>
+            <a:lvl9pPr marL="3657600" indent="0" algn="ctr" defTabSz="914400" rtl="0" eaLnBrk="1" latinLnBrk="0" hangingPunct="1">
+              <a:lnSpc>
+                <a:spcPct val="90000"/>
+              </a:lnSpc>
+              <a:spcBef>
+                <a:spcPts val="300"/>
+              </a:spcBef>
+              <a:spcAft>
+                <a:spcPts val="300"/>
+              </a:spcAft>
+              <a:buClr>
+                <a:schemeClr val="accent1"/>
+              </a:buClr>
+              <a:buFont typeface="Wingdings 2" pitchFamily="18" charset="2"/>
+              <a:buNone/>
+              <a:defRPr sz="2000" kern="1200">
+                <a:solidFill>
+                  <a:schemeClr val="tx1">
+                    <a:lumMod val="85000"/>
+                    <a:lumOff val="15000"/>
+                  </a:schemeClr>
+                </a:solidFill>
+                <a:latin typeface="+mn-lt"/>
+                <a:ea typeface="+mn-ea"/>
+                <a:cs typeface="+mn-cs"/>
+              </a:defRPr>
+            </a:lvl9pPr>
+          </a:lstStyle>
+          <a:p>
+            <a:pPr algn="ctr">
+              <a:lnSpc>
+                <a:spcPct val="100000"/>
+              </a:lnSpc>
+              <a:spcBef>
+                <a:spcPts val="0"/>
+              </a:spcBef>
+              <a:spcAft>
+                <a:spcPts val="1200"/>
+              </a:spcAft>
+            </a:pPr>
+            <a:r>
+              <a:rPr lang="pt-PT" sz="1600" dirty="0">
+                <a:solidFill>
+                  <a:schemeClr val="tx1"/>
+                </a:solidFill>
+                <a:latin typeface="Tilda Sans" panose="020B0502020204020303" pitchFamily="34" charset="0"/>
+              </a:rPr>
+              <a:t>Turma 01, Grupo 15</a:t>
+            </a:r>
+          </a:p>
+          <a:p>
+            <a:pPr algn="just">
+              <a:lnSpc>
+                <a:spcPct val="100000"/>
+              </a:lnSpc>
+              <a:spcBef>
+                <a:spcPts val="0"/>
+              </a:spcBef>
+              <a:spcAft>
+                <a:spcPts val="0"/>
+              </a:spcAft>
+            </a:pPr>
+            <a:r>
+              <a:rPr lang="pt-PT" sz="1600" dirty="0">
+                <a:solidFill>
+                  <a:schemeClr val="tx1"/>
+                </a:solidFill>
+                <a:latin typeface="Tilda Sans" panose="020B0502020204020303" pitchFamily="34" charset="0"/>
+              </a:rPr>
+              <a:t>Rafael Teixeira de Magalhães</a:t>
+            </a:r>
+            <a:br>
+              <a:rPr lang="pt-PT" sz="1600" dirty="0">
+                <a:solidFill>
+                  <a:schemeClr val="tx1"/>
+                </a:solidFill>
+                <a:latin typeface="Tilda Sans" panose="020B0502020204020303" pitchFamily="34" charset="0"/>
+              </a:rPr>
+            </a:br>
+            <a:r>
+              <a:rPr lang="pt-PT" sz="1600" dirty="0">
+                <a:solidFill>
+                  <a:schemeClr val="tx1"/>
+                </a:solidFill>
+                <a:latin typeface="Tilda Sans" panose="020B0502020204020303" pitchFamily="34" charset="0"/>
+              </a:rPr>
+              <a:t>Ricardo de Freitas Oliveira</a:t>
+            </a:r>
+            <a:br>
+              <a:rPr lang="pt-PT" sz="1600" dirty="0">
+                <a:solidFill>
+                  <a:schemeClr val="tx1"/>
+                </a:solidFill>
+                <a:latin typeface="Tilda Sans" panose="020B0502020204020303" pitchFamily="34" charset="0"/>
+              </a:rPr>
+            </a:br>
+            <a:r>
+              <a:rPr lang="pt-PT" sz="1600" dirty="0">
+                <a:solidFill>
+                  <a:schemeClr val="tx1"/>
+                </a:solidFill>
+                <a:latin typeface="Tilda Sans" panose="020B0502020204020303" pitchFamily="34" charset="0"/>
+              </a:rPr>
+              <a:t>Rodrigo Albergaria Coelho e Silva</a:t>
+            </a:r>
+          </a:p>
+        </p:txBody>
+      </p:sp>
+    </p:spTree>
+    <p:extLst>
+      <p:ext uri="{BB962C8B-B14F-4D97-AF65-F5344CB8AC3E}">
+        <p14:creationId xmlns:p14="http://schemas.microsoft.com/office/powerpoint/2010/main" val="629299223"/>
       </p:ext>
     </p:extLst>
   </p:cSld>
@@ -4755,110 +7562,58 @@
 </file>
 
 <file path=ppt/theme/theme1.xml><?xml version="1.0" encoding="utf-8"?>
-<a:theme xmlns:a="http://schemas.openxmlformats.org/drawingml/2006/main" name="Tema do Office">
+<a:theme xmlns:a="http://schemas.openxmlformats.org/drawingml/2006/main" name="Vista">
   <a:themeElements>
-    <a:clrScheme name="Office">
+    <a:clrScheme name="Vista">
       <a:dk1>
-        <a:sysClr val="windowText" lastClr="000000"/>
+        <a:srgbClr val="000000"/>
       </a:dk1>
       <a:lt1>
-        <a:sysClr val="window" lastClr="FFFFFF"/>
+        <a:srgbClr val="FFFFFF"/>
       </a:lt1>
       <a:dk2>
-        <a:srgbClr val="44546A"/>
+        <a:srgbClr val="46464A"/>
       </a:dk2>
       <a:lt2>
-        <a:srgbClr val="E7E6E6"/>
+        <a:srgbClr val="D6D3CC"/>
       </a:lt2>
       <a:accent1>
-        <a:srgbClr val="4472C4"/>
+        <a:srgbClr val="6F6F74"/>
       </a:accent1>
       <a:accent2>
-        <a:srgbClr val="ED7D31"/>
+        <a:srgbClr val="92A9B9"/>
       </a:accent2>
       <a:accent3>
-        <a:srgbClr val="A5A5A5"/>
+        <a:srgbClr val="A7B789"/>
       </a:accent3>
       <a:accent4>
-        <a:srgbClr val="FFC000"/>
+        <a:srgbClr val="B9A489"/>
       </a:accent4>
       <a:accent5>
-        <a:srgbClr val="5B9BD5"/>
+        <a:srgbClr val="8D6374"/>
       </a:accent5>
       <a:accent6>
-        <a:srgbClr val="70AD47"/>
+        <a:srgbClr val="9B7362"/>
       </a:accent6>
       <a:hlink>
-        <a:srgbClr val="0563C1"/>
+        <a:srgbClr val="67AABF"/>
       </a:hlink>
       <a:folHlink>
-        <a:srgbClr val="954F72"/>
+        <a:srgbClr val="ABAFA5"/>
       </a:folHlink>
     </a:clrScheme>
-    <a:fontScheme name="Office">
+    <a:fontScheme name="Vista">
       <a:majorFont>
-        <a:latin typeface="Calibri Light" panose="020F0302020204030204"/>
+        <a:latin typeface="Century Schoolbook" panose="02040604050505020304"/>
         <a:ea typeface=""/>
         <a:cs typeface=""/>
-        <a:font script="Jpan" typeface="游ゴシック Light"/>
+        <a:font script="Jpan" typeface="ＭＳ ゴシック"/>
         <a:font script="Hang" typeface="맑은 고딕"/>
-        <a:font script="Hans" typeface="等线 Light"/>
+        <a:font script="Hans" typeface="宋体"/>
         <a:font script="Hant" typeface="新細明體"/>
-        <a:font script="Arab" typeface="Times New Roman"/>
-        <a:font script="Hebr" typeface="Times New Roman"/>
-        <a:font script="Thai" typeface="Angsana New"/>
-        <a:font script="Ethi" typeface="Nyala"/>
-        <a:font script="Beng" typeface="Vrinda"/>
-        <a:font script="Gujr" typeface="Shruti"/>
-        <a:font script="Khmr" typeface="MoolBoran"/>
-        <a:font script="Knda" typeface="Tunga"/>
-        <a:font script="Guru" typeface="Raavi"/>
-        <a:font script="Cans" typeface="Euphemia"/>
-        <a:font script="Cher" typeface="Plantagenet Cherokee"/>
-        <a:font script="Yiii" typeface="Microsoft Yi Baiti"/>
-        <a:font script="Tibt" typeface="Microsoft Himalaya"/>
-        <a:font script="Thaa" typeface="MV Boli"/>
-        <a:font script="Deva" typeface="Mangal"/>
-        <a:font script="Telu" typeface="Gautami"/>
-        <a:font script="Taml" typeface="Latha"/>
-        <a:font script="Syrc" typeface="Estrangelo Edessa"/>
-        <a:font script="Orya" typeface="Kalinga"/>
-        <a:font script="Mlym" typeface="Kartika"/>
-        <a:font script="Laoo" typeface="DokChampa"/>
-        <a:font script="Sinh" typeface="Iskoola Pota"/>
-        <a:font script="Mong" typeface="Mongolian Baiti"/>
-        <a:font script="Viet" typeface="Times New Roman"/>
-        <a:font script="Uigh" typeface="Microsoft Uighur"/>
-        <a:font script="Geor" typeface="Sylfaen"/>
-        <a:font script="Armn" typeface="Arial"/>
-        <a:font script="Bugi" typeface="Leelawadee UI"/>
-        <a:font script="Bopo" typeface="Microsoft JhengHei"/>
-        <a:font script="Java" typeface="Javanese Text"/>
-        <a:font script="Lisu" typeface="Segoe UI"/>
-        <a:font script="Mymr" typeface="Myanmar Text"/>
-        <a:font script="Nkoo" typeface="Ebrima"/>
-        <a:font script="Olck" typeface="Nirmala UI"/>
-        <a:font script="Osma" typeface="Ebrima"/>
-        <a:font script="Phag" typeface="Phagspa"/>
-        <a:font script="Syrn" typeface="Estrangelo Edessa"/>
-        <a:font script="Syrj" typeface="Estrangelo Edessa"/>
-        <a:font script="Syre" typeface="Estrangelo Edessa"/>
-        <a:font script="Sora" typeface="Nirmala UI"/>
-        <a:font script="Tale" typeface="Microsoft Tai Le"/>
-        <a:font script="Talu" typeface="Microsoft New Tai Lue"/>
-        <a:font script="Tfng" typeface="Ebrima"/>
-      </a:majorFont>
-      <a:minorFont>
-        <a:latin typeface="Calibri" panose="020F0502020204030204"/>
-        <a:ea typeface=""/>
-        <a:cs typeface=""/>
-        <a:font script="Jpan" typeface="游ゴシック"/>
-        <a:font script="Hang" typeface="맑은 고딕"/>
-        <a:font script="Hans" typeface="等线"/>
-        <a:font script="Hant" typeface="新細明體"/>
-        <a:font script="Arab" typeface="Arial"/>
-        <a:font script="Hebr" typeface="Arial"/>
-        <a:font script="Thai" typeface="Cordia New"/>
+        <a:font script="Arab" typeface="Tahoma"/>
+        <a:font script="Hebr" typeface="Gisha"/>
+        <a:font script="Thai" typeface="DilleniaUPC"/>
         <a:font script="Ethi" typeface="Nyala"/>
         <a:font script="Beng" typeface="Vrinda"/>
         <a:font script="Gujr" typeface="Shruti"/>
@@ -4879,107 +7634,86 @@
         <a:font script="Laoo" typeface="DokChampa"/>
         <a:font script="Sinh" typeface="Iskoola Pota"/>
         <a:font script="Mong" typeface="Mongolian Baiti"/>
-        <a:font script="Viet" typeface="Arial"/>
+        <a:font script="Viet" typeface="Tahoma"/>
         <a:font script="Uigh" typeface="Microsoft Uighur"/>
         <a:font script="Geor" typeface="Sylfaen"/>
-        <a:font script="Armn" typeface="Arial"/>
-        <a:font script="Bugi" typeface="Leelawadee UI"/>
-        <a:font script="Bopo" typeface="Microsoft JhengHei"/>
-        <a:font script="Java" typeface="Javanese Text"/>
-        <a:font script="Lisu" typeface="Segoe UI"/>
-        <a:font script="Mymr" typeface="Myanmar Text"/>
-        <a:font script="Nkoo" typeface="Ebrima"/>
-        <a:font script="Olck" typeface="Nirmala UI"/>
-        <a:font script="Osma" typeface="Ebrima"/>
-        <a:font script="Phag" typeface="Phagspa"/>
-        <a:font script="Syrn" typeface="Estrangelo Edessa"/>
-        <a:font script="Syrj" typeface="Estrangelo Edessa"/>
-        <a:font script="Syre" typeface="Estrangelo Edessa"/>
-        <a:font script="Sora" typeface="Nirmala UI"/>
-        <a:font script="Tale" typeface="Microsoft Tai Le"/>
-        <a:font script="Talu" typeface="Microsoft New Tai Lue"/>
-        <a:font script="Tfng" typeface="Ebrima"/>
+      </a:majorFont>
+      <a:minorFont>
+        <a:latin typeface="Century Schoolbook" panose="02040604050505020304"/>
+        <a:ea typeface=""/>
+        <a:cs typeface=""/>
+        <a:font script="Jpan" typeface="ＭＳ ゴシック"/>
+        <a:font script="Hang" typeface="맑은 고딕"/>
+        <a:font script="Hans" typeface="宋体"/>
+        <a:font script="Hant" typeface="新細明體"/>
+        <a:font script="Arab" typeface="Tahoma"/>
+        <a:font script="Hebr" typeface="Gisha"/>
+        <a:font script="Thai" typeface="DilleniaUPC"/>
+        <a:font script="Ethi" typeface="Nyala"/>
+        <a:font script="Beng" typeface="Vrinda"/>
+        <a:font script="Gujr" typeface="Shruti"/>
+        <a:font script="Khmr" typeface="DaunPenh"/>
+        <a:font script="Knda" typeface="Tunga"/>
+        <a:font script="Guru" typeface="Raavi"/>
+        <a:font script="Cans" typeface="Euphemia"/>
+        <a:font script="Cher" typeface="Plantagenet Cherokee"/>
+        <a:font script="Yiii" typeface="Microsoft Yi Baiti"/>
+        <a:font script="Tibt" typeface="Microsoft Himalaya"/>
+        <a:font script="Thaa" typeface="MV Boli"/>
+        <a:font script="Deva" typeface="Mangal"/>
+        <a:font script="Telu" typeface="Gautami"/>
+        <a:font script="Taml" typeface="Latha"/>
+        <a:font script="Syrc" typeface="Estrangelo Edessa"/>
+        <a:font script="Orya" typeface="Kalinga"/>
+        <a:font script="Mlym" typeface="Kartika"/>
+        <a:font script="Laoo" typeface="DokChampa"/>
+        <a:font script="Sinh" typeface="Iskoola Pota"/>
+        <a:font script="Mong" typeface="Mongolian Baiti"/>
+        <a:font script="Viet" typeface="Verdana"/>
+        <a:font script="Uigh" typeface="Microsoft Uighur"/>
+        <a:font script="Geor" typeface="Sylfaen"/>
       </a:minorFont>
     </a:fontScheme>
-    <a:fmtScheme name="Office">
+    <a:fmtScheme name="Vista">
       <a:fillStyleLst>
         <a:solidFill>
           <a:schemeClr val="phClr"/>
         </a:solidFill>
-        <a:gradFill rotWithShape="1">
-          <a:gsLst>
-            <a:gs pos="0">
-              <a:schemeClr val="phClr">
-                <a:lumMod val="110000"/>
-                <a:satMod val="105000"/>
-                <a:tint val="67000"/>
-              </a:schemeClr>
-            </a:gs>
-            <a:gs pos="50000">
-              <a:schemeClr val="phClr">
-                <a:lumMod val="105000"/>
-                <a:satMod val="103000"/>
-                <a:tint val="73000"/>
-              </a:schemeClr>
-            </a:gs>
-            <a:gs pos="100000">
-              <a:schemeClr val="phClr">
-                <a:lumMod val="105000"/>
-                <a:satMod val="109000"/>
-                <a:tint val="81000"/>
-              </a:schemeClr>
-            </a:gs>
-          </a:gsLst>
-          <a:lin ang="5400000" scaled="0"/>
-        </a:gradFill>
-        <a:gradFill rotWithShape="1">
-          <a:gsLst>
-            <a:gs pos="0">
-              <a:schemeClr val="phClr">
-                <a:satMod val="103000"/>
-                <a:lumMod val="102000"/>
-                <a:tint val="94000"/>
-              </a:schemeClr>
-            </a:gs>
-            <a:gs pos="50000">
-              <a:schemeClr val="phClr">
-                <a:satMod val="110000"/>
-                <a:lumMod val="100000"/>
-                <a:shade val="100000"/>
-              </a:schemeClr>
-            </a:gs>
-            <a:gs pos="100000">
-              <a:schemeClr val="phClr">
-                <a:lumMod val="99000"/>
-                <a:satMod val="120000"/>
-                <a:shade val="78000"/>
-              </a:schemeClr>
-            </a:gs>
-          </a:gsLst>
-          <a:lin ang="5400000" scaled="0"/>
-        </a:gradFill>
+        <a:solidFill>
+          <a:schemeClr val="phClr">
+            <a:tint val="60000"/>
+            <a:satMod val="120000"/>
+          </a:schemeClr>
+        </a:solidFill>
+        <a:solidFill>
+          <a:schemeClr val="phClr">
+            <a:shade val="75000"/>
+            <a:satMod val="160000"/>
+          </a:schemeClr>
+        </a:solidFill>
       </a:fillStyleLst>
       <a:lnStyleLst>
-        <a:ln w="6350" cap="flat" cmpd="sng" algn="ctr">
+        <a:ln w="9525" cap="flat" cmpd="sng" algn="ctr">
           <a:solidFill>
             <a:schemeClr val="phClr"/>
           </a:solidFill>
           <a:prstDash val="solid"/>
-          <a:miter lim="800000"/>
         </a:ln>
-        <a:ln w="12700" cap="flat" cmpd="sng" algn="ctr">
+        <a:ln w="13970" cap="flat" cmpd="sng" algn="ctr">
           <a:solidFill>
             <a:schemeClr val="phClr"/>
           </a:solidFill>
           <a:prstDash val="solid"/>
-          <a:miter lim="800000"/>
         </a:ln>
-        <a:ln w="19050" cap="flat" cmpd="sng" algn="ctr">
+        <a:ln w="17145" cap="flat" cmpd="sng" algn="ctr">
           <a:solidFill>
-            <a:schemeClr val="phClr"/>
+            <a:schemeClr val="phClr">
+              <a:shade val="95000"/>
+              <a:alpha val="95000"/>
+              <a:satMod val="150000"/>
+            </a:schemeClr>
           </a:solidFill>
           <a:prstDash val="solid"/>
-          <a:miter lim="800000"/>
         </a:ln>
       </a:lnStyleLst>
       <a:effectStyleLst>
@@ -4987,16 +7721,52 @@
           <a:effectLst/>
         </a:effectStyle>
         <a:effectStyle>
-          <a:effectLst/>
+          <a:effectLst>
+            <a:outerShdw blurRad="50800" dist="15240" dir="5400000" algn="tl" rotWithShape="0">
+              <a:srgbClr val="000000">
+                <a:alpha val="75000"/>
+              </a:srgbClr>
+            </a:outerShdw>
+          </a:effectLst>
+          <a:scene3d>
+            <a:camera prst="orthographicFront">
+              <a:rot lat="0" lon="0" rev="0"/>
+            </a:camera>
+            <a:lightRig rig="brightRoom" dir="tl"/>
+          </a:scene3d>
+          <a:sp3d contourW="9525" prstMaterial="flat">
+            <a:bevelT w="0" h="0" prst="coolSlant"/>
+            <a:contourClr>
+              <a:schemeClr val="phClr">
+                <a:shade val="35000"/>
+                <a:satMod val="130000"/>
+              </a:schemeClr>
+            </a:contourClr>
+          </a:sp3d>
         </a:effectStyle>
         <a:effectStyle>
           <a:effectLst>
-            <a:outerShdw blurRad="57150" dist="19050" dir="5400000" algn="ctr" rotWithShape="0">
+            <a:outerShdw blurRad="76200" dist="25400" dir="5400000" algn="tl" rotWithShape="0">
               <a:srgbClr val="000000">
-                <a:alpha val="63000"/>
+                <a:alpha val="55000"/>
               </a:srgbClr>
             </a:outerShdw>
           </a:effectLst>
+          <a:scene3d>
+            <a:camera prst="orthographicFront">
+              <a:rot lat="0" lon="0" rev="0"/>
+            </a:camera>
+            <a:lightRig rig="brightRoom" dir="tl"/>
+          </a:scene3d>
+          <a:sp3d contourW="19050" prstMaterial="flat">
+            <a:bevelT w="0" h="0" prst="coolSlant"/>
+            <a:contourClr>
+              <a:schemeClr val="phClr">
+                <a:shade val="25000"/>
+                <a:satMod val="140000"/>
+              </a:schemeClr>
+            </a:contourClr>
+          </a:sp3d>
         </a:effectStyle>
       </a:effectStyleLst>
       <a:bgFillStyleLst>
@@ -5013,28 +7783,23 @@
           <a:gsLst>
             <a:gs pos="0">
               <a:schemeClr val="phClr">
-                <a:tint val="93000"/>
-                <a:satMod val="150000"/>
+                <a:tint val="94000"/>
                 <a:shade val="98000"/>
+                <a:satMod val="130000"/>
                 <a:lumMod val="102000"/>
-              </a:schemeClr>
-            </a:gs>
-            <a:gs pos="50000">
-              <a:schemeClr val="phClr">
-                <a:tint val="98000"/>
-                <a:satMod val="130000"/>
-                <a:shade val="90000"/>
-                <a:lumMod val="103000"/>
               </a:schemeClr>
             </a:gs>
             <a:gs pos="100000">
               <a:schemeClr val="phClr">
-                <a:shade val="63000"/>
-                <a:satMod val="120000"/>
+                <a:tint val="98000"/>
+                <a:shade val="78000"/>
+                <a:satMod val="140000"/>
               </a:schemeClr>
             </a:gs>
           </a:gsLst>
-          <a:lin ang="5400000" scaled="0"/>
+          <a:path path="circle">
+            <a:fillToRect l="100000" t="100000" r="100000" b="100000"/>
+          </a:path>
         </a:gradFill>
       </a:bgFillStyleLst>
     </a:fmtScheme>
@@ -5043,7 +7808,7 @@
   <a:extraClrSchemeLst/>
   <a:extLst>
     <a:ext uri="{05A4C25C-085E-4340-85A3-A5531E510DB2}">
-      <thm15:themeFamily xmlns:thm15="http://schemas.microsoft.com/office/thememl/2012/main" name="Office Theme" id="{62F939B6-93AF-4DB8-9C6B-D6C7DFDC589F}" vid="{4A3C46E8-61CC-4603-A589-7422A47A8E4A}"/>
+      <thm15:themeFamily xmlns:thm15="http://schemas.microsoft.com/office/thememl/2012/main" name="View" id="{BA0EB5A6-F2D4-4F82-977B-64ADEE4A2A69}" vid="{3969A8A2-35DB-4E3B-8885-16FD20568674}"/>
     </a:ext>
   </a:extLst>
 </a:theme>
